--- a/week03/lab.pptx
+++ b/week03/lab.pptx
@@ -3177,7 +3177,7 @@
             </a:pPr>
             <a:r>
               <a:rPr/>
-              <a:t>October 10, 2023</a:t>
+              <a:t>October 15, 2024</a:t>
             </a:r>
           </a:p>
         </p:txBody>

--- a/week03/lab.pptx
+++ b/week03/lab.pptx
@@ -1,20 +1,20 @@
 
 <file path=ppt/presentation.xml><?xml version="1.0" encoding="utf-8"?>
-<p:presentation xmlns:a="http://schemas.openxmlformats.org/drawingml/2006/main" xmlns:p="http://schemas.openxmlformats.org/presentationml/2006/main" xmlns:r="http://schemas.openxmlformats.org/officeDocument/2006/relationships" autoCompressPictures="0" saveSubsetFonts="1">
+<p:presentation xmlns:a="http://schemas.openxmlformats.org/drawingml/2006/main" xmlns:p="http://schemas.openxmlformats.org/presentationml/2006/main" xmlns:r="http://schemas.openxmlformats.org/officeDocument/2006/relationships" autoCompressPictures="0">
   <p:sldMasterIdLst>
-    <p:sldMasterId id="2147483648" r:id="rId1"/>
+    <p:sldMasterId id="2147483686" r:id="rId1"/>
   </p:sldMasterIdLst>
   <p:sldIdLst>
     <p:sldId id="256" r:id="rId2"/>
     <p:sldId id="257" r:id="rId3"/>
   </p:sldIdLst>
-  <p:sldSz cx="9144000" cy="5143500" type="screen16x9"/>
+  <p:sldSz cx="12192000" cy="6858000"/>
   <p:notesSz cx="6858000" cy="9144000"/>
   <p:defaultTextStyle>
     <a:defPPr>
       <a:defRPr lang="en-US"/>
     </a:defPPr>
-    <a:lvl1pPr algn="l" defTabSz="457200" eaLnBrk="1" hangingPunct="1" latinLnBrk="0" marL="0" rtl="0">
+    <a:lvl1pPr algn="l" defTabSz="914400" eaLnBrk="1" hangingPunct="1" latinLnBrk="0" marL="0" rtl="0">
       <a:defRPr kern="1200" sz="1800">
         <a:solidFill>
           <a:schemeClr val="tx1"/>
@@ -24,7 +24,7 @@
         <a:cs typeface="+mn-cs"/>
       </a:defRPr>
     </a:lvl1pPr>
-    <a:lvl2pPr algn="l" defTabSz="457200" eaLnBrk="1" hangingPunct="1" latinLnBrk="0" marL="457200" rtl="0">
+    <a:lvl2pPr algn="l" defTabSz="914400" eaLnBrk="1" hangingPunct="1" latinLnBrk="0" marL="457200" rtl="0">
       <a:defRPr kern="1200" sz="1800">
         <a:solidFill>
           <a:schemeClr val="tx1"/>
@@ -34,7 +34,7 @@
         <a:cs typeface="+mn-cs"/>
       </a:defRPr>
     </a:lvl2pPr>
-    <a:lvl3pPr algn="l" defTabSz="457200" eaLnBrk="1" hangingPunct="1" latinLnBrk="0" marL="914400" rtl="0">
+    <a:lvl3pPr algn="l" defTabSz="914400" eaLnBrk="1" hangingPunct="1" latinLnBrk="0" marL="914400" rtl="0">
       <a:defRPr kern="1200" sz="1800">
         <a:solidFill>
           <a:schemeClr val="tx1"/>
@@ -44,7 +44,7 @@
         <a:cs typeface="+mn-cs"/>
       </a:defRPr>
     </a:lvl3pPr>
-    <a:lvl4pPr algn="l" defTabSz="457200" eaLnBrk="1" hangingPunct="1" latinLnBrk="0" marL="1371600" rtl="0">
+    <a:lvl4pPr algn="l" defTabSz="914400" eaLnBrk="1" hangingPunct="1" latinLnBrk="0" marL="1371600" rtl="0">
       <a:defRPr kern="1200" sz="1800">
         <a:solidFill>
           <a:schemeClr val="tx1"/>
@@ -54,7 +54,7 @@
         <a:cs typeface="+mn-cs"/>
       </a:defRPr>
     </a:lvl4pPr>
-    <a:lvl5pPr algn="l" defTabSz="457200" eaLnBrk="1" hangingPunct="1" latinLnBrk="0" marL="1828800" rtl="0">
+    <a:lvl5pPr algn="l" defTabSz="914400" eaLnBrk="1" hangingPunct="1" latinLnBrk="0" marL="1828800" rtl="0">
       <a:defRPr kern="1200" sz="1800">
         <a:solidFill>
           <a:schemeClr val="tx1"/>
@@ -64,7 +64,7 @@
         <a:cs typeface="+mn-cs"/>
       </a:defRPr>
     </a:lvl5pPr>
-    <a:lvl6pPr algn="l" defTabSz="457200" eaLnBrk="1" hangingPunct="1" latinLnBrk="0" marL="2286000" rtl="0">
+    <a:lvl6pPr algn="l" defTabSz="914400" eaLnBrk="1" hangingPunct="1" latinLnBrk="0" marL="2286000" rtl="0">
       <a:defRPr kern="1200" sz="1800">
         <a:solidFill>
           <a:schemeClr val="tx1"/>
@@ -74,7 +74,7 @@
         <a:cs typeface="+mn-cs"/>
       </a:defRPr>
     </a:lvl6pPr>
-    <a:lvl7pPr algn="l" defTabSz="457200" eaLnBrk="1" hangingPunct="1" latinLnBrk="0" marL="2743200" rtl="0">
+    <a:lvl7pPr algn="l" defTabSz="914400" eaLnBrk="1" hangingPunct="1" latinLnBrk="0" marL="2743200" rtl="0">
       <a:defRPr kern="1200" sz="1800">
         <a:solidFill>
           <a:schemeClr val="tx1"/>
@@ -84,7 +84,7 @@
         <a:cs typeface="+mn-cs"/>
       </a:defRPr>
     </a:lvl7pPr>
-    <a:lvl8pPr algn="l" defTabSz="457200" eaLnBrk="1" hangingPunct="1" latinLnBrk="0" marL="3200400" rtl="0">
+    <a:lvl8pPr algn="l" defTabSz="914400" eaLnBrk="1" hangingPunct="1" latinLnBrk="0" marL="3200400" rtl="0">
       <a:defRPr kern="1200" sz="1800">
         <a:solidFill>
           <a:schemeClr val="tx1"/>
@@ -94,7 +94,7 @@
         <a:cs typeface="+mn-cs"/>
       </a:defRPr>
     </a:lvl8pPr>
-    <a:lvl9pPr algn="l" defTabSz="457200" eaLnBrk="1" hangingPunct="1" latinLnBrk="0" marL="3657600" rtl="0">
+    <a:lvl9pPr algn="l" defTabSz="914400" eaLnBrk="1" hangingPunct="1" latinLnBrk="0" marL="3657600" rtl="0">
       <a:defRPr kern="1200" sz="1800">
         <a:solidFill>
           <a:schemeClr val="tx1"/>
@@ -108,12 +108,12 @@
   <p:extLst>
     <p:ext uri="{EFAFB233-063F-42B5-8137-9DF3F51BA10A}">
       <p15:sldGuideLst xmlns:p15="http://schemas.microsoft.com/office/powerpoint/2012/main">
-        <p15:guide id="1" orient="horz" pos="1620" userDrawn="1">
+        <p15:guide id="1" orient="horz" pos="2160" userDrawn="1">
           <p15:clr>
             <a:srgbClr val="A4A3A4"/>
           </p15:clr>
         </p15:guide>
-        <p15:guide id="2" pos="2880" userDrawn="1">
+        <p15:guide id="2" pos="3840" userDrawn="1">
           <p15:clr>
             <a:srgbClr val="A4A3A4"/>
           </p15:clr>
@@ -143,7 +143,13 @@
       </p:grpSpPr>
       <p:sp>
         <p:nvSpPr>
-          <p:cNvPr id="2" name="Title 1"/>
+          <p:cNvPr id="2" name="Title 1">
+            <a:extLst>
+              <a:ext uri="{FF2B5EF4-FFF2-40B4-BE49-F238E27FC236}">
+                <a16:creationId xmlns:a16="http://schemas.microsoft.com/office/drawing/2014/main" id="{5216EB9F-821C-3043-9B29-83C5977F52F4}"/>
+              </a:ext>
+            </a:extLst>
+          </p:cNvPr>
           <p:cNvSpPr>
             <a:spLocks noGrp="1"/>
           </p:cNvSpPr>
@@ -153,142 +159,121 @@
         </p:nvSpPr>
         <p:spPr>
           <a:xfrm>
-            <a:off x="685800" y="1597819"/>
-            <a:ext cx="7772400" cy="1102519"/>
+            <a:off x="1524000" y="1122364"/>
+            <a:ext cx="9144000" cy="2396341"/>
           </a:xfrm>
+          <a:prstGeom prst="rect">
+            <a:avLst/>
+          </a:prstGeom>
         </p:spPr>
         <p:txBody>
-          <a:bodyPr/>
-          <a:lstStyle/>
-          <a:p>
-            <a:r>
-              <a:rPr lang="en-US"/>
-              <a:t>Click to edit Master title style</a:t>
-            </a:r>
-          </a:p>
-        </p:txBody>
-      </p:sp>
-      <p:sp>
-        <p:nvSpPr>
-          <p:cNvPr id="3" name="Subtitle 2"/>
-          <p:cNvSpPr>
-            <a:spLocks noGrp="1"/>
-          </p:cNvSpPr>
-          <p:nvPr>
-            <p:ph type="subTitle" idx="1"/>
-          </p:nvPr>
-        </p:nvSpPr>
-        <p:spPr>
-          <a:xfrm>
-            <a:off x="1371600" y="2914650"/>
-            <a:ext cx="6400800" cy="1314450"/>
-          </a:xfrm>
-        </p:spPr>
-        <p:txBody>
-          <a:bodyPr/>
+          <a:bodyPr anchor="b">
+            <a:normAutofit/>
+          </a:bodyPr>
           <a:lstStyle>
-            <a:lvl1pPr marL="0" indent="0" algn="ctr">
-              <a:buNone/>
-              <a:defRPr>
+            <a:lvl1pPr algn="ctr">
+              <a:defRPr sz="3600">
                 <a:solidFill>
-                  <a:schemeClr val="tx1">
-                    <a:tint val="75000"/>
-                  </a:schemeClr>
+                  <a:srgbClr val="1A1A1A"/>
                 </a:solidFill>
               </a:defRPr>
             </a:lvl1pPr>
-            <a:lvl2pPr marL="342900" indent="0" algn="ctr">
-              <a:buNone/>
-              <a:defRPr>
+          </a:lstStyle>
+          <a:p>
+            <a:r>
+              <a:rPr lang="en-GB" dirty="0"/>
+              <a:t>Click to edit Master title style</a:t>
+            </a:r>
+            <a:endParaRPr lang="en-US" dirty="0"/>
+          </a:p>
+        </p:txBody>
+      </p:sp>
+      <p:sp>
+        <p:nvSpPr>
+          <p:cNvPr id="3" name="Subtitle 2">
+            <a:extLst>
+              <a:ext uri="{FF2B5EF4-FFF2-40B4-BE49-F238E27FC236}">
+                <a16:creationId xmlns:a16="http://schemas.microsoft.com/office/drawing/2014/main" id="{8C337200-5D83-FE46-9E69-B6B1D353C69A}"/>
+              </a:ext>
+            </a:extLst>
+          </p:cNvPr>
+          <p:cNvSpPr>
+            <a:spLocks noGrp="1"/>
+          </p:cNvSpPr>
+          <p:nvPr>
+            <p:ph type="subTitle" idx="1"/>
+          </p:nvPr>
+        </p:nvSpPr>
+        <p:spPr>
+          <a:xfrm>
+            <a:off x="1524000" y="3611302"/>
+            <a:ext cx="9144000" cy="1646498"/>
+          </a:xfrm>
+        </p:spPr>
+        <p:txBody>
+          <a:bodyPr>
+            <a:normAutofit/>
+          </a:bodyPr>
+          <a:lstStyle>
+            <a:lvl1pPr marL="0" indent="0" algn="ctr">
+              <a:buNone/>
+              <a:defRPr sz="1800" b="0">
                 <a:solidFill>
-                  <a:schemeClr val="tx1">
-                    <a:tint val="75000"/>
-                  </a:schemeClr>
+                  <a:srgbClr val="DC322F"/>
                 </a:solidFill>
               </a:defRPr>
+            </a:lvl1pPr>
+            <a:lvl2pPr marL="257175" indent="0" algn="ctr">
+              <a:buNone/>
+              <a:defRPr sz="1125"/>
             </a:lvl2pPr>
-            <a:lvl3pPr marL="685800" indent="0" algn="ctr">
-              <a:buNone/>
-              <a:defRPr>
-                <a:solidFill>
-                  <a:schemeClr val="tx1">
-                    <a:tint val="75000"/>
-                  </a:schemeClr>
-                </a:solidFill>
-              </a:defRPr>
+            <a:lvl3pPr marL="514350" indent="0" algn="ctr">
+              <a:buNone/>
+              <a:defRPr sz="1013"/>
             </a:lvl3pPr>
-            <a:lvl4pPr marL="1028700" indent="0" algn="ctr">
-              <a:buNone/>
-              <a:defRPr>
-                <a:solidFill>
-                  <a:schemeClr val="tx1">
-                    <a:tint val="75000"/>
-                  </a:schemeClr>
-                </a:solidFill>
-              </a:defRPr>
+            <a:lvl4pPr marL="771525" indent="0" algn="ctr">
+              <a:buNone/>
+              <a:defRPr sz="900"/>
             </a:lvl4pPr>
-            <a:lvl5pPr marL="1371600" indent="0" algn="ctr">
-              <a:buNone/>
-              <a:defRPr>
-                <a:solidFill>
-                  <a:schemeClr val="tx1">
-                    <a:tint val="75000"/>
-                  </a:schemeClr>
-                </a:solidFill>
-              </a:defRPr>
+            <a:lvl5pPr marL="1028700" indent="0" algn="ctr">
+              <a:buNone/>
+              <a:defRPr sz="900"/>
             </a:lvl5pPr>
-            <a:lvl6pPr marL="1714500" indent="0" algn="ctr">
-              <a:buNone/>
-              <a:defRPr>
-                <a:solidFill>
-                  <a:schemeClr val="tx1">
-                    <a:tint val="75000"/>
-                  </a:schemeClr>
-                </a:solidFill>
-              </a:defRPr>
+            <a:lvl6pPr marL="1285875" indent="0" algn="ctr">
+              <a:buNone/>
+              <a:defRPr sz="900"/>
             </a:lvl6pPr>
-            <a:lvl7pPr marL="2057400" indent="0" algn="ctr">
-              <a:buNone/>
-              <a:defRPr>
-                <a:solidFill>
-                  <a:schemeClr val="tx1">
-                    <a:tint val="75000"/>
-                  </a:schemeClr>
-                </a:solidFill>
-              </a:defRPr>
+            <a:lvl7pPr marL="1543050" indent="0" algn="ctr">
+              <a:buNone/>
+              <a:defRPr sz="900"/>
             </a:lvl7pPr>
-            <a:lvl8pPr marL="2400300" indent="0" algn="ctr">
-              <a:buNone/>
-              <a:defRPr>
-                <a:solidFill>
-                  <a:schemeClr val="tx1">
-                    <a:tint val="75000"/>
-                  </a:schemeClr>
-                </a:solidFill>
-              </a:defRPr>
+            <a:lvl8pPr marL="1800225" indent="0" algn="ctr">
+              <a:buNone/>
+              <a:defRPr sz="900"/>
             </a:lvl8pPr>
-            <a:lvl9pPr marL="2743200" indent="0" algn="ctr">
-              <a:buNone/>
-              <a:defRPr>
-                <a:solidFill>
-                  <a:schemeClr val="tx1">
-                    <a:tint val="75000"/>
-                  </a:schemeClr>
-                </a:solidFill>
-              </a:defRPr>
+            <a:lvl9pPr marL="2057400" indent="0" algn="ctr">
+              <a:buNone/>
+              <a:defRPr sz="900"/>
             </a:lvl9pPr>
           </a:lstStyle>
           <a:p>
             <a:r>
-              <a:rPr lang="en-US"/>
+              <a:rPr lang="en-GB" dirty="0"/>
               <a:t>Click to edit Master subtitle style</a:t>
             </a:r>
-          </a:p>
-        </p:txBody>
-      </p:sp>
-      <p:sp>
-        <p:nvSpPr>
-          <p:cNvPr id="4" name="Date Placeholder 3"/>
+            <a:endParaRPr lang="en-US" dirty="0"/>
+          </a:p>
+        </p:txBody>
+      </p:sp>
+      <p:sp>
+        <p:nvSpPr>
+          <p:cNvPr id="4" name="Date Placeholder 3">
+            <a:extLst>
+              <a:ext uri="{FF2B5EF4-FFF2-40B4-BE49-F238E27FC236}">
+                <a16:creationId xmlns:a16="http://schemas.microsoft.com/office/drawing/2014/main" id="{1069A7C7-1ADA-474D-B8F0-3471D14F86DA}"/>
+              </a:ext>
+            </a:extLst>
+          </p:cNvPr>
           <p:cNvSpPr>
             <a:spLocks noGrp="1"/>
           </p:cNvSpPr>
@@ -303,7 +288,7 @@
           <a:p>
             <a:fld id="{241EB5C9-1307-BA42-ABA2-0BC069CD8E7F}" type="datetimeFigureOut">
               <a:rPr lang="en-US" smtClean="0"/>
-              <a:t>1/2/22</a:t>
+              <a:t>1/31/22</a:t>
             </a:fld>
             <a:endParaRPr lang="en-US"/>
           </a:p>
@@ -311,7 +296,13 @@
       </p:sp>
       <p:sp>
         <p:nvSpPr>
-          <p:cNvPr id="5" name="Footer Placeholder 4"/>
+          <p:cNvPr id="5" name="Footer Placeholder 4">
+            <a:extLst>
+              <a:ext uri="{FF2B5EF4-FFF2-40B4-BE49-F238E27FC236}">
+                <a16:creationId xmlns:a16="http://schemas.microsoft.com/office/drawing/2014/main" id="{D7AE5A21-E3F8-414E-8783-9B787CEE9E94}"/>
+              </a:ext>
+            </a:extLst>
+          </p:cNvPr>
           <p:cNvSpPr>
             <a:spLocks noGrp="1"/>
           </p:cNvSpPr>
@@ -319,7 +310,15 @@
             <p:ph type="ftr" sz="quarter" idx="11"/>
           </p:nvPr>
         </p:nvSpPr>
-        <p:spPr/>
+        <p:spPr>
+          <a:xfrm>
+            <a:off x="4038600" y="6356354"/>
+            <a:ext cx="4114800" cy="365125"/>
+          </a:xfrm>
+          <a:prstGeom prst="rect">
+            <a:avLst/>
+          </a:prstGeom>
+        </p:spPr>
         <p:txBody>
           <a:bodyPr/>
           <a:lstStyle/>
@@ -330,7 +329,13 @@
       </p:sp>
       <p:sp>
         <p:nvSpPr>
-          <p:cNvPr id="6" name="Slide Number Placeholder 5"/>
+          <p:cNvPr id="6" name="Slide Number Placeholder 5">
+            <a:extLst>
+              <a:ext uri="{FF2B5EF4-FFF2-40B4-BE49-F238E27FC236}">
+                <a16:creationId xmlns:a16="http://schemas.microsoft.com/office/drawing/2014/main" id="{4BBA10B1-3C39-5B4F-85DD-4E44D8BDBC75}"/>
+              </a:ext>
+            </a:extLst>
+          </p:cNvPr>
           <p:cNvSpPr>
             <a:spLocks noGrp="1"/>
           </p:cNvSpPr>
@@ -354,7 +359,7 @@
     </p:spTree>
     <p:extLst>
       <p:ext uri="{BB962C8B-B14F-4D97-AF65-F5344CB8AC3E}">
-        <p14:creationId xmlns:p14="http://schemas.microsoft.com/office/powerpoint/2010/main" val="1444357513"/>
+        <p14:creationId xmlns:p14="http://schemas.microsoft.com/office/powerpoint/2010/main" val="472853658"/>
       </p:ext>
     </p:extLst>
   </p:cSld>
@@ -383,7 +388,13 @@
       </p:grpSpPr>
       <p:sp>
         <p:nvSpPr>
-          <p:cNvPr id="2" name="Title 1"/>
+          <p:cNvPr id="2" name="Title 1">
+            <a:extLst>
+              <a:ext uri="{FF2B5EF4-FFF2-40B4-BE49-F238E27FC236}">
+                <a16:creationId xmlns:a16="http://schemas.microsoft.com/office/drawing/2014/main" id="{8AC8FF1A-8372-FB40-B0E0-0EE88C8B296D}"/>
+              </a:ext>
+            </a:extLst>
+          </p:cNvPr>
           <p:cNvSpPr>
             <a:spLocks noGrp="1"/>
           </p:cNvSpPr>
@@ -391,21 +402,44 @@
             <p:ph type="title"/>
           </p:nvPr>
         </p:nvSpPr>
-        <p:spPr/>
-        <p:txBody>
-          <a:bodyPr/>
-          <a:lstStyle/>
-          <a:p>
-            <a:r>
-              <a:rPr lang="en-US"/>
+        <p:spPr>
+          <a:xfrm>
+            <a:off x="838200" y="365129"/>
+            <a:ext cx="10515600" cy="1325563"/>
+          </a:xfrm>
+          <a:prstGeom prst="rect">
+            <a:avLst/>
+          </a:prstGeom>
+        </p:spPr>
+        <p:txBody>
+          <a:bodyPr/>
+          <a:lstStyle>
+            <a:lvl1pPr>
+              <a:defRPr>
+                <a:solidFill>
+                  <a:srgbClr val="DC322F"/>
+                </a:solidFill>
+              </a:defRPr>
+            </a:lvl1pPr>
+          </a:lstStyle>
+          <a:p>
+            <a:r>
+              <a:rPr lang="en-GB" dirty="0"/>
               <a:t>Click to edit Master title style</a:t>
             </a:r>
-          </a:p>
-        </p:txBody>
-      </p:sp>
-      <p:sp>
-        <p:nvSpPr>
-          <p:cNvPr id="3" name="Vertical Text Placeholder 2"/>
+            <a:endParaRPr lang="en-US" dirty="0"/>
+          </a:p>
+        </p:txBody>
+      </p:sp>
+      <p:sp>
+        <p:nvSpPr>
+          <p:cNvPr id="3" name="Vertical Text Placeholder 2">
+            <a:extLst>
+              <a:ext uri="{FF2B5EF4-FFF2-40B4-BE49-F238E27FC236}">
+                <a16:creationId xmlns:a16="http://schemas.microsoft.com/office/drawing/2014/main" id="{809F1868-78C4-704F-87A4-9909281CB57C}"/>
+              </a:ext>
+            </a:extLst>
+          </p:cNvPr>
           <p:cNvSpPr>
             <a:spLocks noGrp="1"/>
           </p:cNvSpPr>
@@ -420,43 +454,50 @@
           <a:p>
             <a:pPr lvl="0"/>
             <a:r>
-              <a:rPr lang="en-US"/>
+              <a:rPr lang="en-GB" dirty="0"/>
               <a:t>Click to edit Master text styles</a:t>
             </a:r>
           </a:p>
           <a:p>
             <a:pPr lvl="1"/>
             <a:r>
-              <a:rPr lang="en-US"/>
+              <a:rPr lang="en-GB" dirty="0"/>
               <a:t>Second level</a:t>
             </a:r>
           </a:p>
           <a:p>
             <a:pPr lvl="2"/>
             <a:r>
-              <a:rPr lang="en-US"/>
+              <a:rPr lang="en-GB" dirty="0"/>
               <a:t>Third level</a:t>
             </a:r>
           </a:p>
           <a:p>
             <a:pPr lvl="3"/>
             <a:r>
-              <a:rPr lang="en-US"/>
+              <a:rPr lang="en-GB" dirty="0"/>
               <a:t>Fourth level</a:t>
             </a:r>
           </a:p>
           <a:p>
             <a:pPr lvl="4"/>
             <a:r>
-              <a:rPr lang="en-US"/>
+              <a:rPr lang="en-GB" dirty="0"/>
               <a:t>Fifth level</a:t>
             </a:r>
-          </a:p>
-        </p:txBody>
-      </p:sp>
-      <p:sp>
-        <p:nvSpPr>
-          <p:cNvPr id="4" name="Date Placeholder 3"/>
+            <a:endParaRPr lang="en-US" dirty="0"/>
+          </a:p>
+        </p:txBody>
+      </p:sp>
+      <p:sp>
+        <p:nvSpPr>
+          <p:cNvPr id="4" name="Date Placeholder 3">
+            <a:extLst>
+              <a:ext uri="{FF2B5EF4-FFF2-40B4-BE49-F238E27FC236}">
+                <a16:creationId xmlns:a16="http://schemas.microsoft.com/office/drawing/2014/main" id="{86A64A86-EE40-7F47-8F4A-D5FD082D30CB}"/>
+              </a:ext>
+            </a:extLst>
+          </p:cNvPr>
           <p:cNvSpPr>
             <a:spLocks noGrp="1"/>
           </p:cNvSpPr>
@@ -471,7 +512,7 @@
           <a:p>
             <a:fld id="{241EB5C9-1307-BA42-ABA2-0BC069CD8E7F}" type="datetimeFigureOut">
               <a:rPr lang="en-US" smtClean="0"/>
-              <a:t>1/2/22</a:t>
+              <a:t>1/31/22</a:t>
             </a:fld>
             <a:endParaRPr lang="en-US"/>
           </a:p>
@@ -479,7 +520,13 @@
       </p:sp>
       <p:sp>
         <p:nvSpPr>
-          <p:cNvPr id="5" name="Footer Placeholder 4"/>
+          <p:cNvPr id="5" name="Footer Placeholder 4">
+            <a:extLst>
+              <a:ext uri="{FF2B5EF4-FFF2-40B4-BE49-F238E27FC236}">
+                <a16:creationId xmlns:a16="http://schemas.microsoft.com/office/drawing/2014/main" id="{55936DD5-D90C-D148-9A75-6E5EF76E4F06}"/>
+              </a:ext>
+            </a:extLst>
+          </p:cNvPr>
           <p:cNvSpPr>
             <a:spLocks noGrp="1"/>
           </p:cNvSpPr>
@@ -487,7 +534,15 @@
             <p:ph type="ftr" sz="quarter" idx="11"/>
           </p:nvPr>
         </p:nvSpPr>
-        <p:spPr/>
+        <p:spPr>
+          <a:xfrm>
+            <a:off x="4038600" y="6356354"/>
+            <a:ext cx="4114800" cy="365125"/>
+          </a:xfrm>
+          <a:prstGeom prst="rect">
+            <a:avLst/>
+          </a:prstGeom>
+        </p:spPr>
         <p:txBody>
           <a:bodyPr/>
           <a:lstStyle/>
@@ -498,7 +553,13 @@
       </p:sp>
       <p:sp>
         <p:nvSpPr>
-          <p:cNvPr id="6" name="Slide Number Placeholder 5"/>
+          <p:cNvPr id="6" name="Slide Number Placeholder 5">
+            <a:extLst>
+              <a:ext uri="{FF2B5EF4-FFF2-40B4-BE49-F238E27FC236}">
+                <a16:creationId xmlns:a16="http://schemas.microsoft.com/office/drawing/2014/main" id="{C28649B3-720E-654D-9610-263AC0D91137}"/>
+              </a:ext>
+            </a:extLst>
+          </p:cNvPr>
           <p:cNvSpPr>
             <a:spLocks noGrp="1"/>
           </p:cNvSpPr>
@@ -522,7 +583,7 @@
     </p:spTree>
     <p:extLst>
       <p:ext uri="{BB962C8B-B14F-4D97-AF65-F5344CB8AC3E}">
-        <p14:creationId xmlns:p14="http://schemas.microsoft.com/office/powerpoint/2010/main" val="313914798"/>
+        <p14:creationId xmlns:p14="http://schemas.microsoft.com/office/powerpoint/2010/main" val="1164995391"/>
       </p:ext>
     </p:extLst>
   </p:cSld>
@@ -551,7 +612,13 @@
       </p:grpSpPr>
       <p:sp>
         <p:nvSpPr>
-          <p:cNvPr id="2" name="Vertical Title 1"/>
+          <p:cNvPr id="2" name="Vertical Title 1">
+            <a:extLst>
+              <a:ext uri="{FF2B5EF4-FFF2-40B4-BE49-F238E27FC236}">
+                <a16:creationId xmlns:a16="http://schemas.microsoft.com/office/drawing/2014/main" id="{575E4B96-467B-A24D-9EC1-DD46EE699A09}"/>
+              </a:ext>
+            </a:extLst>
+          </p:cNvPr>
           <p:cNvSpPr>
             <a:spLocks noGrp="1"/>
           </p:cNvSpPr>
@@ -561,122 +628,167 @@
         </p:nvSpPr>
         <p:spPr>
           <a:xfrm>
-            <a:off x="6629400" y="205979"/>
-            <a:ext cx="2057400" cy="4388644"/>
+            <a:off x="8724902" y="365125"/>
+            <a:ext cx="2628900" cy="5811838"/>
+          </a:xfrm>
+          <a:prstGeom prst="rect">
+            <a:avLst/>
+          </a:prstGeom>
+        </p:spPr>
+        <p:txBody>
+          <a:bodyPr vert="eaVert"/>
+          <a:lstStyle>
+            <a:lvl1pPr>
+              <a:defRPr>
+                <a:solidFill>
+                  <a:srgbClr val="1A1A1A"/>
+                </a:solidFill>
+              </a:defRPr>
+            </a:lvl1pPr>
+          </a:lstStyle>
+          <a:p>
+            <a:r>
+              <a:rPr lang="en-GB" dirty="0"/>
+              <a:t>Click to edit Master title style</a:t>
+            </a:r>
+            <a:endParaRPr lang="en-US" dirty="0"/>
+          </a:p>
+        </p:txBody>
+      </p:sp>
+      <p:sp>
+        <p:nvSpPr>
+          <p:cNvPr id="3" name="Vertical Text Placeholder 2">
+            <a:extLst>
+              <a:ext uri="{FF2B5EF4-FFF2-40B4-BE49-F238E27FC236}">
+                <a16:creationId xmlns:a16="http://schemas.microsoft.com/office/drawing/2014/main" id="{0E50EC97-EC51-3242-A427-B6C401F9BC04}"/>
+              </a:ext>
+            </a:extLst>
+          </p:cNvPr>
+          <p:cNvSpPr>
+            <a:spLocks noGrp="1"/>
+          </p:cNvSpPr>
+          <p:nvPr>
+            <p:ph type="body" orient="vert" idx="1"/>
+          </p:nvPr>
+        </p:nvSpPr>
+        <p:spPr>
+          <a:xfrm>
+            <a:off x="838202" y="365125"/>
+            <a:ext cx="7734300" cy="5811838"/>
           </a:xfrm>
         </p:spPr>
         <p:txBody>
           <a:bodyPr vert="eaVert"/>
           <a:lstStyle/>
           <a:p>
-            <a:r>
-              <a:rPr lang="en-US"/>
-              <a:t>Click to edit Master title style</a:t>
-            </a:r>
-          </a:p>
-        </p:txBody>
-      </p:sp>
-      <p:sp>
-        <p:nvSpPr>
-          <p:cNvPr id="3" name="Vertical Text Placeholder 2"/>
-          <p:cNvSpPr>
-            <a:spLocks noGrp="1"/>
-          </p:cNvSpPr>
-          <p:nvPr>
-            <p:ph type="body" orient="vert" idx="1"/>
+            <a:pPr lvl="0"/>
+            <a:r>
+              <a:rPr lang="en-GB" dirty="0"/>
+              <a:t>Click to edit Master text styles</a:t>
+            </a:r>
+          </a:p>
+          <a:p>
+            <a:pPr lvl="1"/>
+            <a:r>
+              <a:rPr lang="en-GB" dirty="0"/>
+              <a:t>Second level</a:t>
+            </a:r>
+          </a:p>
+          <a:p>
+            <a:pPr lvl="2"/>
+            <a:r>
+              <a:rPr lang="en-GB" dirty="0"/>
+              <a:t>Third level</a:t>
+            </a:r>
+          </a:p>
+          <a:p>
+            <a:pPr lvl="3"/>
+            <a:r>
+              <a:rPr lang="en-GB" dirty="0"/>
+              <a:t>Fourth level</a:t>
+            </a:r>
+          </a:p>
+          <a:p>
+            <a:pPr lvl="4"/>
+            <a:r>
+              <a:rPr lang="en-GB" dirty="0"/>
+              <a:t>Fifth level</a:t>
+            </a:r>
+            <a:endParaRPr lang="en-US" dirty="0"/>
+          </a:p>
+        </p:txBody>
+      </p:sp>
+      <p:sp>
+        <p:nvSpPr>
+          <p:cNvPr id="4" name="Date Placeholder 3">
+            <a:extLst>
+              <a:ext uri="{FF2B5EF4-FFF2-40B4-BE49-F238E27FC236}">
+                <a16:creationId xmlns:a16="http://schemas.microsoft.com/office/drawing/2014/main" id="{D5954FCF-A603-6944-ACE1-F3530AABAAD9}"/>
+              </a:ext>
+            </a:extLst>
+          </p:cNvPr>
+          <p:cNvSpPr>
+            <a:spLocks noGrp="1"/>
+          </p:cNvSpPr>
+          <p:nvPr>
+            <p:ph type="dt" sz="half" idx="10"/>
+          </p:nvPr>
+        </p:nvSpPr>
+        <p:spPr/>
+        <p:txBody>
+          <a:bodyPr/>
+          <a:lstStyle/>
+          <a:p>
+            <a:fld id="{241EB5C9-1307-BA42-ABA2-0BC069CD8E7F}" type="datetimeFigureOut">
+              <a:rPr lang="en-US" smtClean="0"/>
+              <a:t>1/31/22</a:t>
+            </a:fld>
+            <a:endParaRPr lang="en-US"/>
+          </a:p>
+        </p:txBody>
+      </p:sp>
+      <p:sp>
+        <p:nvSpPr>
+          <p:cNvPr id="5" name="Footer Placeholder 4">
+            <a:extLst>
+              <a:ext uri="{FF2B5EF4-FFF2-40B4-BE49-F238E27FC236}">
+                <a16:creationId xmlns:a16="http://schemas.microsoft.com/office/drawing/2014/main" id="{C0DD700E-B16B-6340-9BEE-2E563F9274B4}"/>
+              </a:ext>
+            </a:extLst>
+          </p:cNvPr>
+          <p:cNvSpPr>
+            <a:spLocks noGrp="1"/>
+          </p:cNvSpPr>
+          <p:nvPr>
+            <p:ph type="ftr" sz="quarter" idx="11"/>
           </p:nvPr>
         </p:nvSpPr>
         <p:spPr>
           <a:xfrm>
-            <a:off x="457200" y="205979"/>
-            <a:ext cx="6019800" cy="4388644"/>
+            <a:off x="4038600" y="6356354"/>
+            <a:ext cx="4114800" cy="365125"/>
           </a:xfrm>
+          <a:prstGeom prst="rect">
+            <a:avLst/>
+          </a:prstGeom>
         </p:spPr>
         <p:txBody>
-          <a:bodyPr vert="eaVert"/>
+          <a:bodyPr/>
           <a:lstStyle/>
           <a:p>
-            <a:pPr lvl="0"/>
-            <a:r>
-              <a:rPr lang="en-US"/>
-              <a:t>Click to edit Master text styles</a:t>
-            </a:r>
-          </a:p>
-          <a:p>
-            <a:pPr lvl="1"/>
-            <a:r>
-              <a:rPr lang="en-US"/>
-              <a:t>Second level</a:t>
-            </a:r>
-          </a:p>
-          <a:p>
-            <a:pPr lvl="2"/>
-            <a:r>
-              <a:rPr lang="en-US"/>
-              <a:t>Third level</a:t>
-            </a:r>
-          </a:p>
-          <a:p>
-            <a:pPr lvl="3"/>
-            <a:r>
-              <a:rPr lang="en-US"/>
-              <a:t>Fourth level</a:t>
-            </a:r>
-          </a:p>
-          <a:p>
-            <a:pPr lvl="4"/>
-            <a:r>
-              <a:rPr lang="en-US"/>
-              <a:t>Fifth level</a:t>
-            </a:r>
-          </a:p>
-        </p:txBody>
-      </p:sp>
-      <p:sp>
-        <p:nvSpPr>
-          <p:cNvPr id="4" name="Date Placeholder 3"/>
-          <p:cNvSpPr>
-            <a:spLocks noGrp="1"/>
-          </p:cNvSpPr>
-          <p:nvPr>
-            <p:ph type="dt" sz="half" idx="10"/>
-          </p:nvPr>
-        </p:nvSpPr>
-        <p:spPr/>
-        <p:txBody>
-          <a:bodyPr/>
-          <a:lstStyle/>
-          <a:p>
-            <a:fld id="{241EB5C9-1307-BA42-ABA2-0BC069CD8E7F}" type="datetimeFigureOut">
-              <a:rPr lang="en-US" smtClean="0"/>
-              <a:t>1/2/22</a:t>
-            </a:fld>
             <a:endParaRPr lang="en-US"/>
           </a:p>
         </p:txBody>
       </p:sp>
       <p:sp>
         <p:nvSpPr>
-          <p:cNvPr id="5" name="Footer Placeholder 4"/>
-          <p:cNvSpPr>
-            <a:spLocks noGrp="1"/>
-          </p:cNvSpPr>
-          <p:nvPr>
-            <p:ph type="ftr" sz="quarter" idx="11"/>
-          </p:nvPr>
-        </p:nvSpPr>
-        <p:spPr/>
-        <p:txBody>
-          <a:bodyPr/>
-          <a:lstStyle/>
-          <a:p>
-            <a:endParaRPr lang="en-US"/>
-          </a:p>
-        </p:txBody>
-      </p:sp>
-      <p:sp>
-        <p:nvSpPr>
-          <p:cNvPr id="6" name="Slide Number Placeholder 5"/>
+          <p:cNvPr id="6" name="Slide Number Placeholder 5">
+            <a:extLst>
+              <a:ext uri="{FF2B5EF4-FFF2-40B4-BE49-F238E27FC236}">
+                <a16:creationId xmlns:a16="http://schemas.microsoft.com/office/drawing/2014/main" id="{36CBADE9-5F17-2E4E-A23B-A3EF5CC96322}"/>
+              </a:ext>
+            </a:extLst>
+          </p:cNvPr>
           <p:cNvSpPr>
             <a:spLocks noGrp="1"/>
           </p:cNvSpPr>
@@ -700,7 +812,300 @@
     </p:spTree>
     <p:extLst>
       <p:ext uri="{BB962C8B-B14F-4D97-AF65-F5344CB8AC3E}">
-        <p14:creationId xmlns:p14="http://schemas.microsoft.com/office/powerpoint/2010/main" val="2581529045"/>
+        <p14:creationId xmlns:p14="http://schemas.microsoft.com/office/powerpoint/2010/main" val="359348663"/>
+      </p:ext>
+    </p:extLst>
+  </p:cSld>
+  <p:clrMapOvr>
+    <a:masterClrMapping/>
+  </p:clrMapOvr>
+</p:sldLayout>
+</file>
+
+<file path=ppt/slideLayouts/slideLayout12.xml><?xml version="1.0" encoding="utf-8"?>
+<p:sldLayout xmlns:a="http://schemas.openxmlformats.org/drawingml/2006/main" xmlns:r="http://schemas.openxmlformats.org/officeDocument/2006/relationships" xmlns:p="http://schemas.openxmlformats.org/presentationml/2006/main" type="secHead">
+  <p:cSld name="1_Section Header">
+    <p:spTree>
+      <p:nvGrpSpPr>
+        <p:cNvPr id="1" name=""/>
+        <p:cNvGrpSpPr/>
+        <p:nvPr/>
+      </p:nvGrpSpPr>
+      <p:grpSpPr>
+        <a:xfrm>
+          <a:off x="0" y="0"/>
+          <a:ext cx="0" cy="0"/>
+          <a:chOff x="0" y="0"/>
+          <a:chExt cx="0" cy="0"/>
+        </a:xfrm>
+      </p:grpSpPr>
+      <p:sp>
+        <p:nvSpPr>
+          <p:cNvPr id="2" name="Title 1">
+            <a:extLst>
+              <a:ext uri="{FF2B5EF4-FFF2-40B4-BE49-F238E27FC236}">
+                <a16:creationId xmlns:a16="http://schemas.microsoft.com/office/drawing/2014/main" id="{FF6A6CB2-D1B6-B94A-84C1-83C65423C650}"/>
+              </a:ext>
+            </a:extLst>
+          </p:cNvPr>
+          <p:cNvSpPr>
+            <a:spLocks noGrp="1"/>
+          </p:cNvSpPr>
+          <p:nvPr>
+            <p:ph type="title"/>
+          </p:nvPr>
+        </p:nvSpPr>
+        <p:spPr>
+          <a:xfrm>
+            <a:off x="831851" y="1709742"/>
+            <a:ext cx="10515600" cy="2852737"/>
+          </a:xfrm>
+          <a:prstGeom prst="rect">
+            <a:avLst/>
+          </a:prstGeom>
+        </p:spPr>
+        <p:txBody>
+          <a:bodyPr anchor="ctr">
+            <a:normAutofit/>
+          </a:bodyPr>
+          <a:lstStyle>
+            <a:lvl1pPr algn="ctr">
+              <a:defRPr sz="3600">
+                <a:solidFill>
+                  <a:srgbClr val="1A1A1A"/>
+                </a:solidFill>
+              </a:defRPr>
+            </a:lvl1pPr>
+          </a:lstStyle>
+          <a:p>
+            <a:r>
+              <a:rPr lang="en-GB" dirty="0"/>
+              <a:t>Click to edit Master title style</a:t>
+            </a:r>
+            <a:endParaRPr lang="en-US" dirty="0"/>
+          </a:p>
+        </p:txBody>
+      </p:sp>
+      <p:sp>
+        <p:nvSpPr>
+          <p:cNvPr id="3" name="Text Placeholder 2">
+            <a:extLst>
+              <a:ext uri="{FF2B5EF4-FFF2-40B4-BE49-F238E27FC236}">
+                <a16:creationId xmlns:a16="http://schemas.microsoft.com/office/drawing/2014/main" id="{51A433C7-4F7C-4247-8FF5-1E63E18E14D1}"/>
+              </a:ext>
+            </a:extLst>
+          </p:cNvPr>
+          <p:cNvSpPr>
+            <a:spLocks noGrp="1"/>
+          </p:cNvSpPr>
+          <p:nvPr>
+            <p:ph type="body" idx="1"/>
+          </p:nvPr>
+        </p:nvSpPr>
+        <p:spPr>
+          <a:xfrm>
+            <a:off x="831851" y="4589467"/>
+            <a:ext cx="10515600" cy="1500187"/>
+          </a:xfrm>
+        </p:spPr>
+        <p:txBody>
+          <a:bodyPr>
+            <a:normAutofit/>
+          </a:bodyPr>
+          <a:lstStyle>
+            <a:lvl1pPr marL="0" indent="0" algn="ctr">
+              <a:buNone/>
+              <a:defRPr sz="2000" b="0">
+                <a:solidFill>
+                  <a:srgbClr val="DC322F"/>
+                </a:solidFill>
+              </a:defRPr>
+            </a:lvl1pPr>
+            <a:lvl2pPr marL="257175" indent="0">
+              <a:buNone/>
+              <a:defRPr sz="1125">
+                <a:solidFill>
+                  <a:schemeClr val="tx1">
+                    <a:tint val="75000"/>
+                  </a:schemeClr>
+                </a:solidFill>
+              </a:defRPr>
+            </a:lvl2pPr>
+            <a:lvl3pPr marL="514350" indent="0">
+              <a:buNone/>
+              <a:defRPr sz="1013">
+                <a:solidFill>
+                  <a:schemeClr val="tx1">
+                    <a:tint val="75000"/>
+                  </a:schemeClr>
+                </a:solidFill>
+              </a:defRPr>
+            </a:lvl3pPr>
+            <a:lvl4pPr marL="771525" indent="0">
+              <a:buNone/>
+              <a:defRPr sz="900">
+                <a:solidFill>
+                  <a:schemeClr val="tx1">
+                    <a:tint val="75000"/>
+                  </a:schemeClr>
+                </a:solidFill>
+              </a:defRPr>
+            </a:lvl4pPr>
+            <a:lvl5pPr marL="1028700" indent="0">
+              <a:buNone/>
+              <a:defRPr sz="900">
+                <a:solidFill>
+                  <a:schemeClr val="tx1">
+                    <a:tint val="75000"/>
+                  </a:schemeClr>
+                </a:solidFill>
+              </a:defRPr>
+            </a:lvl5pPr>
+            <a:lvl6pPr marL="1285875" indent="0">
+              <a:buNone/>
+              <a:defRPr sz="900">
+                <a:solidFill>
+                  <a:schemeClr val="tx1">
+                    <a:tint val="75000"/>
+                  </a:schemeClr>
+                </a:solidFill>
+              </a:defRPr>
+            </a:lvl6pPr>
+            <a:lvl7pPr marL="1543050" indent="0">
+              <a:buNone/>
+              <a:defRPr sz="900">
+                <a:solidFill>
+                  <a:schemeClr val="tx1">
+                    <a:tint val="75000"/>
+                  </a:schemeClr>
+                </a:solidFill>
+              </a:defRPr>
+            </a:lvl7pPr>
+            <a:lvl8pPr marL="1800225" indent="0">
+              <a:buNone/>
+              <a:defRPr sz="900">
+                <a:solidFill>
+                  <a:schemeClr val="tx1">
+                    <a:tint val="75000"/>
+                  </a:schemeClr>
+                </a:solidFill>
+              </a:defRPr>
+            </a:lvl8pPr>
+            <a:lvl9pPr marL="2057400" indent="0">
+              <a:buNone/>
+              <a:defRPr sz="900">
+                <a:solidFill>
+                  <a:schemeClr val="tx1">
+                    <a:tint val="75000"/>
+                  </a:schemeClr>
+                </a:solidFill>
+              </a:defRPr>
+            </a:lvl9pPr>
+          </a:lstStyle>
+          <a:p>
+            <a:pPr lvl="0"/>
+            <a:r>
+              <a:rPr lang="en-GB" dirty="0"/>
+              <a:t>Click to edit Master text styles</a:t>
+            </a:r>
+          </a:p>
+        </p:txBody>
+      </p:sp>
+      <p:sp>
+        <p:nvSpPr>
+          <p:cNvPr id="4" name="Date Placeholder 3">
+            <a:extLst>
+              <a:ext uri="{FF2B5EF4-FFF2-40B4-BE49-F238E27FC236}">
+                <a16:creationId xmlns:a16="http://schemas.microsoft.com/office/drawing/2014/main" id="{9E116D53-A7E8-384A-A924-CB556123D05C}"/>
+              </a:ext>
+            </a:extLst>
+          </p:cNvPr>
+          <p:cNvSpPr>
+            <a:spLocks noGrp="1"/>
+          </p:cNvSpPr>
+          <p:nvPr>
+            <p:ph type="dt" sz="half" idx="10"/>
+          </p:nvPr>
+        </p:nvSpPr>
+        <p:spPr/>
+        <p:txBody>
+          <a:bodyPr/>
+          <a:lstStyle/>
+          <a:p>
+            <a:fld id="{241EB5C9-1307-BA42-ABA2-0BC069CD8E7F}" type="datetimeFigureOut">
+              <a:rPr lang="en-US" smtClean="0"/>
+              <a:t>1/31/22</a:t>
+            </a:fld>
+            <a:endParaRPr lang="en-US"/>
+          </a:p>
+        </p:txBody>
+      </p:sp>
+      <p:sp>
+        <p:nvSpPr>
+          <p:cNvPr id="5" name="Footer Placeholder 4">
+            <a:extLst>
+              <a:ext uri="{FF2B5EF4-FFF2-40B4-BE49-F238E27FC236}">
+                <a16:creationId xmlns:a16="http://schemas.microsoft.com/office/drawing/2014/main" id="{9D8D3A5F-D224-144E-B1C6-E4C0A0C64637}"/>
+              </a:ext>
+            </a:extLst>
+          </p:cNvPr>
+          <p:cNvSpPr>
+            <a:spLocks noGrp="1"/>
+          </p:cNvSpPr>
+          <p:nvPr>
+            <p:ph type="ftr" sz="quarter" idx="11"/>
+          </p:nvPr>
+        </p:nvSpPr>
+        <p:spPr>
+          <a:xfrm>
+            <a:off x="4038600" y="6356354"/>
+            <a:ext cx="4114800" cy="365125"/>
+          </a:xfrm>
+          <a:prstGeom prst="rect">
+            <a:avLst/>
+          </a:prstGeom>
+        </p:spPr>
+        <p:txBody>
+          <a:bodyPr/>
+          <a:lstStyle/>
+          <a:p>
+            <a:endParaRPr lang="en-US"/>
+          </a:p>
+        </p:txBody>
+      </p:sp>
+      <p:sp>
+        <p:nvSpPr>
+          <p:cNvPr id="6" name="Slide Number Placeholder 5">
+            <a:extLst>
+              <a:ext uri="{FF2B5EF4-FFF2-40B4-BE49-F238E27FC236}">
+                <a16:creationId xmlns:a16="http://schemas.microsoft.com/office/drawing/2014/main" id="{23885A41-9B71-494D-8739-5A09F705E6B7}"/>
+              </a:ext>
+            </a:extLst>
+          </p:cNvPr>
+          <p:cNvSpPr>
+            <a:spLocks noGrp="1"/>
+          </p:cNvSpPr>
+          <p:nvPr>
+            <p:ph type="sldNum" sz="quarter" idx="12"/>
+          </p:nvPr>
+        </p:nvSpPr>
+        <p:spPr/>
+        <p:txBody>
+          <a:bodyPr/>
+          <a:lstStyle/>
+          <a:p>
+            <a:fld id="{C5EF2332-01BF-834F-8236-50238282D533}" type="slidenum">
+              <a:rPr lang="en-US" smtClean="0"/>
+              <a:t>‹#›</a:t>
+            </a:fld>
+            <a:endParaRPr lang="en-US"/>
+          </a:p>
+        </p:txBody>
+      </p:sp>
+    </p:spTree>
+    <p:extLst>
+      <p:ext uri="{BB962C8B-B14F-4D97-AF65-F5344CB8AC3E}">
+        <p14:creationId xmlns:p14="http://schemas.microsoft.com/office/powerpoint/2010/main" val="742582636"/>
       </p:ext>
     </p:extLst>
   </p:cSld>
@@ -729,7 +1134,13 @@
       </p:grpSpPr>
       <p:sp>
         <p:nvSpPr>
-          <p:cNvPr id="2" name="Title 1"/>
+          <p:cNvPr id="2" name="Title 1">
+            <a:extLst>
+              <a:ext uri="{FF2B5EF4-FFF2-40B4-BE49-F238E27FC236}">
+                <a16:creationId xmlns:a16="http://schemas.microsoft.com/office/drawing/2014/main" id="{DD9B8E45-0772-954C-8D4B-6E6808DFEDED}"/>
+              </a:ext>
+            </a:extLst>
+          </p:cNvPr>
           <p:cNvSpPr>
             <a:spLocks noGrp="1"/>
           </p:cNvSpPr>
@@ -737,72 +1148,152 @@
             <p:ph type="title"/>
           </p:nvPr>
         </p:nvSpPr>
+        <p:spPr>
+          <a:xfrm>
+            <a:off x="838200" y="365129"/>
+            <a:ext cx="10515600" cy="1325563"/>
+          </a:xfrm>
+          <a:prstGeom prst="rect">
+            <a:avLst/>
+          </a:prstGeom>
+        </p:spPr>
+        <p:txBody>
+          <a:bodyPr>
+            <a:normAutofit/>
+          </a:bodyPr>
+          <a:lstStyle>
+            <a:lvl1pPr>
+              <a:defRPr sz="3200">
+                <a:solidFill>
+                  <a:srgbClr val="DC322F"/>
+                </a:solidFill>
+                <a:latin typeface="Trebuchet MS" panose="020B0703020202090204" pitchFamily="34" charset="0"/>
+                <a:cs typeface="Arial" panose="020B0604020202020204" pitchFamily="34" charset="0"/>
+              </a:defRPr>
+            </a:lvl1pPr>
+          </a:lstStyle>
+          <a:p>
+            <a:r>
+              <a:rPr lang="en-GB" dirty="0"/>
+              <a:t>Click to edit Master title style</a:t>
+            </a:r>
+            <a:endParaRPr lang="en-US" dirty="0"/>
+          </a:p>
+        </p:txBody>
+      </p:sp>
+      <p:sp>
+        <p:nvSpPr>
+          <p:cNvPr id="3" name="Content Placeholder 2">
+            <a:extLst>
+              <a:ext uri="{FF2B5EF4-FFF2-40B4-BE49-F238E27FC236}">
+                <a16:creationId xmlns:a16="http://schemas.microsoft.com/office/drawing/2014/main" id="{A4EB24F9-04F1-C843-9D71-56C5C024552B}"/>
+              </a:ext>
+            </a:extLst>
+          </p:cNvPr>
+          <p:cNvSpPr>
+            <a:spLocks noGrp="1"/>
+          </p:cNvSpPr>
+          <p:nvPr>
+            <p:ph idx="1"/>
+          </p:nvPr>
+        </p:nvSpPr>
         <p:spPr/>
         <p:txBody>
           <a:bodyPr/>
-          <a:lstStyle/>
-          <a:p>
-            <a:r>
-              <a:rPr lang="en-US"/>
-              <a:t>Click to edit Master title style</a:t>
-            </a:r>
-          </a:p>
-        </p:txBody>
-      </p:sp>
-      <p:sp>
-        <p:nvSpPr>
-          <p:cNvPr id="3" name="Content Placeholder 2"/>
-          <p:cNvSpPr>
-            <a:spLocks noGrp="1"/>
-          </p:cNvSpPr>
-          <p:nvPr>
-            <p:ph idx="1"/>
-          </p:nvPr>
-        </p:nvSpPr>
-        <p:spPr/>
-        <p:txBody>
-          <a:bodyPr/>
-          <a:lstStyle/>
+          <a:lstStyle>
+            <a:lvl1pPr>
+              <a:defRPr>
+                <a:solidFill>
+                  <a:srgbClr val="1A1A1A"/>
+                </a:solidFill>
+                <a:latin typeface="Arial" panose="020B0604020202020204" pitchFamily="34" charset="0"/>
+                <a:cs typeface="Arial" panose="020B0604020202020204" pitchFamily="34" charset="0"/>
+              </a:defRPr>
+            </a:lvl1pPr>
+            <a:lvl2pPr>
+              <a:defRPr>
+                <a:solidFill>
+                  <a:srgbClr val="1A1A1A"/>
+                </a:solidFill>
+                <a:latin typeface="Arial" panose="020B0604020202020204" pitchFamily="34" charset="0"/>
+                <a:cs typeface="Arial" panose="020B0604020202020204" pitchFamily="34" charset="0"/>
+              </a:defRPr>
+            </a:lvl2pPr>
+            <a:lvl3pPr>
+              <a:defRPr>
+                <a:solidFill>
+                  <a:srgbClr val="1A1A1A"/>
+                </a:solidFill>
+                <a:latin typeface="Arial" panose="020B0604020202020204" pitchFamily="34" charset="0"/>
+                <a:cs typeface="Arial" panose="020B0604020202020204" pitchFamily="34" charset="0"/>
+              </a:defRPr>
+            </a:lvl3pPr>
+            <a:lvl4pPr>
+              <a:defRPr>
+                <a:solidFill>
+                  <a:srgbClr val="1A1A1A"/>
+                </a:solidFill>
+                <a:latin typeface="Arial" panose="020B0604020202020204" pitchFamily="34" charset="0"/>
+                <a:cs typeface="Arial" panose="020B0604020202020204" pitchFamily="34" charset="0"/>
+              </a:defRPr>
+            </a:lvl4pPr>
+            <a:lvl5pPr>
+              <a:defRPr>
+                <a:solidFill>
+                  <a:srgbClr val="1A1A1A"/>
+                </a:solidFill>
+                <a:latin typeface="Arial" panose="020B0604020202020204" pitchFamily="34" charset="0"/>
+                <a:cs typeface="Arial" panose="020B0604020202020204" pitchFamily="34" charset="0"/>
+              </a:defRPr>
+            </a:lvl5pPr>
+          </a:lstStyle>
           <a:p>
             <a:pPr lvl="0"/>
             <a:r>
-              <a:rPr lang="en-US"/>
+              <a:rPr lang="en-GB" dirty="0"/>
               <a:t>Click to edit Master text styles</a:t>
             </a:r>
           </a:p>
           <a:p>
             <a:pPr lvl="1"/>
             <a:r>
-              <a:rPr lang="en-US"/>
+              <a:rPr lang="en-GB" dirty="0"/>
               <a:t>Second level</a:t>
             </a:r>
           </a:p>
           <a:p>
             <a:pPr lvl="2"/>
             <a:r>
-              <a:rPr lang="en-US"/>
+              <a:rPr lang="en-GB" dirty="0"/>
               <a:t>Third level</a:t>
             </a:r>
           </a:p>
           <a:p>
             <a:pPr lvl="3"/>
             <a:r>
-              <a:rPr lang="en-US"/>
+              <a:rPr lang="en-GB" dirty="0"/>
               <a:t>Fourth level</a:t>
             </a:r>
           </a:p>
           <a:p>
             <a:pPr lvl="4"/>
             <a:r>
-              <a:rPr lang="en-US"/>
+              <a:rPr lang="en-GB" dirty="0"/>
               <a:t>Fifth level</a:t>
             </a:r>
-          </a:p>
-        </p:txBody>
-      </p:sp>
-      <p:sp>
-        <p:nvSpPr>
-          <p:cNvPr id="4" name="Date Placeholder 3"/>
+            <a:endParaRPr lang="en-US" dirty="0"/>
+          </a:p>
+        </p:txBody>
+      </p:sp>
+      <p:sp>
+        <p:nvSpPr>
+          <p:cNvPr id="4" name="Date Placeholder 3">
+            <a:extLst>
+              <a:ext uri="{FF2B5EF4-FFF2-40B4-BE49-F238E27FC236}">
+                <a16:creationId xmlns:a16="http://schemas.microsoft.com/office/drawing/2014/main" id="{A53559EF-BAB7-0E42-9E60-A03A3B0DDE32}"/>
+              </a:ext>
+            </a:extLst>
+          </p:cNvPr>
           <p:cNvSpPr>
             <a:spLocks noGrp="1"/>
           </p:cNvSpPr>
@@ -817,7 +1308,7 @@
           <a:p>
             <a:fld id="{241EB5C9-1307-BA42-ABA2-0BC069CD8E7F}" type="datetimeFigureOut">
               <a:rPr lang="en-US" smtClean="0"/>
-              <a:t>1/2/22</a:t>
+              <a:t>1/31/22</a:t>
             </a:fld>
             <a:endParaRPr lang="en-US"/>
           </a:p>
@@ -825,7 +1316,13 @@
       </p:sp>
       <p:sp>
         <p:nvSpPr>
-          <p:cNvPr id="5" name="Footer Placeholder 4"/>
+          <p:cNvPr id="5" name="Footer Placeholder 4">
+            <a:extLst>
+              <a:ext uri="{FF2B5EF4-FFF2-40B4-BE49-F238E27FC236}">
+                <a16:creationId xmlns:a16="http://schemas.microsoft.com/office/drawing/2014/main" id="{BEEBB6D2-A026-D74A-8C2A-7AD33F225C47}"/>
+              </a:ext>
+            </a:extLst>
+          </p:cNvPr>
           <p:cNvSpPr>
             <a:spLocks noGrp="1"/>
           </p:cNvSpPr>
@@ -833,7 +1330,15 @@
             <p:ph type="ftr" sz="quarter" idx="11"/>
           </p:nvPr>
         </p:nvSpPr>
-        <p:spPr/>
+        <p:spPr>
+          <a:xfrm>
+            <a:off x="4038600" y="6356354"/>
+            <a:ext cx="4114800" cy="365125"/>
+          </a:xfrm>
+          <a:prstGeom prst="rect">
+            <a:avLst/>
+          </a:prstGeom>
+        </p:spPr>
         <p:txBody>
           <a:bodyPr/>
           <a:lstStyle/>
@@ -844,7 +1349,13 @@
       </p:sp>
       <p:sp>
         <p:nvSpPr>
-          <p:cNvPr id="6" name="Slide Number Placeholder 5"/>
+          <p:cNvPr id="6" name="Slide Number Placeholder 5">
+            <a:extLst>
+              <a:ext uri="{FF2B5EF4-FFF2-40B4-BE49-F238E27FC236}">
+                <a16:creationId xmlns:a16="http://schemas.microsoft.com/office/drawing/2014/main" id="{D2D1D05D-520A-D942-8D98-B02EF8CF6776}"/>
+              </a:ext>
+            </a:extLst>
+          </p:cNvPr>
           <p:cNvSpPr>
             <a:spLocks noGrp="1"/>
           </p:cNvSpPr>
@@ -868,7 +1379,7 @@
     </p:spTree>
     <p:extLst>
       <p:ext uri="{BB962C8B-B14F-4D97-AF65-F5344CB8AC3E}">
-        <p14:creationId xmlns:p14="http://schemas.microsoft.com/office/powerpoint/2010/main" val="338346009"/>
+        <p14:creationId xmlns:p14="http://schemas.microsoft.com/office/powerpoint/2010/main" val="3516714738"/>
       </p:ext>
     </p:extLst>
   </p:cSld>
@@ -879,7 +1390,7 @@
 </file>
 
 <file path=ppt/slideLayouts/slideLayout3.xml><?xml version="1.0" encoding="utf-8"?>
-<p:sldLayout xmlns:a="http://schemas.openxmlformats.org/drawingml/2006/main" xmlns:r="http://schemas.openxmlformats.org/officeDocument/2006/relationships" xmlns:p="http://schemas.openxmlformats.org/presentationml/2006/main" type="secHead" preserve="1">
+<p:sldLayout xmlns:a="http://schemas.openxmlformats.org/drawingml/2006/main" xmlns:r="http://schemas.openxmlformats.org/officeDocument/2006/relationships" xmlns:p="http://schemas.openxmlformats.org/presentationml/2006/main" preserve="1">
   <p:cSld name="Section Header">
     <p:spTree>
       <p:nvGrpSpPr>
@@ -897,7 +1408,13 @@
       </p:grpSpPr>
       <p:sp>
         <p:nvSpPr>
-          <p:cNvPr id="2" name="Title 1"/>
+          <p:cNvPr id="2" name="Title 1">
+            <a:extLst>
+              <a:ext uri="{FF2B5EF4-FFF2-40B4-BE49-F238E27FC236}">
+                <a16:creationId xmlns:a16="http://schemas.microsoft.com/office/drawing/2014/main" id="{FF6A6CB2-D1B6-B94A-84C1-83C65423C650}"/>
+              </a:ext>
+            </a:extLst>
+          </p:cNvPr>
           <p:cNvSpPr>
             <a:spLocks noGrp="1"/>
           </p:cNvSpPr>
@@ -907,147 +1424,44 @@
         </p:nvSpPr>
         <p:spPr>
           <a:xfrm>
-            <a:off x="722313" y="3305176"/>
-            <a:ext cx="7772400" cy="1021556"/>
+            <a:off x="831851" y="1709742"/>
+            <a:ext cx="10515600" cy="2852737"/>
           </a:xfrm>
+          <a:prstGeom prst="rect">
+            <a:avLst/>
+          </a:prstGeom>
         </p:spPr>
         <p:txBody>
-          <a:bodyPr anchor="t"/>
+          <a:bodyPr anchor="ctr">
+            <a:normAutofit/>
+          </a:bodyPr>
           <a:lstStyle>
-            <a:lvl1pPr algn="l">
-              <a:defRPr sz="3000" b="1" cap="all"/>
-            </a:lvl1pPr>
-          </a:lstStyle>
-          <a:p>
-            <a:r>
-              <a:rPr lang="en-US"/>
-              <a:t>Click to edit Master title style</a:t>
-            </a:r>
-          </a:p>
-        </p:txBody>
-      </p:sp>
-      <p:sp>
-        <p:nvSpPr>
-          <p:cNvPr id="3" name="Text Placeholder 2"/>
-          <p:cNvSpPr>
-            <a:spLocks noGrp="1"/>
-          </p:cNvSpPr>
-          <p:nvPr>
-            <p:ph type="body" idx="1"/>
-          </p:nvPr>
-        </p:nvSpPr>
-        <p:spPr>
-          <a:xfrm>
-            <a:off x="722313" y="2180035"/>
-            <a:ext cx="7772400" cy="1125140"/>
-          </a:xfrm>
-        </p:spPr>
-        <p:txBody>
-          <a:bodyPr anchor="b"/>
-          <a:lstStyle>
-            <a:lvl1pPr marL="0" indent="0">
-              <a:buNone/>
-              <a:defRPr sz="1500">
+            <a:lvl1pPr algn="ctr">
+              <a:defRPr sz="4400">
                 <a:solidFill>
-                  <a:schemeClr val="tx1">
-                    <a:tint val="75000"/>
-                  </a:schemeClr>
+                  <a:srgbClr val="1A1A1A"/>
                 </a:solidFill>
               </a:defRPr>
             </a:lvl1pPr>
-            <a:lvl2pPr marL="342900" indent="0">
-              <a:buNone/>
-              <a:defRPr sz="1350">
-                <a:solidFill>
-                  <a:schemeClr val="tx1">
-                    <a:tint val="75000"/>
-                  </a:schemeClr>
-                </a:solidFill>
-              </a:defRPr>
-            </a:lvl2pPr>
-            <a:lvl3pPr marL="685800" indent="0">
-              <a:buNone/>
-              <a:defRPr sz="1200">
-                <a:solidFill>
-                  <a:schemeClr val="tx1">
-                    <a:tint val="75000"/>
-                  </a:schemeClr>
-                </a:solidFill>
-              </a:defRPr>
-            </a:lvl3pPr>
-            <a:lvl4pPr marL="1028700" indent="0">
-              <a:buNone/>
-              <a:defRPr sz="1050">
-                <a:solidFill>
-                  <a:schemeClr val="tx1">
-                    <a:tint val="75000"/>
-                  </a:schemeClr>
-                </a:solidFill>
-              </a:defRPr>
-            </a:lvl4pPr>
-            <a:lvl5pPr marL="1371600" indent="0">
-              <a:buNone/>
-              <a:defRPr sz="1050">
-                <a:solidFill>
-                  <a:schemeClr val="tx1">
-                    <a:tint val="75000"/>
-                  </a:schemeClr>
-                </a:solidFill>
-              </a:defRPr>
-            </a:lvl5pPr>
-            <a:lvl6pPr marL="1714500" indent="0">
-              <a:buNone/>
-              <a:defRPr sz="1050">
-                <a:solidFill>
-                  <a:schemeClr val="tx1">
-                    <a:tint val="75000"/>
-                  </a:schemeClr>
-                </a:solidFill>
-              </a:defRPr>
-            </a:lvl6pPr>
-            <a:lvl7pPr marL="2057400" indent="0">
-              <a:buNone/>
-              <a:defRPr sz="1050">
-                <a:solidFill>
-                  <a:schemeClr val="tx1">
-                    <a:tint val="75000"/>
-                  </a:schemeClr>
-                </a:solidFill>
-              </a:defRPr>
-            </a:lvl7pPr>
-            <a:lvl8pPr marL="2400300" indent="0">
-              <a:buNone/>
-              <a:defRPr sz="1050">
-                <a:solidFill>
-                  <a:schemeClr val="tx1">
-                    <a:tint val="75000"/>
-                  </a:schemeClr>
-                </a:solidFill>
-              </a:defRPr>
-            </a:lvl8pPr>
-            <a:lvl9pPr marL="2743200" indent="0">
-              <a:buNone/>
-              <a:defRPr sz="1050">
-                <a:solidFill>
-                  <a:schemeClr val="tx1">
-                    <a:tint val="75000"/>
-                  </a:schemeClr>
-                </a:solidFill>
-              </a:defRPr>
-            </a:lvl9pPr>
           </a:lstStyle>
           <a:p>
-            <a:pPr lvl="0"/>
-            <a:r>
-              <a:rPr lang="en-US"/>
-              <a:t>Click to edit Master text styles</a:t>
-            </a:r>
-          </a:p>
-        </p:txBody>
-      </p:sp>
-      <p:sp>
-        <p:nvSpPr>
-          <p:cNvPr id="4" name="Date Placeholder 3"/>
+            <a:r>
+              <a:rPr lang="en-GB" dirty="0"/>
+              <a:t>Click to edit Master title style</a:t>
+            </a:r>
+            <a:endParaRPr lang="en-US" dirty="0"/>
+          </a:p>
+        </p:txBody>
+      </p:sp>
+      <p:sp>
+        <p:nvSpPr>
+          <p:cNvPr id="4" name="Date Placeholder 3">
+            <a:extLst>
+              <a:ext uri="{FF2B5EF4-FFF2-40B4-BE49-F238E27FC236}">
+                <a16:creationId xmlns:a16="http://schemas.microsoft.com/office/drawing/2014/main" id="{9E116D53-A7E8-384A-A924-CB556123D05C}"/>
+              </a:ext>
+            </a:extLst>
+          </p:cNvPr>
           <p:cNvSpPr>
             <a:spLocks noGrp="1"/>
           </p:cNvSpPr>
@@ -1062,7 +1476,7 @@
           <a:p>
             <a:fld id="{241EB5C9-1307-BA42-ABA2-0BC069CD8E7F}" type="datetimeFigureOut">
               <a:rPr lang="en-US" smtClean="0"/>
-              <a:t>1/2/22</a:t>
+              <a:t>1/31/22</a:t>
             </a:fld>
             <a:endParaRPr lang="en-US"/>
           </a:p>
@@ -1070,7 +1484,13 @@
       </p:sp>
       <p:sp>
         <p:nvSpPr>
-          <p:cNvPr id="5" name="Footer Placeholder 4"/>
+          <p:cNvPr id="5" name="Footer Placeholder 4">
+            <a:extLst>
+              <a:ext uri="{FF2B5EF4-FFF2-40B4-BE49-F238E27FC236}">
+                <a16:creationId xmlns:a16="http://schemas.microsoft.com/office/drawing/2014/main" id="{9D8D3A5F-D224-144E-B1C6-E4C0A0C64637}"/>
+              </a:ext>
+            </a:extLst>
+          </p:cNvPr>
           <p:cNvSpPr>
             <a:spLocks noGrp="1"/>
           </p:cNvSpPr>
@@ -1078,7 +1498,15 @@
             <p:ph type="ftr" sz="quarter" idx="11"/>
           </p:nvPr>
         </p:nvSpPr>
-        <p:spPr/>
+        <p:spPr>
+          <a:xfrm>
+            <a:off x="4038600" y="6356354"/>
+            <a:ext cx="4114800" cy="365125"/>
+          </a:xfrm>
+          <a:prstGeom prst="rect">
+            <a:avLst/>
+          </a:prstGeom>
+        </p:spPr>
         <p:txBody>
           <a:bodyPr/>
           <a:lstStyle/>
@@ -1089,7 +1517,13 @@
       </p:sp>
       <p:sp>
         <p:nvSpPr>
-          <p:cNvPr id="6" name="Slide Number Placeholder 5"/>
+          <p:cNvPr id="6" name="Slide Number Placeholder 5">
+            <a:extLst>
+              <a:ext uri="{FF2B5EF4-FFF2-40B4-BE49-F238E27FC236}">
+                <a16:creationId xmlns:a16="http://schemas.microsoft.com/office/drawing/2014/main" id="{23885A41-9B71-494D-8739-5A09F705E6B7}"/>
+              </a:ext>
+            </a:extLst>
+          </p:cNvPr>
           <p:cNvSpPr>
             <a:spLocks noGrp="1"/>
           </p:cNvSpPr>
@@ -1113,7 +1547,7 @@
     </p:spTree>
     <p:extLst>
       <p:ext uri="{BB962C8B-B14F-4D97-AF65-F5344CB8AC3E}">
-        <p14:creationId xmlns:p14="http://schemas.microsoft.com/office/powerpoint/2010/main" val="1073069076"/>
+        <p14:creationId xmlns:p14="http://schemas.microsoft.com/office/powerpoint/2010/main" val="1771923018"/>
       </p:ext>
     </p:extLst>
   </p:cSld>
@@ -1142,113 +1576,152 @@
       </p:grpSpPr>
       <p:sp>
         <p:nvSpPr>
-          <p:cNvPr id="2" name="Title 1"/>
+          <p:cNvPr id="2" name="Title 1">
+            <a:extLst>
+              <a:ext uri="{FF2B5EF4-FFF2-40B4-BE49-F238E27FC236}">
+                <a16:creationId xmlns:a16="http://schemas.microsoft.com/office/drawing/2014/main" id="{2ECFDBC1-527D-3041-984A-EF5E7E9B7495}"/>
+              </a:ext>
+            </a:extLst>
+          </p:cNvPr>
           <p:cNvSpPr>
             <a:spLocks noGrp="1"/>
           </p:cNvSpPr>
           <p:nvPr>
             <p:ph type="title"/>
-          </p:nvPr>
-        </p:nvSpPr>
-        <p:spPr/>
-        <p:txBody>
-          <a:bodyPr/>
-          <a:lstStyle/>
-          <a:p>
-            <a:r>
-              <a:rPr lang="en-US"/>
-              <a:t>Click to edit Master title style</a:t>
-            </a:r>
-          </a:p>
-        </p:txBody>
-      </p:sp>
-      <p:sp>
-        <p:nvSpPr>
-          <p:cNvPr id="3" name="Content Placeholder 2"/>
-          <p:cNvSpPr>
-            <a:spLocks noGrp="1"/>
-          </p:cNvSpPr>
-          <p:nvPr>
-            <p:ph sz="half" idx="1"/>
           </p:nvPr>
         </p:nvSpPr>
         <p:spPr>
           <a:xfrm>
-            <a:off x="457200" y="1200151"/>
-            <a:ext cx="4038600" cy="3394472"/>
+            <a:off x="838200" y="365129"/>
+            <a:ext cx="10515600" cy="1325563"/>
+          </a:xfrm>
+          <a:prstGeom prst="rect">
+            <a:avLst/>
+          </a:prstGeom>
+        </p:spPr>
+        <p:txBody>
+          <a:bodyPr/>
+          <a:lstStyle>
+            <a:lvl1pPr>
+              <a:defRPr>
+                <a:solidFill>
+                  <a:srgbClr val="DC322F"/>
+                </a:solidFill>
+              </a:defRPr>
+            </a:lvl1pPr>
+          </a:lstStyle>
+          <a:p>
+            <a:r>
+              <a:rPr lang="en-GB" dirty="0"/>
+              <a:t>Click to edit Master title style</a:t>
+            </a:r>
+            <a:endParaRPr lang="en-US" dirty="0"/>
+          </a:p>
+        </p:txBody>
+      </p:sp>
+      <p:sp>
+        <p:nvSpPr>
+          <p:cNvPr id="3" name="Content Placeholder 2">
+            <a:extLst>
+              <a:ext uri="{FF2B5EF4-FFF2-40B4-BE49-F238E27FC236}">
+                <a16:creationId xmlns:a16="http://schemas.microsoft.com/office/drawing/2014/main" id="{63FA7BF1-44B1-744C-AB68-4BB0A6A5977E}"/>
+              </a:ext>
+            </a:extLst>
+          </p:cNvPr>
+          <p:cNvSpPr>
+            <a:spLocks noGrp="1"/>
+          </p:cNvSpPr>
+          <p:nvPr>
+            <p:ph sz="half" idx="1"/>
+          </p:nvPr>
+        </p:nvSpPr>
+        <p:spPr>
+          <a:xfrm>
+            <a:off x="838200" y="1825625"/>
+            <a:ext cx="5181600" cy="4351338"/>
           </a:xfrm>
         </p:spPr>
         <p:txBody>
           <a:bodyPr/>
           <a:lstStyle>
             <a:lvl1pPr>
-              <a:defRPr sz="2100"/>
+              <a:defRPr>
+                <a:latin typeface="Arial" panose="020B0604020202020204" pitchFamily="34" charset="0"/>
+                <a:cs typeface="Arial" panose="020B0604020202020204" pitchFamily="34" charset="0"/>
+              </a:defRPr>
             </a:lvl1pPr>
             <a:lvl2pPr>
-              <a:defRPr sz="1800"/>
+              <a:defRPr>
+                <a:latin typeface="Arial" panose="020B0604020202020204" pitchFamily="34" charset="0"/>
+                <a:cs typeface="Arial" panose="020B0604020202020204" pitchFamily="34" charset="0"/>
+              </a:defRPr>
             </a:lvl2pPr>
             <a:lvl3pPr>
-              <a:defRPr sz="1500"/>
+              <a:defRPr>
+                <a:latin typeface="Arial" panose="020B0604020202020204" pitchFamily="34" charset="0"/>
+                <a:cs typeface="Arial" panose="020B0604020202020204" pitchFamily="34" charset="0"/>
+              </a:defRPr>
             </a:lvl3pPr>
             <a:lvl4pPr>
-              <a:defRPr sz="1350"/>
+              <a:defRPr>
+                <a:latin typeface="Arial" panose="020B0604020202020204" pitchFamily="34" charset="0"/>
+                <a:cs typeface="Arial" panose="020B0604020202020204" pitchFamily="34" charset="0"/>
+              </a:defRPr>
             </a:lvl4pPr>
             <a:lvl5pPr>
-              <a:defRPr sz="1350"/>
+              <a:defRPr>
+                <a:latin typeface="Arial" panose="020B0604020202020204" pitchFamily="34" charset="0"/>
+                <a:cs typeface="Arial" panose="020B0604020202020204" pitchFamily="34" charset="0"/>
+              </a:defRPr>
             </a:lvl5pPr>
-            <a:lvl6pPr>
-              <a:defRPr sz="1350"/>
-            </a:lvl6pPr>
-            <a:lvl7pPr>
-              <a:defRPr sz="1350"/>
-            </a:lvl7pPr>
-            <a:lvl8pPr>
-              <a:defRPr sz="1350"/>
-            </a:lvl8pPr>
-            <a:lvl9pPr>
-              <a:defRPr sz="1350"/>
-            </a:lvl9pPr>
           </a:lstStyle>
           <a:p>
             <a:pPr lvl="0"/>
             <a:r>
-              <a:rPr lang="en-US"/>
+              <a:rPr lang="en-GB" dirty="0"/>
               <a:t>Click to edit Master text styles</a:t>
             </a:r>
           </a:p>
           <a:p>
             <a:pPr lvl="1"/>
             <a:r>
-              <a:rPr lang="en-US"/>
+              <a:rPr lang="en-GB" dirty="0"/>
               <a:t>Second level</a:t>
             </a:r>
           </a:p>
           <a:p>
             <a:pPr lvl="2"/>
             <a:r>
-              <a:rPr lang="en-US"/>
+              <a:rPr lang="en-GB" dirty="0"/>
               <a:t>Third level</a:t>
             </a:r>
           </a:p>
           <a:p>
             <a:pPr lvl="3"/>
             <a:r>
-              <a:rPr lang="en-US"/>
+              <a:rPr lang="en-GB" dirty="0"/>
               <a:t>Fourth level</a:t>
             </a:r>
           </a:p>
           <a:p>
             <a:pPr lvl="4"/>
             <a:r>
-              <a:rPr lang="en-US"/>
+              <a:rPr lang="en-GB" dirty="0"/>
               <a:t>Fifth level</a:t>
             </a:r>
-          </a:p>
-        </p:txBody>
-      </p:sp>
-      <p:sp>
-        <p:nvSpPr>
-          <p:cNvPr id="4" name="Content Placeholder 3"/>
+            <a:endParaRPr lang="en-US" dirty="0"/>
+          </a:p>
+        </p:txBody>
+      </p:sp>
+      <p:sp>
+        <p:nvSpPr>
+          <p:cNvPr id="4" name="Content Placeholder 3">
+            <a:extLst>
+              <a:ext uri="{FF2B5EF4-FFF2-40B4-BE49-F238E27FC236}">
+                <a16:creationId xmlns:a16="http://schemas.microsoft.com/office/drawing/2014/main" id="{3B974A49-6A1E-2F48-B419-02B0A17B9692}"/>
+              </a:ext>
+            </a:extLst>
+          </p:cNvPr>
           <p:cNvSpPr>
             <a:spLocks noGrp="1"/>
           </p:cNvSpPr>
@@ -1258,81 +1731,91 @@
         </p:nvSpPr>
         <p:spPr>
           <a:xfrm>
-            <a:off x="4648200" y="1200151"/>
-            <a:ext cx="4038600" cy="3394472"/>
+            <a:off x="6172200" y="1825625"/>
+            <a:ext cx="5181600" cy="4351338"/>
           </a:xfrm>
         </p:spPr>
         <p:txBody>
           <a:bodyPr/>
           <a:lstStyle>
             <a:lvl1pPr>
-              <a:defRPr sz="2100"/>
+              <a:defRPr>
+                <a:latin typeface="Arial" panose="020B0604020202020204" pitchFamily="34" charset="0"/>
+                <a:cs typeface="Arial" panose="020B0604020202020204" pitchFamily="34" charset="0"/>
+              </a:defRPr>
             </a:lvl1pPr>
             <a:lvl2pPr>
-              <a:defRPr sz="1800"/>
+              <a:defRPr>
+                <a:latin typeface="Arial" panose="020B0604020202020204" pitchFamily="34" charset="0"/>
+                <a:cs typeface="Arial" panose="020B0604020202020204" pitchFamily="34" charset="0"/>
+              </a:defRPr>
             </a:lvl2pPr>
             <a:lvl3pPr>
-              <a:defRPr sz="1500"/>
+              <a:defRPr>
+                <a:latin typeface="Arial" panose="020B0604020202020204" pitchFamily="34" charset="0"/>
+                <a:cs typeface="Arial" panose="020B0604020202020204" pitchFamily="34" charset="0"/>
+              </a:defRPr>
             </a:lvl3pPr>
             <a:lvl4pPr>
-              <a:defRPr sz="1350"/>
+              <a:defRPr>
+                <a:latin typeface="Arial" panose="020B0604020202020204" pitchFamily="34" charset="0"/>
+                <a:cs typeface="Arial" panose="020B0604020202020204" pitchFamily="34" charset="0"/>
+              </a:defRPr>
             </a:lvl4pPr>
             <a:lvl5pPr>
-              <a:defRPr sz="1350"/>
+              <a:defRPr>
+                <a:latin typeface="Arial" panose="020B0604020202020204" pitchFamily="34" charset="0"/>
+                <a:cs typeface="Arial" panose="020B0604020202020204" pitchFamily="34" charset="0"/>
+              </a:defRPr>
             </a:lvl5pPr>
-            <a:lvl6pPr>
-              <a:defRPr sz="1350"/>
-            </a:lvl6pPr>
-            <a:lvl7pPr>
-              <a:defRPr sz="1350"/>
-            </a:lvl7pPr>
-            <a:lvl8pPr>
-              <a:defRPr sz="1350"/>
-            </a:lvl8pPr>
-            <a:lvl9pPr>
-              <a:defRPr sz="1350"/>
-            </a:lvl9pPr>
           </a:lstStyle>
           <a:p>
             <a:pPr lvl="0"/>
             <a:r>
-              <a:rPr lang="en-US"/>
+              <a:rPr lang="en-GB" dirty="0"/>
               <a:t>Click to edit Master text styles</a:t>
             </a:r>
           </a:p>
           <a:p>
             <a:pPr lvl="1"/>
             <a:r>
-              <a:rPr lang="en-US"/>
+              <a:rPr lang="en-GB" dirty="0"/>
               <a:t>Second level</a:t>
             </a:r>
           </a:p>
           <a:p>
             <a:pPr lvl="2"/>
             <a:r>
-              <a:rPr lang="en-US"/>
+              <a:rPr lang="en-GB" dirty="0"/>
               <a:t>Third level</a:t>
             </a:r>
           </a:p>
           <a:p>
             <a:pPr lvl="3"/>
             <a:r>
-              <a:rPr lang="en-US"/>
+              <a:rPr lang="en-GB" dirty="0"/>
               <a:t>Fourth level</a:t>
             </a:r>
           </a:p>
           <a:p>
             <a:pPr lvl="4"/>
             <a:r>
-              <a:rPr lang="en-US"/>
+              <a:rPr lang="en-GB" dirty="0"/>
               <a:t>Fifth level</a:t>
             </a:r>
-          </a:p>
-        </p:txBody>
-      </p:sp>
-      <p:sp>
-        <p:nvSpPr>
-          <p:cNvPr id="5" name="Date Placeholder 4"/>
+            <a:endParaRPr lang="en-US" dirty="0"/>
+          </a:p>
+        </p:txBody>
+      </p:sp>
+      <p:sp>
+        <p:nvSpPr>
+          <p:cNvPr id="5" name="Date Placeholder 4">
+            <a:extLst>
+              <a:ext uri="{FF2B5EF4-FFF2-40B4-BE49-F238E27FC236}">
+                <a16:creationId xmlns:a16="http://schemas.microsoft.com/office/drawing/2014/main" id="{5EDA9989-2AC6-0F4E-ADFD-C6E06D00A011}"/>
+              </a:ext>
+            </a:extLst>
+          </p:cNvPr>
           <p:cNvSpPr>
             <a:spLocks noGrp="1"/>
           </p:cNvSpPr>
@@ -1347,7 +1830,7 @@
           <a:p>
             <a:fld id="{241EB5C9-1307-BA42-ABA2-0BC069CD8E7F}" type="datetimeFigureOut">
               <a:rPr lang="en-US" smtClean="0"/>
-              <a:t>1/2/22</a:t>
+              <a:t>1/31/22</a:t>
             </a:fld>
             <a:endParaRPr lang="en-US"/>
           </a:p>
@@ -1355,7 +1838,13 @@
       </p:sp>
       <p:sp>
         <p:nvSpPr>
-          <p:cNvPr id="6" name="Footer Placeholder 5"/>
+          <p:cNvPr id="6" name="Footer Placeholder 5">
+            <a:extLst>
+              <a:ext uri="{FF2B5EF4-FFF2-40B4-BE49-F238E27FC236}">
+                <a16:creationId xmlns:a16="http://schemas.microsoft.com/office/drawing/2014/main" id="{0F7625DC-FC15-A34E-972A-D70B8A82798F}"/>
+              </a:ext>
+            </a:extLst>
+          </p:cNvPr>
           <p:cNvSpPr>
             <a:spLocks noGrp="1"/>
           </p:cNvSpPr>
@@ -1363,7 +1852,15 @@
             <p:ph type="ftr" sz="quarter" idx="11"/>
           </p:nvPr>
         </p:nvSpPr>
-        <p:spPr/>
+        <p:spPr>
+          <a:xfrm>
+            <a:off x="4038600" y="6356354"/>
+            <a:ext cx="4114800" cy="365125"/>
+          </a:xfrm>
+          <a:prstGeom prst="rect">
+            <a:avLst/>
+          </a:prstGeom>
+        </p:spPr>
         <p:txBody>
           <a:bodyPr/>
           <a:lstStyle/>
@@ -1374,7 +1871,13 @@
       </p:sp>
       <p:sp>
         <p:nvSpPr>
-          <p:cNvPr id="7" name="Slide Number Placeholder 6"/>
+          <p:cNvPr id="7" name="Slide Number Placeholder 6">
+            <a:extLst>
+              <a:ext uri="{FF2B5EF4-FFF2-40B4-BE49-F238E27FC236}">
+                <a16:creationId xmlns:a16="http://schemas.microsoft.com/office/drawing/2014/main" id="{75BA2A21-61F6-4A4F-8B34-7B5540EF63C5}"/>
+              </a:ext>
+            </a:extLst>
+          </p:cNvPr>
           <p:cNvSpPr>
             <a:spLocks noGrp="1"/>
           </p:cNvSpPr>
@@ -1398,7 +1901,7 @@
     </p:spTree>
     <p:extLst>
       <p:ext uri="{BB962C8B-B14F-4D97-AF65-F5344CB8AC3E}">
-        <p14:creationId xmlns:p14="http://schemas.microsoft.com/office/powerpoint/2010/main" val="2619886245"/>
+        <p14:creationId xmlns:p14="http://schemas.microsoft.com/office/powerpoint/2010/main" val="1695231704"/>
       </p:ext>
     </p:extLst>
   </p:cSld>
@@ -1427,7 +1930,13 @@
       </p:grpSpPr>
       <p:sp>
         <p:nvSpPr>
-          <p:cNvPr id="2" name="Title 1"/>
+          <p:cNvPr id="2" name="Title 1">
+            <a:extLst>
+              <a:ext uri="{FF2B5EF4-FFF2-40B4-BE49-F238E27FC236}">
+                <a16:creationId xmlns:a16="http://schemas.microsoft.com/office/drawing/2014/main" id="{58F51DF4-AED1-614B-BE12-21438630C8F0}"/>
+              </a:ext>
+            </a:extLst>
+          </p:cNvPr>
           <p:cNvSpPr>
             <a:spLocks noGrp="1"/>
           </p:cNvSpPr>
@@ -1435,25 +1944,44 @@
             <p:ph type="title"/>
           </p:nvPr>
         </p:nvSpPr>
-        <p:spPr/>
+        <p:spPr>
+          <a:xfrm>
+            <a:off x="839788" y="365129"/>
+            <a:ext cx="10515600" cy="1325563"/>
+          </a:xfrm>
+          <a:prstGeom prst="rect">
+            <a:avLst/>
+          </a:prstGeom>
+        </p:spPr>
         <p:txBody>
           <a:bodyPr/>
           <a:lstStyle>
             <a:lvl1pPr>
-              <a:defRPr/>
+              <a:defRPr>
+                <a:solidFill>
+                  <a:srgbClr val="DC322F"/>
+                </a:solidFill>
+              </a:defRPr>
             </a:lvl1pPr>
           </a:lstStyle>
           <a:p>
             <a:r>
-              <a:rPr lang="en-US"/>
+              <a:rPr lang="en-GB" dirty="0"/>
               <a:t>Click to edit Master title style</a:t>
             </a:r>
-          </a:p>
-        </p:txBody>
-      </p:sp>
-      <p:sp>
-        <p:nvSpPr>
-          <p:cNvPr id="3" name="Text Placeholder 2"/>
+            <a:endParaRPr lang="en-US" dirty="0"/>
+          </a:p>
+        </p:txBody>
+      </p:sp>
+      <p:sp>
+        <p:nvSpPr>
+          <p:cNvPr id="3" name="Text Placeholder 2">
+            <a:extLst>
+              <a:ext uri="{FF2B5EF4-FFF2-40B4-BE49-F238E27FC236}">
+                <a16:creationId xmlns:a16="http://schemas.microsoft.com/office/drawing/2014/main" id="{3C3DBCAE-E5F3-8C40-9708-53662383E530}"/>
+              </a:ext>
+            </a:extLst>
+          </p:cNvPr>
           <p:cNvSpPr>
             <a:spLocks noGrp="1"/>
           </p:cNvSpPr>
@@ -1463,54 +1991,60 @@
         </p:nvSpPr>
         <p:spPr>
           <a:xfrm>
-            <a:off x="457200" y="1151335"/>
-            <a:ext cx="4040188" cy="479822"/>
+            <a:off x="839789" y="1681163"/>
+            <a:ext cx="5157787" cy="823912"/>
           </a:xfrm>
         </p:spPr>
         <p:txBody>
-          <a:bodyPr anchor="b"/>
+          <a:bodyPr anchor="b">
+            <a:normAutofit/>
+          </a:bodyPr>
           <a:lstStyle>
             <a:lvl1pPr marL="0" indent="0">
               <a:buNone/>
-              <a:defRPr sz="1800" b="1"/>
+              <a:defRPr sz="1600" b="1">
+                <a:solidFill>
+                  <a:srgbClr val="1A1A1A"/>
+                </a:solidFill>
+              </a:defRPr>
             </a:lvl1pPr>
-            <a:lvl2pPr marL="342900" indent="0">
-              <a:buNone/>
-              <a:defRPr sz="1500" b="1"/>
+            <a:lvl2pPr marL="257175" indent="0">
+              <a:buNone/>
+              <a:defRPr sz="1125" b="1"/>
             </a:lvl2pPr>
-            <a:lvl3pPr marL="685800" indent="0">
-              <a:buNone/>
-              <a:defRPr sz="1350" b="1"/>
+            <a:lvl3pPr marL="514350" indent="0">
+              <a:buNone/>
+              <a:defRPr sz="1013" b="1"/>
             </a:lvl3pPr>
-            <a:lvl4pPr marL="1028700" indent="0">
-              <a:buNone/>
-              <a:defRPr sz="1200" b="1"/>
+            <a:lvl4pPr marL="771525" indent="0">
+              <a:buNone/>
+              <a:defRPr sz="900" b="1"/>
             </a:lvl4pPr>
-            <a:lvl5pPr marL="1371600" indent="0">
-              <a:buNone/>
-              <a:defRPr sz="1200" b="1"/>
+            <a:lvl5pPr marL="1028700" indent="0">
+              <a:buNone/>
+              <a:defRPr sz="900" b="1"/>
             </a:lvl5pPr>
-            <a:lvl6pPr marL="1714500" indent="0">
-              <a:buNone/>
-              <a:defRPr sz="1200" b="1"/>
+            <a:lvl6pPr marL="1285875" indent="0">
+              <a:buNone/>
+              <a:defRPr sz="900" b="1"/>
             </a:lvl6pPr>
-            <a:lvl7pPr marL="2057400" indent="0">
-              <a:buNone/>
-              <a:defRPr sz="1200" b="1"/>
+            <a:lvl7pPr marL="1543050" indent="0">
+              <a:buNone/>
+              <a:defRPr sz="900" b="1"/>
             </a:lvl7pPr>
-            <a:lvl8pPr marL="2400300" indent="0">
-              <a:buNone/>
-              <a:defRPr sz="1200" b="1"/>
+            <a:lvl8pPr marL="1800225" indent="0">
+              <a:buNone/>
+              <a:defRPr sz="900" b="1"/>
             </a:lvl8pPr>
-            <a:lvl9pPr marL="2743200" indent="0">
-              <a:buNone/>
-              <a:defRPr sz="1200" b="1"/>
+            <a:lvl9pPr marL="2057400" indent="0">
+              <a:buNone/>
+              <a:defRPr sz="900" b="1"/>
             </a:lvl9pPr>
           </a:lstStyle>
           <a:p>
             <a:pPr lvl="0"/>
             <a:r>
-              <a:rPr lang="en-US"/>
+              <a:rPr lang="en-GB" dirty="0"/>
               <a:t>Click to edit Master text styles</a:t>
             </a:r>
           </a:p>
@@ -1518,7 +2052,13 @@
       </p:sp>
       <p:sp>
         <p:nvSpPr>
-          <p:cNvPr id="4" name="Content Placeholder 3"/>
+          <p:cNvPr id="4" name="Content Placeholder 3">
+            <a:extLst>
+              <a:ext uri="{FF2B5EF4-FFF2-40B4-BE49-F238E27FC236}">
+                <a16:creationId xmlns:a16="http://schemas.microsoft.com/office/drawing/2014/main" id="{37C57552-3DC5-3546-AB54-31C74D633808}"/>
+              </a:ext>
+            </a:extLst>
+          </p:cNvPr>
           <p:cNvSpPr>
             <a:spLocks noGrp="1"/>
           </p:cNvSpPr>
@@ -1528,272 +2068,262 @@
         </p:nvSpPr>
         <p:spPr>
           <a:xfrm>
-            <a:off x="457200" y="1631156"/>
-            <a:ext cx="4040188" cy="2963466"/>
+            <a:off x="839789" y="2505075"/>
+            <a:ext cx="5157787" cy="3684588"/>
           </a:xfrm>
         </p:spPr>
         <p:txBody>
           <a:bodyPr/>
+          <a:lstStyle/>
+          <a:p>
+            <a:pPr lvl="0"/>
+            <a:r>
+              <a:rPr lang="en-GB" dirty="0"/>
+              <a:t>Click to edit Master text styles</a:t>
+            </a:r>
+          </a:p>
+          <a:p>
+            <a:pPr lvl="1"/>
+            <a:r>
+              <a:rPr lang="en-GB" dirty="0"/>
+              <a:t>Second level</a:t>
+            </a:r>
+          </a:p>
+          <a:p>
+            <a:pPr lvl="2"/>
+            <a:r>
+              <a:rPr lang="en-GB" dirty="0"/>
+              <a:t>Third level</a:t>
+            </a:r>
+          </a:p>
+          <a:p>
+            <a:pPr lvl="3"/>
+            <a:r>
+              <a:rPr lang="en-GB" dirty="0"/>
+              <a:t>Fourth level</a:t>
+            </a:r>
+          </a:p>
+          <a:p>
+            <a:pPr lvl="4"/>
+            <a:r>
+              <a:rPr lang="en-GB" dirty="0"/>
+              <a:t>Fifth level</a:t>
+            </a:r>
+            <a:endParaRPr lang="en-US" dirty="0"/>
+          </a:p>
+        </p:txBody>
+      </p:sp>
+      <p:sp>
+        <p:nvSpPr>
+          <p:cNvPr id="5" name="Text Placeholder 4">
+            <a:extLst>
+              <a:ext uri="{FF2B5EF4-FFF2-40B4-BE49-F238E27FC236}">
+                <a16:creationId xmlns:a16="http://schemas.microsoft.com/office/drawing/2014/main" id="{3143EE9D-F5D6-F54D-8468-AEFB4E7186A0}"/>
+              </a:ext>
+            </a:extLst>
+          </p:cNvPr>
+          <p:cNvSpPr>
+            <a:spLocks noGrp="1"/>
+          </p:cNvSpPr>
+          <p:nvPr>
+            <p:ph type="body" sz="quarter" idx="3"/>
+          </p:nvPr>
+        </p:nvSpPr>
+        <p:spPr>
+          <a:xfrm>
+            <a:off x="6172202" y="1681163"/>
+            <a:ext cx="5183188" cy="823912"/>
+          </a:xfrm>
+        </p:spPr>
+        <p:txBody>
+          <a:bodyPr anchor="b">
+            <a:normAutofit/>
+          </a:bodyPr>
           <a:lstStyle>
-            <a:lvl1pPr>
-              <a:defRPr sz="1800"/>
+            <a:lvl1pPr marL="0" indent="0">
+              <a:buNone/>
+              <a:defRPr sz="1600" b="1">
+                <a:solidFill>
+                  <a:srgbClr val="1A1A1A"/>
+                </a:solidFill>
+              </a:defRPr>
             </a:lvl1pPr>
-            <a:lvl2pPr>
-              <a:defRPr sz="1500"/>
+            <a:lvl2pPr marL="257175" indent="0">
+              <a:buNone/>
+              <a:defRPr sz="1125" b="1"/>
             </a:lvl2pPr>
-            <a:lvl3pPr>
-              <a:defRPr sz="1350"/>
+            <a:lvl3pPr marL="514350" indent="0">
+              <a:buNone/>
+              <a:defRPr sz="1013" b="1"/>
             </a:lvl3pPr>
-            <a:lvl4pPr>
-              <a:defRPr sz="1200"/>
+            <a:lvl4pPr marL="771525" indent="0">
+              <a:buNone/>
+              <a:defRPr sz="900" b="1"/>
             </a:lvl4pPr>
-            <a:lvl5pPr>
-              <a:defRPr sz="1200"/>
+            <a:lvl5pPr marL="1028700" indent="0">
+              <a:buNone/>
+              <a:defRPr sz="900" b="1"/>
             </a:lvl5pPr>
-            <a:lvl6pPr>
-              <a:defRPr sz="1200"/>
+            <a:lvl6pPr marL="1285875" indent="0">
+              <a:buNone/>
+              <a:defRPr sz="900" b="1"/>
             </a:lvl6pPr>
-            <a:lvl7pPr>
-              <a:defRPr sz="1200"/>
+            <a:lvl7pPr marL="1543050" indent="0">
+              <a:buNone/>
+              <a:defRPr sz="900" b="1"/>
             </a:lvl7pPr>
-            <a:lvl8pPr>
-              <a:defRPr sz="1200"/>
+            <a:lvl8pPr marL="1800225" indent="0">
+              <a:buNone/>
+              <a:defRPr sz="900" b="1"/>
             </a:lvl8pPr>
-            <a:lvl9pPr>
-              <a:defRPr sz="1200"/>
+            <a:lvl9pPr marL="2057400" indent="0">
+              <a:buNone/>
+              <a:defRPr sz="900" b="1"/>
             </a:lvl9pPr>
           </a:lstStyle>
           <a:p>
             <a:pPr lvl="0"/>
             <a:r>
-              <a:rPr lang="en-US"/>
+              <a:rPr lang="en-GB" dirty="0"/>
               <a:t>Click to edit Master text styles</a:t>
             </a:r>
           </a:p>
-          <a:p>
-            <a:pPr lvl="1"/>
-            <a:r>
-              <a:rPr lang="en-US"/>
-              <a:t>Second level</a:t>
-            </a:r>
-          </a:p>
-          <a:p>
-            <a:pPr lvl="2"/>
-            <a:r>
-              <a:rPr lang="en-US"/>
-              <a:t>Third level</a:t>
-            </a:r>
-          </a:p>
-          <a:p>
-            <a:pPr lvl="3"/>
-            <a:r>
-              <a:rPr lang="en-US"/>
-              <a:t>Fourth level</a:t>
-            </a:r>
-          </a:p>
-          <a:p>
-            <a:pPr lvl="4"/>
-            <a:r>
-              <a:rPr lang="en-US"/>
-              <a:t>Fifth level</a:t>
-            </a:r>
-          </a:p>
-        </p:txBody>
-      </p:sp>
-      <p:sp>
-        <p:nvSpPr>
-          <p:cNvPr id="5" name="Text Placeholder 4"/>
-          <p:cNvSpPr>
-            <a:spLocks noGrp="1"/>
-          </p:cNvSpPr>
-          <p:nvPr>
-            <p:ph type="body" sz="quarter" idx="3"/>
+        </p:txBody>
+      </p:sp>
+      <p:sp>
+        <p:nvSpPr>
+          <p:cNvPr id="6" name="Content Placeholder 5">
+            <a:extLst>
+              <a:ext uri="{FF2B5EF4-FFF2-40B4-BE49-F238E27FC236}">
+                <a16:creationId xmlns:a16="http://schemas.microsoft.com/office/drawing/2014/main" id="{DC7198EC-0E7C-514D-9D5C-E0079B57D9B8}"/>
+              </a:ext>
+            </a:extLst>
+          </p:cNvPr>
+          <p:cNvSpPr>
+            <a:spLocks noGrp="1"/>
+          </p:cNvSpPr>
+          <p:nvPr>
+            <p:ph sz="quarter" idx="4"/>
           </p:nvPr>
         </p:nvSpPr>
         <p:spPr>
           <a:xfrm>
-            <a:off x="4645026" y="1151335"/>
-            <a:ext cx="4041775" cy="479822"/>
+            <a:off x="6172202" y="2505075"/>
+            <a:ext cx="5183188" cy="3684588"/>
           </a:xfrm>
         </p:spPr>
         <p:txBody>
-          <a:bodyPr anchor="b"/>
-          <a:lstStyle>
-            <a:lvl1pPr marL="0" indent="0">
-              <a:buNone/>
-              <a:defRPr sz="1800" b="1"/>
-            </a:lvl1pPr>
-            <a:lvl2pPr marL="342900" indent="0">
-              <a:buNone/>
-              <a:defRPr sz="1500" b="1"/>
-            </a:lvl2pPr>
-            <a:lvl3pPr marL="685800" indent="0">
-              <a:buNone/>
-              <a:defRPr sz="1350" b="1"/>
-            </a:lvl3pPr>
-            <a:lvl4pPr marL="1028700" indent="0">
-              <a:buNone/>
-              <a:defRPr sz="1200" b="1"/>
-            </a:lvl4pPr>
-            <a:lvl5pPr marL="1371600" indent="0">
-              <a:buNone/>
-              <a:defRPr sz="1200" b="1"/>
-            </a:lvl5pPr>
-            <a:lvl6pPr marL="1714500" indent="0">
-              <a:buNone/>
-              <a:defRPr sz="1200" b="1"/>
-            </a:lvl6pPr>
-            <a:lvl7pPr marL="2057400" indent="0">
-              <a:buNone/>
-              <a:defRPr sz="1200" b="1"/>
-            </a:lvl7pPr>
-            <a:lvl8pPr marL="2400300" indent="0">
-              <a:buNone/>
-              <a:defRPr sz="1200" b="1"/>
-            </a:lvl8pPr>
-            <a:lvl9pPr marL="2743200" indent="0">
-              <a:buNone/>
-              <a:defRPr sz="1200" b="1"/>
-            </a:lvl9pPr>
-          </a:lstStyle>
+          <a:bodyPr/>
+          <a:lstStyle/>
           <a:p>
             <a:pPr lvl="0"/>
             <a:r>
-              <a:rPr lang="en-US"/>
+              <a:rPr lang="en-GB"/>
               <a:t>Click to edit Master text styles</a:t>
             </a:r>
           </a:p>
-        </p:txBody>
-      </p:sp>
-      <p:sp>
-        <p:nvSpPr>
-          <p:cNvPr id="6" name="Content Placeholder 5"/>
-          <p:cNvSpPr>
-            <a:spLocks noGrp="1"/>
-          </p:cNvSpPr>
-          <p:nvPr>
-            <p:ph sz="quarter" idx="4"/>
+          <a:p>
+            <a:pPr lvl="1"/>
+            <a:r>
+              <a:rPr lang="en-GB"/>
+              <a:t>Second level</a:t>
+            </a:r>
+          </a:p>
+          <a:p>
+            <a:pPr lvl="2"/>
+            <a:r>
+              <a:rPr lang="en-GB"/>
+              <a:t>Third level</a:t>
+            </a:r>
+          </a:p>
+          <a:p>
+            <a:pPr lvl="3"/>
+            <a:r>
+              <a:rPr lang="en-GB"/>
+              <a:t>Fourth level</a:t>
+            </a:r>
+          </a:p>
+          <a:p>
+            <a:pPr lvl="4"/>
+            <a:r>
+              <a:rPr lang="en-GB"/>
+              <a:t>Fifth level</a:t>
+            </a:r>
+            <a:endParaRPr lang="en-US"/>
+          </a:p>
+        </p:txBody>
+      </p:sp>
+      <p:sp>
+        <p:nvSpPr>
+          <p:cNvPr id="7" name="Date Placeholder 6">
+            <a:extLst>
+              <a:ext uri="{FF2B5EF4-FFF2-40B4-BE49-F238E27FC236}">
+                <a16:creationId xmlns:a16="http://schemas.microsoft.com/office/drawing/2014/main" id="{079E07E0-5A9C-4B41-95FF-3BAA5F6BC2D3}"/>
+              </a:ext>
+            </a:extLst>
+          </p:cNvPr>
+          <p:cNvSpPr>
+            <a:spLocks noGrp="1"/>
+          </p:cNvSpPr>
+          <p:nvPr>
+            <p:ph type="dt" sz="half" idx="10"/>
+          </p:nvPr>
+        </p:nvSpPr>
+        <p:spPr/>
+        <p:txBody>
+          <a:bodyPr/>
+          <a:lstStyle/>
+          <a:p>
+            <a:fld id="{241EB5C9-1307-BA42-ABA2-0BC069CD8E7F}" type="datetimeFigureOut">
+              <a:rPr lang="en-US" smtClean="0"/>
+              <a:t>1/31/22</a:t>
+            </a:fld>
+            <a:endParaRPr lang="en-US"/>
+          </a:p>
+        </p:txBody>
+      </p:sp>
+      <p:sp>
+        <p:nvSpPr>
+          <p:cNvPr id="8" name="Footer Placeholder 7">
+            <a:extLst>
+              <a:ext uri="{FF2B5EF4-FFF2-40B4-BE49-F238E27FC236}">
+                <a16:creationId xmlns:a16="http://schemas.microsoft.com/office/drawing/2014/main" id="{74BDB537-974F-D34D-9750-CC69627A221B}"/>
+              </a:ext>
+            </a:extLst>
+          </p:cNvPr>
+          <p:cNvSpPr>
+            <a:spLocks noGrp="1"/>
+          </p:cNvSpPr>
+          <p:nvPr>
+            <p:ph type="ftr" sz="quarter" idx="11"/>
           </p:nvPr>
         </p:nvSpPr>
         <p:spPr>
           <a:xfrm>
-            <a:off x="4645026" y="1631156"/>
-            <a:ext cx="4041775" cy="2963466"/>
+            <a:off x="4038600" y="6356354"/>
+            <a:ext cx="4114800" cy="365125"/>
           </a:xfrm>
+          <a:prstGeom prst="rect">
+            <a:avLst/>
+          </a:prstGeom>
         </p:spPr>
         <p:txBody>
           <a:bodyPr/>
-          <a:lstStyle>
-            <a:lvl1pPr>
-              <a:defRPr sz="1800"/>
-            </a:lvl1pPr>
-            <a:lvl2pPr>
-              <a:defRPr sz="1500"/>
-            </a:lvl2pPr>
-            <a:lvl3pPr>
-              <a:defRPr sz="1350"/>
-            </a:lvl3pPr>
-            <a:lvl4pPr>
-              <a:defRPr sz="1200"/>
-            </a:lvl4pPr>
-            <a:lvl5pPr>
-              <a:defRPr sz="1200"/>
-            </a:lvl5pPr>
-            <a:lvl6pPr>
-              <a:defRPr sz="1200"/>
-            </a:lvl6pPr>
-            <a:lvl7pPr>
-              <a:defRPr sz="1200"/>
-            </a:lvl7pPr>
-            <a:lvl8pPr>
-              <a:defRPr sz="1200"/>
-            </a:lvl8pPr>
-            <a:lvl9pPr>
-              <a:defRPr sz="1200"/>
-            </a:lvl9pPr>
-          </a:lstStyle>
-          <a:p>
-            <a:pPr lvl="0"/>
-            <a:r>
-              <a:rPr lang="en-US"/>
-              <a:t>Click to edit Master text styles</a:t>
-            </a:r>
-          </a:p>
-          <a:p>
-            <a:pPr lvl="1"/>
-            <a:r>
-              <a:rPr lang="en-US"/>
-              <a:t>Second level</a:t>
-            </a:r>
-          </a:p>
-          <a:p>
-            <a:pPr lvl="2"/>
-            <a:r>
-              <a:rPr lang="en-US"/>
-              <a:t>Third level</a:t>
-            </a:r>
-          </a:p>
-          <a:p>
-            <a:pPr lvl="3"/>
-            <a:r>
-              <a:rPr lang="en-US"/>
-              <a:t>Fourth level</a:t>
-            </a:r>
-          </a:p>
-          <a:p>
-            <a:pPr lvl="4"/>
-            <a:r>
-              <a:rPr lang="en-US"/>
-              <a:t>Fifth level</a:t>
-            </a:r>
-          </a:p>
-        </p:txBody>
-      </p:sp>
-      <p:sp>
-        <p:nvSpPr>
-          <p:cNvPr id="7" name="Date Placeholder 6"/>
-          <p:cNvSpPr>
-            <a:spLocks noGrp="1"/>
-          </p:cNvSpPr>
-          <p:nvPr>
-            <p:ph type="dt" sz="half" idx="10"/>
-          </p:nvPr>
-        </p:nvSpPr>
-        <p:spPr/>
-        <p:txBody>
-          <a:bodyPr/>
           <a:lstStyle/>
           <a:p>
-            <a:fld id="{241EB5C9-1307-BA42-ABA2-0BC069CD8E7F}" type="datetimeFigureOut">
-              <a:rPr lang="en-US" smtClean="0"/>
-              <a:t>1/2/22</a:t>
-            </a:fld>
             <a:endParaRPr lang="en-US"/>
           </a:p>
         </p:txBody>
       </p:sp>
       <p:sp>
         <p:nvSpPr>
-          <p:cNvPr id="8" name="Footer Placeholder 7"/>
-          <p:cNvSpPr>
-            <a:spLocks noGrp="1"/>
-          </p:cNvSpPr>
-          <p:nvPr>
-            <p:ph type="ftr" sz="quarter" idx="11"/>
-          </p:nvPr>
-        </p:nvSpPr>
-        <p:spPr/>
-        <p:txBody>
-          <a:bodyPr/>
-          <a:lstStyle/>
-          <a:p>
-            <a:endParaRPr lang="en-US"/>
-          </a:p>
-        </p:txBody>
-      </p:sp>
-      <p:sp>
-        <p:nvSpPr>
-          <p:cNvPr id="9" name="Slide Number Placeholder 8"/>
+          <p:cNvPr id="9" name="Slide Number Placeholder 8">
+            <a:extLst>
+              <a:ext uri="{FF2B5EF4-FFF2-40B4-BE49-F238E27FC236}">
+                <a16:creationId xmlns:a16="http://schemas.microsoft.com/office/drawing/2014/main" id="{8F16F390-2D22-5048-A0FC-3FAD9329A0CB}"/>
+              </a:ext>
+            </a:extLst>
+          </p:cNvPr>
           <p:cNvSpPr>
             <a:spLocks noGrp="1"/>
           </p:cNvSpPr>
@@ -1817,7 +2347,7 @@
     </p:spTree>
     <p:extLst>
       <p:ext uri="{BB962C8B-B14F-4D97-AF65-F5344CB8AC3E}">
-        <p14:creationId xmlns:p14="http://schemas.microsoft.com/office/powerpoint/2010/main" val="2535793967"/>
+        <p14:creationId xmlns:p14="http://schemas.microsoft.com/office/powerpoint/2010/main" val="3822591399"/>
       </p:ext>
     </p:extLst>
   </p:cSld>
@@ -1846,7 +2376,13 @@
       </p:grpSpPr>
       <p:sp>
         <p:nvSpPr>
-          <p:cNvPr id="2" name="Title 1"/>
+          <p:cNvPr id="2" name="Title 1">
+            <a:extLst>
+              <a:ext uri="{FF2B5EF4-FFF2-40B4-BE49-F238E27FC236}">
+                <a16:creationId xmlns:a16="http://schemas.microsoft.com/office/drawing/2014/main" id="{4B3BD455-6580-E548-84D2-30E8C319B2E6}"/>
+              </a:ext>
+            </a:extLst>
+          </p:cNvPr>
           <p:cNvSpPr>
             <a:spLocks noGrp="1"/>
           </p:cNvSpPr>
@@ -1854,21 +2390,44 @@
             <p:ph type="title"/>
           </p:nvPr>
         </p:nvSpPr>
-        <p:spPr/>
-        <p:txBody>
-          <a:bodyPr/>
-          <a:lstStyle/>
-          <a:p>
-            <a:r>
-              <a:rPr lang="en-US"/>
+        <p:spPr>
+          <a:xfrm>
+            <a:off x="838200" y="365129"/>
+            <a:ext cx="10515600" cy="1325563"/>
+          </a:xfrm>
+          <a:prstGeom prst="rect">
+            <a:avLst/>
+          </a:prstGeom>
+        </p:spPr>
+        <p:txBody>
+          <a:bodyPr/>
+          <a:lstStyle>
+            <a:lvl1pPr>
+              <a:defRPr>
+                <a:solidFill>
+                  <a:srgbClr val="DC322F"/>
+                </a:solidFill>
+              </a:defRPr>
+            </a:lvl1pPr>
+          </a:lstStyle>
+          <a:p>
+            <a:r>
+              <a:rPr lang="en-GB" dirty="0"/>
               <a:t>Click to edit Master title style</a:t>
             </a:r>
-          </a:p>
-        </p:txBody>
-      </p:sp>
-      <p:sp>
-        <p:nvSpPr>
-          <p:cNvPr id="3" name="Date Placeholder 2"/>
+            <a:endParaRPr lang="en-US" dirty="0"/>
+          </a:p>
+        </p:txBody>
+      </p:sp>
+      <p:sp>
+        <p:nvSpPr>
+          <p:cNvPr id="3" name="Date Placeholder 2">
+            <a:extLst>
+              <a:ext uri="{FF2B5EF4-FFF2-40B4-BE49-F238E27FC236}">
+                <a16:creationId xmlns:a16="http://schemas.microsoft.com/office/drawing/2014/main" id="{98437170-F497-734A-8863-A2B1D6D27F61}"/>
+              </a:ext>
+            </a:extLst>
+          </p:cNvPr>
           <p:cNvSpPr>
             <a:spLocks noGrp="1"/>
           </p:cNvSpPr>
@@ -1883,7 +2442,7 @@
           <a:p>
             <a:fld id="{241EB5C9-1307-BA42-ABA2-0BC069CD8E7F}" type="datetimeFigureOut">
               <a:rPr lang="en-US" smtClean="0"/>
-              <a:t>1/2/22</a:t>
+              <a:t>1/31/22</a:t>
             </a:fld>
             <a:endParaRPr lang="en-US"/>
           </a:p>
@@ -1891,7 +2450,13 @@
       </p:sp>
       <p:sp>
         <p:nvSpPr>
-          <p:cNvPr id="4" name="Footer Placeholder 3"/>
+          <p:cNvPr id="4" name="Footer Placeholder 3">
+            <a:extLst>
+              <a:ext uri="{FF2B5EF4-FFF2-40B4-BE49-F238E27FC236}">
+                <a16:creationId xmlns:a16="http://schemas.microsoft.com/office/drawing/2014/main" id="{5183678E-8EC0-9D40-85FD-A78B73035745}"/>
+              </a:ext>
+            </a:extLst>
+          </p:cNvPr>
           <p:cNvSpPr>
             <a:spLocks noGrp="1"/>
           </p:cNvSpPr>
@@ -1899,7 +2464,15 @@
             <p:ph type="ftr" sz="quarter" idx="11"/>
           </p:nvPr>
         </p:nvSpPr>
-        <p:spPr/>
+        <p:spPr>
+          <a:xfrm>
+            <a:off x="4038600" y="6356354"/>
+            <a:ext cx="4114800" cy="365125"/>
+          </a:xfrm>
+          <a:prstGeom prst="rect">
+            <a:avLst/>
+          </a:prstGeom>
+        </p:spPr>
         <p:txBody>
           <a:bodyPr/>
           <a:lstStyle/>
@@ -1910,7 +2483,13 @@
       </p:sp>
       <p:sp>
         <p:nvSpPr>
-          <p:cNvPr id="5" name="Slide Number Placeholder 4"/>
+          <p:cNvPr id="5" name="Slide Number Placeholder 4">
+            <a:extLst>
+              <a:ext uri="{FF2B5EF4-FFF2-40B4-BE49-F238E27FC236}">
+                <a16:creationId xmlns:a16="http://schemas.microsoft.com/office/drawing/2014/main" id="{A4410869-C0FC-2E44-824A-787E6D8BF311}"/>
+              </a:ext>
+            </a:extLst>
+          </p:cNvPr>
           <p:cNvSpPr>
             <a:spLocks noGrp="1"/>
           </p:cNvSpPr>
@@ -1934,7 +2513,7 @@
     </p:spTree>
     <p:extLst>
       <p:ext uri="{BB962C8B-B14F-4D97-AF65-F5344CB8AC3E}">
-        <p14:creationId xmlns:p14="http://schemas.microsoft.com/office/powerpoint/2010/main" val="3472721253"/>
+        <p14:creationId xmlns:p14="http://schemas.microsoft.com/office/powerpoint/2010/main" val="557684754"/>
       </p:ext>
     </p:extLst>
   </p:cSld>
@@ -1963,7 +2542,13 @@
       </p:grpSpPr>
       <p:sp>
         <p:nvSpPr>
-          <p:cNvPr id="2" name="Date Placeholder 1"/>
+          <p:cNvPr id="2" name="Date Placeholder 1">
+            <a:extLst>
+              <a:ext uri="{FF2B5EF4-FFF2-40B4-BE49-F238E27FC236}">
+                <a16:creationId xmlns:a16="http://schemas.microsoft.com/office/drawing/2014/main" id="{6ECFB1ED-2AE6-5449-BE22-43836D3C45EE}"/>
+              </a:ext>
+            </a:extLst>
+          </p:cNvPr>
           <p:cNvSpPr>
             <a:spLocks noGrp="1"/>
           </p:cNvSpPr>
@@ -1978,7 +2563,7 @@
           <a:p>
             <a:fld id="{241EB5C9-1307-BA42-ABA2-0BC069CD8E7F}" type="datetimeFigureOut">
               <a:rPr lang="en-US" smtClean="0"/>
-              <a:t>1/2/22</a:t>
+              <a:t>1/31/22</a:t>
             </a:fld>
             <a:endParaRPr lang="en-US"/>
           </a:p>
@@ -1986,7 +2571,13 @@
       </p:sp>
       <p:sp>
         <p:nvSpPr>
-          <p:cNvPr id="3" name="Footer Placeholder 2"/>
+          <p:cNvPr id="3" name="Footer Placeholder 2">
+            <a:extLst>
+              <a:ext uri="{FF2B5EF4-FFF2-40B4-BE49-F238E27FC236}">
+                <a16:creationId xmlns:a16="http://schemas.microsoft.com/office/drawing/2014/main" id="{D92D820E-FB19-6E41-9F98-FE01AD877114}"/>
+              </a:ext>
+            </a:extLst>
+          </p:cNvPr>
           <p:cNvSpPr>
             <a:spLocks noGrp="1"/>
           </p:cNvSpPr>
@@ -1994,7 +2585,15 @@
             <p:ph type="ftr" sz="quarter" idx="11"/>
           </p:nvPr>
         </p:nvSpPr>
-        <p:spPr/>
+        <p:spPr>
+          <a:xfrm>
+            <a:off x="4038600" y="6356354"/>
+            <a:ext cx="4114800" cy="365125"/>
+          </a:xfrm>
+          <a:prstGeom prst="rect">
+            <a:avLst/>
+          </a:prstGeom>
+        </p:spPr>
         <p:txBody>
           <a:bodyPr/>
           <a:lstStyle/>
@@ -2005,7 +2604,13 @@
       </p:sp>
       <p:sp>
         <p:nvSpPr>
-          <p:cNvPr id="4" name="Slide Number Placeholder 3"/>
+          <p:cNvPr id="4" name="Slide Number Placeholder 3">
+            <a:extLst>
+              <a:ext uri="{FF2B5EF4-FFF2-40B4-BE49-F238E27FC236}">
+                <a16:creationId xmlns:a16="http://schemas.microsoft.com/office/drawing/2014/main" id="{7B109D32-6061-E14C-B370-0847ED7F2515}"/>
+              </a:ext>
+            </a:extLst>
+          </p:cNvPr>
           <p:cNvSpPr>
             <a:spLocks noGrp="1"/>
           </p:cNvSpPr>
@@ -2029,7 +2634,7 @@
     </p:spTree>
     <p:extLst>
       <p:ext uri="{BB962C8B-B14F-4D97-AF65-F5344CB8AC3E}">
-        <p14:creationId xmlns:p14="http://schemas.microsoft.com/office/powerpoint/2010/main" val="2130901097"/>
+        <p14:creationId xmlns:p14="http://schemas.microsoft.com/office/powerpoint/2010/main" val="2569823325"/>
       </p:ext>
     </p:extLst>
   </p:cSld>
@@ -2058,7 +2663,13 @@
       </p:grpSpPr>
       <p:sp>
         <p:nvSpPr>
-          <p:cNvPr id="2" name="Title 1"/>
+          <p:cNvPr id="2" name="Title 1">
+            <a:extLst>
+              <a:ext uri="{FF2B5EF4-FFF2-40B4-BE49-F238E27FC236}">
+                <a16:creationId xmlns:a16="http://schemas.microsoft.com/office/drawing/2014/main" id="{F3186003-B489-CA46-A95C-C1AECC0CA4D3}"/>
+              </a:ext>
+            </a:extLst>
+          </p:cNvPr>
           <p:cNvSpPr>
             <a:spLocks noGrp="1"/>
           </p:cNvSpPr>
@@ -2068,219 +2679,270 @@
         </p:nvSpPr>
         <p:spPr>
           <a:xfrm>
-            <a:off x="457201" y="204787"/>
-            <a:ext cx="3008313" cy="871538"/>
+            <a:off x="839788" y="457200"/>
+            <a:ext cx="3932237" cy="1600200"/>
+          </a:xfrm>
+          <a:prstGeom prst="rect">
+            <a:avLst/>
+          </a:prstGeom>
+        </p:spPr>
+        <p:txBody>
+          <a:bodyPr anchor="ctr">
+            <a:normAutofit/>
+          </a:bodyPr>
+          <a:lstStyle>
+            <a:lvl1pPr>
+              <a:defRPr sz="2800">
+                <a:solidFill>
+                  <a:srgbClr val="DC322F"/>
+                </a:solidFill>
+              </a:defRPr>
+            </a:lvl1pPr>
+          </a:lstStyle>
+          <a:p>
+            <a:r>
+              <a:rPr lang="en-GB" dirty="0"/>
+              <a:t>Click to edit Master title style</a:t>
+            </a:r>
+            <a:endParaRPr lang="en-US" dirty="0"/>
+          </a:p>
+        </p:txBody>
+      </p:sp>
+      <p:sp>
+        <p:nvSpPr>
+          <p:cNvPr id="3" name="Content Placeholder 2">
+            <a:extLst>
+              <a:ext uri="{FF2B5EF4-FFF2-40B4-BE49-F238E27FC236}">
+                <a16:creationId xmlns:a16="http://schemas.microsoft.com/office/drawing/2014/main" id="{2288BCD6-9805-9E45-9B7C-5314F41E6C9F}"/>
+              </a:ext>
+            </a:extLst>
+          </p:cNvPr>
+          <p:cNvSpPr>
+            <a:spLocks noGrp="1"/>
+          </p:cNvSpPr>
+          <p:nvPr>
+            <p:ph idx="1"/>
+          </p:nvPr>
+        </p:nvSpPr>
+        <p:spPr>
+          <a:xfrm>
+            <a:off x="5183188" y="987429"/>
+            <a:ext cx="6172200" cy="4873625"/>
           </a:xfrm>
         </p:spPr>
         <p:txBody>
-          <a:bodyPr anchor="b"/>
+          <a:bodyPr/>
           <a:lstStyle>
-            <a:lvl1pPr algn="l">
-              <a:defRPr sz="1500" b="1"/>
+            <a:lvl1pPr>
+              <a:defRPr sz="1800"/>
             </a:lvl1pPr>
+            <a:lvl2pPr>
+              <a:defRPr sz="1575"/>
+            </a:lvl2pPr>
+            <a:lvl3pPr>
+              <a:defRPr sz="1350"/>
+            </a:lvl3pPr>
+            <a:lvl4pPr>
+              <a:defRPr sz="1125"/>
+            </a:lvl4pPr>
+            <a:lvl5pPr>
+              <a:defRPr sz="1125"/>
+            </a:lvl5pPr>
+            <a:lvl6pPr>
+              <a:defRPr sz="1125"/>
+            </a:lvl6pPr>
+            <a:lvl7pPr>
+              <a:defRPr sz="1125"/>
+            </a:lvl7pPr>
+            <a:lvl8pPr>
+              <a:defRPr sz="1125"/>
+            </a:lvl8pPr>
+            <a:lvl9pPr>
+              <a:defRPr sz="1125"/>
+            </a:lvl9pPr>
           </a:lstStyle>
           <a:p>
-            <a:r>
-              <a:rPr lang="en-US"/>
-              <a:t>Click to edit Master title style</a:t>
-            </a:r>
-          </a:p>
-        </p:txBody>
-      </p:sp>
-      <p:sp>
-        <p:nvSpPr>
-          <p:cNvPr id="3" name="Content Placeholder 2"/>
-          <p:cNvSpPr>
-            <a:spLocks noGrp="1"/>
-          </p:cNvSpPr>
-          <p:nvPr>
-            <p:ph idx="1"/>
+            <a:pPr lvl="0"/>
+            <a:r>
+              <a:rPr lang="en-GB" dirty="0"/>
+              <a:t>Click to edit Master text styles</a:t>
+            </a:r>
+          </a:p>
+          <a:p>
+            <a:pPr lvl="1"/>
+            <a:r>
+              <a:rPr lang="en-GB" dirty="0"/>
+              <a:t>Second level</a:t>
+            </a:r>
+          </a:p>
+          <a:p>
+            <a:pPr lvl="2"/>
+            <a:r>
+              <a:rPr lang="en-GB" dirty="0"/>
+              <a:t>Third level</a:t>
+            </a:r>
+          </a:p>
+          <a:p>
+            <a:pPr lvl="3"/>
+            <a:r>
+              <a:rPr lang="en-GB" dirty="0"/>
+              <a:t>Fourth level</a:t>
+            </a:r>
+          </a:p>
+          <a:p>
+            <a:pPr lvl="4"/>
+            <a:r>
+              <a:rPr lang="en-GB" dirty="0"/>
+              <a:t>Fifth level</a:t>
+            </a:r>
+            <a:endParaRPr lang="en-US" dirty="0"/>
+          </a:p>
+        </p:txBody>
+      </p:sp>
+      <p:sp>
+        <p:nvSpPr>
+          <p:cNvPr id="4" name="Text Placeholder 3">
+            <a:extLst>
+              <a:ext uri="{FF2B5EF4-FFF2-40B4-BE49-F238E27FC236}">
+                <a16:creationId xmlns:a16="http://schemas.microsoft.com/office/drawing/2014/main" id="{898BA411-2A54-A94A-B3FC-826281DBEADF}"/>
+              </a:ext>
+            </a:extLst>
+          </p:cNvPr>
+          <p:cNvSpPr>
+            <a:spLocks noGrp="1"/>
+          </p:cNvSpPr>
+          <p:nvPr>
+            <p:ph type="body" sz="half" idx="2"/>
           </p:nvPr>
         </p:nvSpPr>
         <p:spPr>
           <a:xfrm>
-            <a:off x="3575050" y="204788"/>
-            <a:ext cx="5111750" cy="4389835"/>
+            <a:off x="839788" y="2057400"/>
+            <a:ext cx="3932237" cy="3811588"/>
           </a:xfrm>
         </p:spPr>
         <p:txBody>
-          <a:bodyPr/>
+          <a:bodyPr>
+            <a:normAutofit/>
+          </a:bodyPr>
           <a:lstStyle>
-            <a:lvl1pPr>
-              <a:defRPr sz="2400"/>
+            <a:lvl1pPr marL="0" indent="0">
+              <a:buNone/>
+              <a:defRPr sz="1800"/>
             </a:lvl1pPr>
-            <a:lvl2pPr>
-              <a:defRPr sz="2100"/>
+            <a:lvl2pPr marL="257175" indent="0">
+              <a:buNone/>
+              <a:defRPr sz="788"/>
             </a:lvl2pPr>
-            <a:lvl3pPr>
-              <a:defRPr sz="1800"/>
+            <a:lvl3pPr marL="514350" indent="0">
+              <a:buNone/>
+              <a:defRPr sz="675"/>
             </a:lvl3pPr>
-            <a:lvl4pPr>
-              <a:defRPr sz="1500"/>
+            <a:lvl4pPr marL="771525" indent="0">
+              <a:buNone/>
+              <a:defRPr sz="563"/>
             </a:lvl4pPr>
-            <a:lvl5pPr>
-              <a:defRPr sz="1500"/>
+            <a:lvl5pPr marL="1028700" indent="0">
+              <a:buNone/>
+              <a:defRPr sz="563"/>
             </a:lvl5pPr>
-            <a:lvl6pPr>
-              <a:defRPr sz="1500"/>
+            <a:lvl6pPr marL="1285875" indent="0">
+              <a:buNone/>
+              <a:defRPr sz="563"/>
             </a:lvl6pPr>
-            <a:lvl7pPr>
-              <a:defRPr sz="1500"/>
+            <a:lvl7pPr marL="1543050" indent="0">
+              <a:buNone/>
+              <a:defRPr sz="563"/>
             </a:lvl7pPr>
-            <a:lvl8pPr>
-              <a:defRPr sz="1500"/>
+            <a:lvl8pPr marL="1800225" indent="0">
+              <a:buNone/>
+              <a:defRPr sz="563"/>
             </a:lvl8pPr>
-            <a:lvl9pPr>
-              <a:defRPr sz="1500"/>
+            <a:lvl9pPr marL="2057400" indent="0">
+              <a:buNone/>
+              <a:defRPr sz="563"/>
             </a:lvl9pPr>
           </a:lstStyle>
           <a:p>
             <a:pPr lvl="0"/>
             <a:r>
-              <a:rPr lang="en-US"/>
+              <a:rPr lang="en-GB" dirty="0"/>
               <a:t>Click to edit Master text styles</a:t>
             </a:r>
           </a:p>
-          <a:p>
-            <a:pPr lvl="1"/>
-            <a:r>
-              <a:rPr lang="en-US"/>
-              <a:t>Second level</a:t>
-            </a:r>
-          </a:p>
-          <a:p>
-            <a:pPr lvl="2"/>
-            <a:r>
-              <a:rPr lang="en-US"/>
-              <a:t>Third level</a:t>
-            </a:r>
-          </a:p>
-          <a:p>
-            <a:pPr lvl="3"/>
-            <a:r>
-              <a:rPr lang="en-US"/>
-              <a:t>Fourth level</a:t>
-            </a:r>
-          </a:p>
-          <a:p>
-            <a:pPr lvl="4"/>
-            <a:r>
-              <a:rPr lang="en-US"/>
-              <a:t>Fifth level</a:t>
-            </a:r>
-          </a:p>
-        </p:txBody>
-      </p:sp>
-      <p:sp>
-        <p:nvSpPr>
-          <p:cNvPr id="4" name="Text Placeholder 3"/>
-          <p:cNvSpPr>
-            <a:spLocks noGrp="1"/>
-          </p:cNvSpPr>
-          <p:nvPr>
-            <p:ph type="body" sz="half" idx="2"/>
+        </p:txBody>
+      </p:sp>
+      <p:sp>
+        <p:nvSpPr>
+          <p:cNvPr id="5" name="Date Placeholder 4">
+            <a:extLst>
+              <a:ext uri="{FF2B5EF4-FFF2-40B4-BE49-F238E27FC236}">
+                <a16:creationId xmlns:a16="http://schemas.microsoft.com/office/drawing/2014/main" id="{B91F4F16-08DB-C247-8F9D-24EA7D84A9B2}"/>
+              </a:ext>
+            </a:extLst>
+          </p:cNvPr>
+          <p:cNvSpPr>
+            <a:spLocks noGrp="1"/>
+          </p:cNvSpPr>
+          <p:nvPr>
+            <p:ph type="dt" sz="half" idx="10"/>
+          </p:nvPr>
+        </p:nvSpPr>
+        <p:spPr/>
+        <p:txBody>
+          <a:bodyPr/>
+          <a:lstStyle/>
+          <a:p>
+            <a:fld id="{241EB5C9-1307-BA42-ABA2-0BC069CD8E7F}" type="datetimeFigureOut">
+              <a:rPr lang="en-US" smtClean="0"/>
+              <a:t>1/31/22</a:t>
+            </a:fld>
+            <a:endParaRPr lang="en-US"/>
+          </a:p>
+        </p:txBody>
+      </p:sp>
+      <p:sp>
+        <p:nvSpPr>
+          <p:cNvPr id="6" name="Footer Placeholder 5">
+            <a:extLst>
+              <a:ext uri="{FF2B5EF4-FFF2-40B4-BE49-F238E27FC236}">
+                <a16:creationId xmlns:a16="http://schemas.microsoft.com/office/drawing/2014/main" id="{E6FF2B46-16CB-7E41-AD5E-4493C9285A58}"/>
+              </a:ext>
+            </a:extLst>
+          </p:cNvPr>
+          <p:cNvSpPr>
+            <a:spLocks noGrp="1"/>
+          </p:cNvSpPr>
+          <p:nvPr>
+            <p:ph type="ftr" sz="quarter" idx="11"/>
           </p:nvPr>
         </p:nvSpPr>
         <p:spPr>
           <a:xfrm>
-            <a:off x="457201" y="1076326"/>
-            <a:ext cx="3008313" cy="3518297"/>
+            <a:off x="4038600" y="6356354"/>
+            <a:ext cx="4114800" cy="365125"/>
           </a:xfrm>
+          <a:prstGeom prst="rect">
+            <a:avLst/>
+          </a:prstGeom>
         </p:spPr>
         <p:txBody>
           <a:bodyPr/>
-          <a:lstStyle>
-            <a:lvl1pPr marL="0" indent="0">
-              <a:buNone/>
-              <a:defRPr sz="1050"/>
-            </a:lvl1pPr>
-            <a:lvl2pPr marL="342900" indent="0">
-              <a:buNone/>
-              <a:defRPr sz="900"/>
-            </a:lvl2pPr>
-            <a:lvl3pPr marL="685800" indent="0">
-              <a:buNone/>
-              <a:defRPr sz="750"/>
-            </a:lvl3pPr>
-            <a:lvl4pPr marL="1028700" indent="0">
-              <a:buNone/>
-              <a:defRPr sz="675"/>
-            </a:lvl4pPr>
-            <a:lvl5pPr marL="1371600" indent="0">
-              <a:buNone/>
-              <a:defRPr sz="675"/>
-            </a:lvl5pPr>
-            <a:lvl6pPr marL="1714500" indent="0">
-              <a:buNone/>
-              <a:defRPr sz="675"/>
-            </a:lvl6pPr>
-            <a:lvl7pPr marL="2057400" indent="0">
-              <a:buNone/>
-              <a:defRPr sz="675"/>
-            </a:lvl7pPr>
-            <a:lvl8pPr marL="2400300" indent="0">
-              <a:buNone/>
-              <a:defRPr sz="675"/>
-            </a:lvl8pPr>
-            <a:lvl9pPr marL="2743200" indent="0">
-              <a:buNone/>
-              <a:defRPr sz="675"/>
-            </a:lvl9pPr>
-          </a:lstStyle>
-          <a:p>
-            <a:pPr lvl="0"/>
-            <a:r>
-              <a:rPr lang="en-US"/>
-              <a:t>Click to edit Master text styles</a:t>
-            </a:r>
-          </a:p>
-        </p:txBody>
-      </p:sp>
-      <p:sp>
-        <p:nvSpPr>
-          <p:cNvPr id="5" name="Date Placeholder 4"/>
-          <p:cNvSpPr>
-            <a:spLocks noGrp="1"/>
-          </p:cNvSpPr>
-          <p:nvPr>
-            <p:ph type="dt" sz="half" idx="10"/>
-          </p:nvPr>
-        </p:nvSpPr>
-        <p:spPr/>
-        <p:txBody>
-          <a:bodyPr/>
           <a:lstStyle/>
           <a:p>
-            <a:fld id="{241EB5C9-1307-BA42-ABA2-0BC069CD8E7F}" type="datetimeFigureOut">
-              <a:rPr lang="en-US" smtClean="0"/>
-              <a:t>1/2/22</a:t>
-            </a:fld>
             <a:endParaRPr lang="en-US"/>
           </a:p>
         </p:txBody>
       </p:sp>
       <p:sp>
         <p:nvSpPr>
-          <p:cNvPr id="6" name="Footer Placeholder 5"/>
-          <p:cNvSpPr>
-            <a:spLocks noGrp="1"/>
-          </p:cNvSpPr>
-          <p:nvPr>
-            <p:ph type="ftr" sz="quarter" idx="11"/>
-          </p:nvPr>
-        </p:nvSpPr>
-        <p:spPr/>
-        <p:txBody>
-          <a:bodyPr/>
-          <a:lstStyle/>
-          <a:p>
-            <a:endParaRPr lang="en-US"/>
-          </a:p>
-        </p:txBody>
-      </p:sp>
-      <p:sp>
-        <p:nvSpPr>
-          <p:cNvPr id="7" name="Slide Number Placeholder 6"/>
+          <p:cNvPr id="7" name="Slide Number Placeholder 6">
+            <a:extLst>
+              <a:ext uri="{FF2B5EF4-FFF2-40B4-BE49-F238E27FC236}">
+                <a16:creationId xmlns:a16="http://schemas.microsoft.com/office/drawing/2014/main" id="{48BA2BC5-3886-C647-BB53-7B07EAE78D4B}"/>
+              </a:ext>
+            </a:extLst>
+          </p:cNvPr>
           <p:cNvSpPr>
             <a:spLocks noGrp="1"/>
           </p:cNvSpPr>
@@ -2304,7 +2966,7 @@
     </p:spTree>
     <p:extLst>
       <p:ext uri="{BB962C8B-B14F-4D97-AF65-F5344CB8AC3E}">
-        <p14:creationId xmlns:p14="http://schemas.microsoft.com/office/powerpoint/2010/main" val="3540895647"/>
+        <p14:creationId xmlns:p14="http://schemas.microsoft.com/office/powerpoint/2010/main" val="1370537101"/>
       </p:ext>
     </p:extLst>
   </p:cSld>
@@ -2333,7 +2995,13 @@
       </p:grpSpPr>
       <p:sp>
         <p:nvSpPr>
-          <p:cNvPr id="2" name="Title 1"/>
+          <p:cNvPr id="2" name="Title 1">
+            <a:extLst>
+              <a:ext uri="{FF2B5EF4-FFF2-40B4-BE49-F238E27FC236}">
+                <a16:creationId xmlns:a16="http://schemas.microsoft.com/office/drawing/2014/main" id="{E45682B8-C849-1F4E-8FED-86CF39DF59A8}"/>
+              </a:ext>
+            </a:extLst>
+          </p:cNvPr>
           <p:cNvSpPr>
             <a:spLocks noGrp="1"/>
           </p:cNvSpPr>
@@ -2343,196 +3011,250 @@
         </p:nvSpPr>
         <p:spPr>
           <a:xfrm>
-            <a:off x="1792288" y="3600450"/>
-            <a:ext cx="5486400" cy="425054"/>
+            <a:off x="839788" y="457200"/>
+            <a:ext cx="3932237" cy="1600200"/>
+          </a:xfrm>
+          <a:prstGeom prst="rect">
+            <a:avLst/>
+          </a:prstGeom>
+        </p:spPr>
+        <p:txBody>
+          <a:bodyPr anchor="ctr">
+            <a:normAutofit/>
+          </a:bodyPr>
+          <a:lstStyle>
+            <a:lvl1pPr>
+              <a:defRPr sz="2800">
+                <a:solidFill>
+                  <a:srgbClr val="DC322F"/>
+                </a:solidFill>
+              </a:defRPr>
+            </a:lvl1pPr>
+          </a:lstStyle>
+          <a:p>
+            <a:r>
+              <a:rPr lang="en-GB" dirty="0"/>
+              <a:t>Click to edit Master title style</a:t>
+            </a:r>
+            <a:endParaRPr lang="en-US" dirty="0"/>
+          </a:p>
+        </p:txBody>
+      </p:sp>
+      <p:sp>
+        <p:nvSpPr>
+          <p:cNvPr id="3" name="Picture Placeholder 2">
+            <a:extLst>
+              <a:ext uri="{FF2B5EF4-FFF2-40B4-BE49-F238E27FC236}">
+                <a16:creationId xmlns:a16="http://schemas.microsoft.com/office/drawing/2014/main" id="{26A410FE-1E10-8C4A-BD9D-9A0F6C9D1E52}"/>
+              </a:ext>
+            </a:extLst>
+          </p:cNvPr>
+          <p:cNvSpPr>
+            <a:spLocks noGrp="1"/>
+          </p:cNvSpPr>
+          <p:nvPr>
+            <p:ph type="pic" idx="1"/>
+          </p:nvPr>
+        </p:nvSpPr>
+        <p:spPr>
+          <a:xfrm>
+            <a:off x="5183188" y="987429"/>
+            <a:ext cx="6172200" cy="4873625"/>
           </a:xfrm>
         </p:spPr>
         <p:txBody>
-          <a:bodyPr anchor="b"/>
+          <a:bodyPr/>
           <a:lstStyle>
-            <a:lvl1pPr algn="l">
-              <a:defRPr sz="1500" b="1"/>
+            <a:lvl1pPr marL="0" indent="0">
+              <a:buNone/>
+              <a:defRPr sz="1800"/>
             </a:lvl1pPr>
+            <a:lvl2pPr marL="257175" indent="0">
+              <a:buNone/>
+              <a:defRPr sz="1575"/>
+            </a:lvl2pPr>
+            <a:lvl3pPr marL="514350" indent="0">
+              <a:buNone/>
+              <a:defRPr sz="1350"/>
+            </a:lvl3pPr>
+            <a:lvl4pPr marL="771525" indent="0">
+              <a:buNone/>
+              <a:defRPr sz="1125"/>
+            </a:lvl4pPr>
+            <a:lvl5pPr marL="1028700" indent="0">
+              <a:buNone/>
+              <a:defRPr sz="1125"/>
+            </a:lvl5pPr>
+            <a:lvl6pPr marL="1285875" indent="0">
+              <a:buNone/>
+              <a:defRPr sz="1125"/>
+            </a:lvl6pPr>
+            <a:lvl7pPr marL="1543050" indent="0">
+              <a:buNone/>
+              <a:defRPr sz="1125"/>
+            </a:lvl7pPr>
+            <a:lvl8pPr marL="1800225" indent="0">
+              <a:buNone/>
+              <a:defRPr sz="1125"/>
+            </a:lvl8pPr>
+            <a:lvl9pPr marL="2057400" indent="0">
+              <a:buNone/>
+              <a:defRPr sz="1125"/>
+            </a:lvl9pPr>
           </a:lstStyle>
           <a:p>
             <a:r>
-              <a:rPr lang="en-US"/>
-              <a:t>Click to edit Master title style</a:t>
-            </a:r>
-          </a:p>
-        </p:txBody>
-      </p:sp>
-      <p:sp>
-        <p:nvSpPr>
-          <p:cNvPr id="3" name="Picture Placeholder 2"/>
-          <p:cNvSpPr>
-            <a:spLocks noGrp="1"/>
-          </p:cNvSpPr>
-          <p:nvPr>
-            <p:ph type="pic" idx="1"/>
+              <a:rPr lang="en-GB" dirty="0"/>
+              <a:t>Click icon to add picture</a:t>
+            </a:r>
+            <a:endParaRPr lang="en-US" dirty="0"/>
+          </a:p>
+        </p:txBody>
+      </p:sp>
+      <p:sp>
+        <p:nvSpPr>
+          <p:cNvPr id="4" name="Text Placeholder 3">
+            <a:extLst>
+              <a:ext uri="{FF2B5EF4-FFF2-40B4-BE49-F238E27FC236}">
+                <a16:creationId xmlns:a16="http://schemas.microsoft.com/office/drawing/2014/main" id="{CA622F09-1B36-2F4E-8EEA-BAEEB3FD2B96}"/>
+              </a:ext>
+            </a:extLst>
+          </p:cNvPr>
+          <p:cNvSpPr>
+            <a:spLocks noGrp="1"/>
+          </p:cNvSpPr>
+          <p:nvPr>
+            <p:ph type="body" sz="half" idx="2"/>
           </p:nvPr>
         </p:nvSpPr>
         <p:spPr>
           <a:xfrm>
-            <a:off x="1792288" y="459581"/>
-            <a:ext cx="5486400" cy="3086100"/>
+            <a:off x="839788" y="2057400"/>
+            <a:ext cx="3932237" cy="3811588"/>
           </a:xfrm>
         </p:spPr>
         <p:txBody>
-          <a:bodyPr/>
+          <a:bodyPr>
+            <a:normAutofit/>
+          </a:bodyPr>
           <a:lstStyle>
             <a:lvl1pPr marL="0" indent="0">
               <a:buNone/>
-              <a:defRPr sz="2400"/>
+              <a:defRPr sz="1800"/>
             </a:lvl1pPr>
-            <a:lvl2pPr marL="342900" indent="0">
-              <a:buNone/>
-              <a:defRPr sz="2100"/>
+            <a:lvl2pPr marL="257175" indent="0">
+              <a:buNone/>
+              <a:defRPr sz="788"/>
             </a:lvl2pPr>
-            <a:lvl3pPr marL="685800" indent="0">
-              <a:buNone/>
-              <a:defRPr sz="1800"/>
+            <a:lvl3pPr marL="514350" indent="0">
+              <a:buNone/>
+              <a:defRPr sz="675"/>
             </a:lvl3pPr>
-            <a:lvl4pPr marL="1028700" indent="0">
-              <a:buNone/>
-              <a:defRPr sz="1500"/>
+            <a:lvl4pPr marL="771525" indent="0">
+              <a:buNone/>
+              <a:defRPr sz="563"/>
             </a:lvl4pPr>
-            <a:lvl5pPr marL="1371600" indent="0">
-              <a:buNone/>
-              <a:defRPr sz="1500"/>
+            <a:lvl5pPr marL="1028700" indent="0">
+              <a:buNone/>
+              <a:defRPr sz="563"/>
             </a:lvl5pPr>
-            <a:lvl6pPr marL="1714500" indent="0">
-              <a:buNone/>
-              <a:defRPr sz="1500"/>
+            <a:lvl6pPr marL="1285875" indent="0">
+              <a:buNone/>
+              <a:defRPr sz="563"/>
             </a:lvl6pPr>
-            <a:lvl7pPr marL="2057400" indent="0">
-              <a:buNone/>
-              <a:defRPr sz="1500"/>
+            <a:lvl7pPr marL="1543050" indent="0">
+              <a:buNone/>
+              <a:defRPr sz="563"/>
             </a:lvl7pPr>
-            <a:lvl8pPr marL="2400300" indent="0">
-              <a:buNone/>
-              <a:defRPr sz="1500"/>
+            <a:lvl8pPr marL="1800225" indent="0">
+              <a:buNone/>
+              <a:defRPr sz="563"/>
             </a:lvl8pPr>
-            <a:lvl9pPr marL="2743200" indent="0">
-              <a:buNone/>
-              <a:defRPr sz="1500"/>
+            <a:lvl9pPr marL="2057400" indent="0">
+              <a:buNone/>
+              <a:defRPr sz="563"/>
             </a:lvl9pPr>
           </a:lstStyle>
           <a:p>
+            <a:pPr lvl="0"/>
+            <a:r>
+              <a:rPr lang="en-GB" dirty="0"/>
+              <a:t>Click to edit Master text styles</a:t>
+            </a:r>
+          </a:p>
+        </p:txBody>
+      </p:sp>
+      <p:sp>
+        <p:nvSpPr>
+          <p:cNvPr id="5" name="Date Placeholder 4">
+            <a:extLst>
+              <a:ext uri="{FF2B5EF4-FFF2-40B4-BE49-F238E27FC236}">
+                <a16:creationId xmlns:a16="http://schemas.microsoft.com/office/drawing/2014/main" id="{96A97009-98F8-D441-A078-A31F891B49A4}"/>
+              </a:ext>
+            </a:extLst>
+          </p:cNvPr>
+          <p:cNvSpPr>
+            <a:spLocks noGrp="1"/>
+          </p:cNvSpPr>
+          <p:nvPr>
+            <p:ph type="dt" sz="half" idx="10"/>
+          </p:nvPr>
+        </p:nvSpPr>
+        <p:spPr/>
+        <p:txBody>
+          <a:bodyPr/>
+          <a:lstStyle/>
+          <a:p>
+            <a:fld id="{241EB5C9-1307-BA42-ABA2-0BC069CD8E7F}" type="datetimeFigureOut">
+              <a:rPr lang="en-US" smtClean="0"/>
+              <a:t>1/31/22</a:t>
+            </a:fld>
             <a:endParaRPr lang="en-US"/>
           </a:p>
         </p:txBody>
       </p:sp>
       <p:sp>
         <p:nvSpPr>
-          <p:cNvPr id="4" name="Text Placeholder 3"/>
-          <p:cNvSpPr>
-            <a:spLocks noGrp="1"/>
-          </p:cNvSpPr>
-          <p:nvPr>
-            <p:ph type="body" sz="half" idx="2"/>
+          <p:cNvPr id="6" name="Footer Placeholder 5">
+            <a:extLst>
+              <a:ext uri="{FF2B5EF4-FFF2-40B4-BE49-F238E27FC236}">
+                <a16:creationId xmlns:a16="http://schemas.microsoft.com/office/drawing/2014/main" id="{38CACA9B-B433-8E45-A2A3-CD0940DBC86C}"/>
+              </a:ext>
+            </a:extLst>
+          </p:cNvPr>
+          <p:cNvSpPr>
+            <a:spLocks noGrp="1"/>
+          </p:cNvSpPr>
+          <p:nvPr>
+            <p:ph type="ftr" sz="quarter" idx="11"/>
           </p:nvPr>
         </p:nvSpPr>
         <p:spPr>
           <a:xfrm>
-            <a:off x="1792288" y="4025503"/>
-            <a:ext cx="5486400" cy="603647"/>
+            <a:off x="4038600" y="6356354"/>
+            <a:ext cx="4114800" cy="365125"/>
           </a:xfrm>
+          <a:prstGeom prst="rect">
+            <a:avLst/>
+          </a:prstGeom>
         </p:spPr>
         <p:txBody>
           <a:bodyPr/>
-          <a:lstStyle>
-            <a:lvl1pPr marL="0" indent="0">
-              <a:buNone/>
-              <a:defRPr sz="1050"/>
-            </a:lvl1pPr>
-            <a:lvl2pPr marL="342900" indent="0">
-              <a:buNone/>
-              <a:defRPr sz="900"/>
-            </a:lvl2pPr>
-            <a:lvl3pPr marL="685800" indent="0">
-              <a:buNone/>
-              <a:defRPr sz="750"/>
-            </a:lvl3pPr>
-            <a:lvl4pPr marL="1028700" indent="0">
-              <a:buNone/>
-              <a:defRPr sz="675"/>
-            </a:lvl4pPr>
-            <a:lvl5pPr marL="1371600" indent="0">
-              <a:buNone/>
-              <a:defRPr sz="675"/>
-            </a:lvl5pPr>
-            <a:lvl6pPr marL="1714500" indent="0">
-              <a:buNone/>
-              <a:defRPr sz="675"/>
-            </a:lvl6pPr>
-            <a:lvl7pPr marL="2057400" indent="0">
-              <a:buNone/>
-              <a:defRPr sz="675"/>
-            </a:lvl7pPr>
-            <a:lvl8pPr marL="2400300" indent="0">
-              <a:buNone/>
-              <a:defRPr sz="675"/>
-            </a:lvl8pPr>
-            <a:lvl9pPr marL="2743200" indent="0">
-              <a:buNone/>
-              <a:defRPr sz="675"/>
-            </a:lvl9pPr>
-          </a:lstStyle>
-          <a:p>
-            <a:pPr lvl="0"/>
-            <a:r>
-              <a:rPr lang="en-US"/>
-              <a:t>Click to edit Master text styles</a:t>
-            </a:r>
-          </a:p>
-        </p:txBody>
-      </p:sp>
-      <p:sp>
-        <p:nvSpPr>
-          <p:cNvPr id="5" name="Date Placeholder 4"/>
-          <p:cNvSpPr>
-            <a:spLocks noGrp="1"/>
-          </p:cNvSpPr>
-          <p:nvPr>
-            <p:ph type="dt" sz="half" idx="10"/>
-          </p:nvPr>
-        </p:nvSpPr>
-        <p:spPr/>
-        <p:txBody>
-          <a:bodyPr/>
           <a:lstStyle/>
           <a:p>
-            <a:fld id="{241EB5C9-1307-BA42-ABA2-0BC069CD8E7F}" type="datetimeFigureOut">
-              <a:rPr lang="en-US" smtClean="0"/>
-              <a:t>1/2/22</a:t>
-            </a:fld>
             <a:endParaRPr lang="en-US"/>
           </a:p>
         </p:txBody>
       </p:sp>
       <p:sp>
         <p:nvSpPr>
-          <p:cNvPr id="6" name="Footer Placeholder 5"/>
-          <p:cNvSpPr>
-            <a:spLocks noGrp="1"/>
-          </p:cNvSpPr>
-          <p:nvPr>
-            <p:ph type="ftr" sz="quarter" idx="11"/>
-          </p:nvPr>
-        </p:nvSpPr>
-        <p:spPr/>
-        <p:txBody>
-          <a:bodyPr/>
-          <a:lstStyle/>
-          <a:p>
-            <a:endParaRPr lang="en-US"/>
-          </a:p>
-        </p:txBody>
-      </p:sp>
-      <p:sp>
-        <p:nvSpPr>
-          <p:cNvPr id="7" name="Slide Number Placeholder 6"/>
+          <p:cNvPr id="7" name="Slide Number Placeholder 6">
+            <a:extLst>
+              <a:ext uri="{FF2B5EF4-FFF2-40B4-BE49-F238E27FC236}">
+                <a16:creationId xmlns:a16="http://schemas.microsoft.com/office/drawing/2014/main" id="{A3FA396B-3342-4645-AC86-58732AAEFE03}"/>
+              </a:ext>
+            </a:extLst>
+          </p:cNvPr>
           <p:cNvSpPr>
             <a:spLocks noGrp="1"/>
           </p:cNvSpPr>
@@ -2556,7 +3278,7 @@
     </p:spTree>
     <p:extLst>
       <p:ext uri="{BB962C8B-B14F-4D97-AF65-F5344CB8AC3E}">
-        <p14:creationId xmlns:p14="http://schemas.microsoft.com/office/powerpoint/2010/main" val="3566899855"/>
+        <p14:creationId xmlns:p14="http://schemas.microsoft.com/office/powerpoint/2010/main" val="2187760234"/>
       </p:ext>
     </p:extLst>
   </p:cSld>
@@ -2570,9 +3292,12 @@
 <p:sldMaster xmlns:a="http://schemas.openxmlformats.org/drawingml/2006/main" xmlns:p="http://schemas.openxmlformats.org/presentationml/2006/main" xmlns:r="http://schemas.openxmlformats.org/officeDocument/2006/relationships">
   <p:cSld>
     <p:bg>
-      <p:bgRef idx="1001">
-        <a:schemeClr val="bg1"/>
-      </p:bgRef>
+      <p:bgPr>
+        <a:solidFill>
+          <a:srgbClr val="FFF8E7"/>
+        </a:solidFill>
+        <a:effectLst/>
+      </p:bgPr>
     </p:bg>
     <p:spTree>
       <p:nvGrpSpPr>
@@ -2590,121 +3315,102 @@
       </p:grpSpPr>
       <p:sp>
         <p:nvSpPr>
-          <p:cNvPr id="2" name="Title Placeholder 1"/>
-          <p:cNvSpPr>
-            <a:spLocks noGrp="1"/>
-          </p:cNvSpPr>
-          <p:nvPr>
-            <p:ph type="title"/>
+          <p:cNvPr id="3" name="Text Placeholder 2">
+            <a:extLst>
+              <a:ext uri="{FF2B5EF4-FFF2-40B4-BE49-F238E27FC236}">
+                <a16:creationId xmlns:a16="http://schemas.microsoft.com/office/drawing/2014/main" id="{527BF5EA-1FF6-EB48-B367-10F16FE226B4}"/>
+              </a:ext>
+            </a:extLst>
+          </p:cNvPr>
+          <p:cNvSpPr>
+            <a:spLocks noGrp="1"/>
+          </p:cNvSpPr>
+          <p:nvPr>
+            <p:ph idx="1" type="body"/>
           </p:nvPr>
         </p:nvSpPr>
         <p:spPr>
           <a:xfrm>
-            <a:off x="457200" y="205979"/>
-            <a:ext cx="8229600" cy="857250"/>
+            <a:off x="838200" y="1825625"/>
+            <a:ext cx="10515600" cy="4351338"/>
           </a:xfrm>
           <a:prstGeom prst="rect">
             <a:avLst/>
           </a:prstGeom>
         </p:spPr>
         <p:txBody>
-          <a:bodyPr anchor="ctr" bIns="45720" lIns="91440" rIns="91440" rtlCol="0" tIns="45720" vert="horz">
+          <a:bodyPr bIns="45720" lIns="91440" rIns="91440" rtlCol="0" tIns="45720" vert="horz">
             <a:normAutofit/>
           </a:bodyPr>
           <a:lstStyle/>
           <a:p>
-            <a:r>
-              <a:rPr lang="en-US"/>
-              <a:t>Click to edit Master title style</a:t>
-            </a:r>
-          </a:p>
-        </p:txBody>
-      </p:sp>
-      <p:sp>
-        <p:nvSpPr>
-          <p:cNvPr id="3" name="Text Placeholder 2"/>
-          <p:cNvSpPr>
-            <a:spLocks noGrp="1"/>
-          </p:cNvSpPr>
-          <p:nvPr>
-            <p:ph idx="1" type="body"/>
+            <a:pPr lvl="0"/>
+            <a:r>
+              <a:rPr dirty="0" lang="en-GB"/>
+              <a:t>Click to edit Master text styles</a:t>
+            </a:r>
+          </a:p>
+          <a:p>
+            <a:pPr lvl="1"/>
+            <a:r>
+              <a:rPr dirty="0" lang="en-GB"/>
+              <a:t>Second level</a:t>
+            </a:r>
+          </a:p>
+          <a:p>
+            <a:pPr lvl="2"/>
+            <a:r>
+              <a:rPr dirty="0" lang="en-GB"/>
+              <a:t>Third level</a:t>
+            </a:r>
+          </a:p>
+          <a:p>
+            <a:pPr lvl="3"/>
+            <a:r>
+              <a:rPr dirty="0" lang="en-GB"/>
+              <a:t>Fourth level</a:t>
+            </a:r>
+          </a:p>
+          <a:p>
+            <a:pPr lvl="4"/>
+            <a:r>
+              <a:rPr dirty="0" lang="en-GB"/>
+              <a:t>Fifth level</a:t>
+            </a:r>
+            <a:endParaRPr dirty="0" lang="en-US"/>
+          </a:p>
+        </p:txBody>
+      </p:sp>
+      <p:sp>
+        <p:nvSpPr>
+          <p:cNvPr id="4" name="Date Placeholder 3">
+            <a:extLst>
+              <a:ext uri="{FF2B5EF4-FFF2-40B4-BE49-F238E27FC236}">
+                <a16:creationId xmlns:a16="http://schemas.microsoft.com/office/drawing/2014/main" id="{DDF491ED-FFB7-904F-8814-ED29EAA4264A}"/>
+              </a:ext>
+            </a:extLst>
+          </p:cNvPr>
+          <p:cNvSpPr>
+            <a:spLocks noGrp="1"/>
+          </p:cNvSpPr>
+          <p:nvPr>
+            <p:ph idx="2" sz="half" type="dt"/>
           </p:nvPr>
         </p:nvSpPr>
         <p:spPr>
           <a:xfrm>
-            <a:off x="457200" y="1200151"/>
-            <a:ext cx="8229600" cy="3394472"/>
+            <a:off x="838200" y="6356354"/>
+            <a:ext cx="2743200" cy="365125"/>
           </a:xfrm>
           <a:prstGeom prst="rect">
             <a:avLst/>
           </a:prstGeom>
         </p:spPr>
         <p:txBody>
-          <a:bodyPr bIns="45720" lIns="91440" rIns="91440" rtlCol="0" tIns="45720" vert="horz">
-            <a:normAutofit/>
-          </a:bodyPr>
-          <a:lstStyle/>
-          <a:p>
-            <a:pPr lvl="0"/>
-            <a:r>
-              <a:rPr lang="en-US"/>
-              <a:t>Click to edit Master text styles</a:t>
-            </a:r>
-          </a:p>
-          <a:p>
-            <a:pPr lvl="1"/>
-            <a:r>
-              <a:rPr lang="en-US"/>
-              <a:t>Second level</a:t>
-            </a:r>
-          </a:p>
-          <a:p>
-            <a:pPr lvl="2"/>
-            <a:r>
-              <a:rPr lang="en-US"/>
-              <a:t>Third level</a:t>
-            </a:r>
-          </a:p>
-          <a:p>
-            <a:pPr lvl="3"/>
-            <a:r>
-              <a:rPr lang="en-US"/>
-              <a:t>Fourth level</a:t>
-            </a:r>
-          </a:p>
-          <a:p>
-            <a:pPr lvl="4"/>
-            <a:r>
-              <a:rPr lang="en-US"/>
-              <a:t>Fifth level</a:t>
-            </a:r>
-          </a:p>
-        </p:txBody>
-      </p:sp>
-      <p:sp>
-        <p:nvSpPr>
-          <p:cNvPr id="4" name="Date Placeholder 3"/>
-          <p:cNvSpPr>
-            <a:spLocks noGrp="1"/>
-          </p:cNvSpPr>
-          <p:nvPr>
-            <p:ph idx="2" sz="half" type="dt"/>
-          </p:nvPr>
-        </p:nvSpPr>
-        <p:spPr>
-          <a:xfrm>
-            <a:off x="457200" y="4767263"/>
-            <a:ext cx="2133600" cy="273844"/>
-          </a:xfrm>
-          <a:prstGeom prst="rect">
-            <a:avLst/>
-          </a:prstGeom>
-        </p:spPr>
-        <p:txBody>
           <a:bodyPr anchor="ctr" bIns="45720" lIns="91440" rIns="91440" rtlCol="0" tIns="45720" vert="horz"/>
           <a:lstStyle>
             <a:lvl1pPr algn="l">
-              <a:defRPr sz="900">
+              <a:defRPr sz="675">
                 <a:solidFill>
                   <a:schemeClr val="tx1">
                     <a:tint val="75000"/>
@@ -2716,7 +3422,7 @@
           <a:p>
             <a:fld id="{241EB5C9-1307-BA42-ABA2-0BC069CD8E7F}" type="datetimeFigureOut">
               <a:rPr lang="en-US" smtClean="0"/>
-              <a:t>1/2/22</a:t>
+              <a:t>1/31/22</a:t>
             </a:fld>
             <a:endParaRPr lang="en-US"/>
           </a:p>
@@ -2724,18 +3430,24 @@
       </p:sp>
       <p:sp>
         <p:nvSpPr>
-          <p:cNvPr id="5" name="Footer Placeholder 4"/>
-          <p:cNvSpPr>
-            <a:spLocks noGrp="1"/>
-          </p:cNvSpPr>
-          <p:nvPr>
-            <p:ph idx="3" sz="quarter" type="ftr"/>
+          <p:cNvPr id="6" name="Slide Number Placeholder 5">
+            <a:extLst>
+              <a:ext uri="{FF2B5EF4-FFF2-40B4-BE49-F238E27FC236}">
+                <a16:creationId xmlns:a16="http://schemas.microsoft.com/office/drawing/2014/main" id="{2DC6F4AD-BD6B-CE47-88CB-D7910584936B}"/>
+              </a:ext>
+            </a:extLst>
+          </p:cNvPr>
+          <p:cNvSpPr>
+            <a:spLocks noGrp="1"/>
+          </p:cNvSpPr>
+          <p:nvPr>
+            <p:ph idx="4" sz="quarter" type="sldNum"/>
           </p:nvPr>
         </p:nvSpPr>
         <p:spPr>
           <a:xfrm>
-            <a:off x="3124200" y="4767263"/>
-            <a:ext cx="2895600" cy="273844"/>
+            <a:off x="8610600" y="6356354"/>
+            <a:ext cx="2743200" cy="365125"/>
           </a:xfrm>
           <a:prstGeom prst="rect">
             <a:avLst/>
@@ -2744,8 +3456,8 @@
         <p:txBody>
           <a:bodyPr anchor="ctr" bIns="45720" lIns="91440" rIns="91440" rtlCol="0" tIns="45720" vert="horz"/>
           <a:lstStyle>
-            <a:lvl1pPr algn="ctr">
-              <a:defRPr sz="900">
+            <a:lvl1pPr algn="r">
+              <a:defRPr sz="675">
                 <a:solidFill>
                   <a:schemeClr val="tx1">
                     <a:tint val="75000"/>
@@ -2755,24 +3467,34 @@
             </a:lvl1pPr>
           </a:lstStyle>
           <a:p>
+            <a:fld id="{C5EF2332-01BF-834F-8236-50238282D533}" type="slidenum">
+              <a:rPr lang="en-US" smtClean="0"/>
+              <a:t>‹#›</a:t>
+            </a:fld>
             <a:endParaRPr lang="en-US"/>
           </a:p>
         </p:txBody>
       </p:sp>
       <p:sp>
         <p:nvSpPr>
-          <p:cNvPr id="6" name="Slide Number Placeholder 5"/>
-          <p:cNvSpPr>
-            <a:spLocks noGrp="1"/>
-          </p:cNvSpPr>
-          <p:nvPr>
-            <p:ph idx="4" sz="quarter" type="sldNum"/>
+          <p:cNvPr id="7" name="Footer Placeholder 6">
+            <a:extLst>
+              <a:ext uri="{FF2B5EF4-FFF2-40B4-BE49-F238E27FC236}">
+                <a16:creationId xmlns:a16="http://schemas.microsoft.com/office/drawing/2014/main" id="{FE305052-7E31-8548-802E-BBA9CB132D12}"/>
+              </a:ext>
+            </a:extLst>
+          </p:cNvPr>
+          <p:cNvSpPr>
+            <a:spLocks noGrp="1"/>
+          </p:cNvSpPr>
+          <p:nvPr>
+            <p:ph idx="3" sz="quarter" type="ftr"/>
           </p:nvPr>
         </p:nvSpPr>
         <p:spPr>
           <a:xfrm>
-            <a:off x="6553200" y="4767263"/>
-            <a:ext cx="2133600" cy="273844"/>
+            <a:off x="4038600" y="6356351"/>
+            <a:ext cx="4114800" cy="365125"/>
           </a:xfrm>
           <a:prstGeom prst="rect">
             <a:avLst/>
@@ -2781,8 +3503,8 @@
         <p:txBody>
           <a:bodyPr anchor="ctr" bIns="45720" lIns="91440" rIns="91440" rtlCol="0" tIns="45720" vert="horz"/>
           <a:lstStyle>
-            <a:lvl1pPr algn="r">
-              <a:defRPr sz="900">
+            <a:lvl1pPr algn="ctr">
+              <a:defRPr sz="1200">
                 <a:solidFill>
                   <a:schemeClr val="tx1">
                     <a:tint val="75000"/>
@@ -2792,135 +3514,192 @@
             </a:lvl1pPr>
           </a:lstStyle>
           <a:p>
-            <a:fld id="{C5EF2332-01BF-834F-8236-50238282D533}" type="slidenum">
-              <a:rPr lang="en-US" smtClean="0"/>
-              <a:t>‹#›</a:t>
-            </a:fld>
             <a:endParaRPr lang="en-US"/>
+          </a:p>
+        </p:txBody>
+      </p:sp>
+      <p:sp>
+        <p:nvSpPr>
+          <p:cNvPr id="8" name="Title Placeholder 7">
+            <a:extLst>
+              <a:ext uri="{FF2B5EF4-FFF2-40B4-BE49-F238E27FC236}">
+                <a16:creationId xmlns:a16="http://schemas.microsoft.com/office/drawing/2014/main" id="{A9FF2A29-0C17-AD44-9B62-E2C61042DF29}"/>
+              </a:ext>
+            </a:extLst>
+          </p:cNvPr>
+          <p:cNvSpPr>
+            <a:spLocks noGrp="1"/>
+          </p:cNvSpPr>
+          <p:nvPr>
+            <p:ph type="title"/>
+          </p:nvPr>
+        </p:nvSpPr>
+        <p:spPr>
+          <a:xfrm>
+            <a:off x="838200" y="365126"/>
+            <a:ext cx="10515600" cy="1325563"/>
+          </a:xfrm>
+          <a:prstGeom prst="rect">
+            <a:avLst/>
+          </a:prstGeom>
+        </p:spPr>
+        <p:txBody>
+          <a:bodyPr anchor="ctr" bIns="45720" lIns="91440" rIns="91440" rtlCol="0" tIns="45720" vert="horz">
+            <a:normAutofit/>
+          </a:bodyPr>
+          <a:lstStyle/>
+          <a:p>
+            <a:r>
+              <a:rPr dirty="0" lang="en-GB"/>
+              <a:t>Click to edit Master title style</a:t>
+            </a:r>
+            <a:endParaRPr dirty="0" lang="en-US"/>
           </a:p>
         </p:txBody>
       </p:sp>
     </p:spTree>
     <p:extLst>
       <p:ext uri="{BB962C8B-B14F-4D97-AF65-F5344CB8AC3E}">
-        <p14:creationId xmlns:p14="http://schemas.microsoft.com/office/powerpoint/2010/main" val="3676200875"/>
+        <p14:creationId xmlns:p14="http://schemas.microsoft.com/office/powerpoint/2010/main" val="3225650749"/>
       </p:ext>
     </p:extLst>
   </p:cSld>
   <p:clrMap accent1="accent1" accent2="accent2" accent3="accent3" accent4="accent4" accent5="accent5" accent6="accent6" bg1="lt1" bg2="lt2" folHlink="folHlink" hlink="hlink" tx1="dk1" tx2="dk2"/>
   <p:sldLayoutIdLst>
-    <p:sldLayoutId id="2147483649" r:id="rId1"/>
-    <p:sldLayoutId id="2147483650" r:id="rId2"/>
-    <p:sldLayoutId id="2147483651" r:id="rId3"/>
-    <p:sldLayoutId id="2147483652" r:id="rId4"/>
-    <p:sldLayoutId id="2147483653" r:id="rId5"/>
-    <p:sldLayoutId id="2147483654" r:id="rId6"/>
-    <p:sldLayoutId id="2147483655" r:id="rId7"/>
-    <p:sldLayoutId id="2147483656" r:id="rId8"/>
-    <p:sldLayoutId id="2147483657" r:id="rId9"/>
-    <p:sldLayoutId id="2147483658" r:id="rId10"/>
-    <p:sldLayoutId id="2147483659" r:id="rId11"/>
+    <p:sldLayoutId id="2147483687" r:id="rId1"/>
+    <p:sldLayoutId id="2147483688" r:id="rId2"/>
+    <p:sldLayoutId id="2147483689" r:id="rId3"/>
+    <p:sldLayoutId id="2147483690" r:id="rId4"/>
+    <p:sldLayoutId id="2147483691" r:id="rId5"/>
+    <p:sldLayoutId id="2147483692" r:id="rId6"/>
+    <p:sldLayoutId id="2147483693" r:id="rId7"/>
+    <p:sldLayoutId id="2147483694" r:id="rId8"/>
+    <p:sldLayoutId id="2147483695" r:id="rId9"/>
+    <p:sldLayoutId id="2147483696" r:id="rId10"/>
+    <p:sldLayoutId id="2147483697" r:id="rId11"/>
+    <p:sldLayoutId id="2147483698" r:id="rId12"/>
   </p:sldLayoutIdLst>
   <p:txStyles>
     <p:titleStyle>
-      <a:lvl1pPr algn="ctr" defTabSz="342900" eaLnBrk="1" hangingPunct="1" latinLnBrk="0" rtl="0">
+      <a:lvl1pPr algn="l" defTabSz="514350" eaLnBrk="1" hangingPunct="1" latinLnBrk="0" rtl="0">
+        <a:lnSpc>
+          <a:spcPct val="90000"/>
+        </a:lnSpc>
         <a:spcBef>
           <a:spcPct val="0"/>
         </a:spcBef>
         <a:buNone/>
-        <a:defRPr kern="1200" sz="3300">
+        <a:defRPr b="1" baseline="0" i="0" kern="1200" sz="3200">
           <a:solidFill>
-            <a:schemeClr val="tx1"/>
+            <a:srgbClr val="DC322F"/>
           </a:solidFill>
-          <a:latin typeface="+mj-lt"/>
+          <a:latin charset="0" panose="020B0703020202090204" pitchFamily="34" typeface="Trebuchet MS"/>
           <a:ea typeface="+mj-ea"/>
-          <a:cs typeface="+mj-cs"/>
+          <a:cs charset="-79" panose="020B0502020104020203" pitchFamily="34" typeface="Gill Sans"/>
         </a:defRPr>
       </a:lvl1pPr>
     </p:titleStyle>
     <p:bodyStyle>
-      <a:lvl1pPr algn="l" defTabSz="342900" eaLnBrk="1" hangingPunct="1" indent="-342900" latinLnBrk="0" marL="342900" rtl="0">
+      <a:lvl1pPr algn="l" defTabSz="514350" eaLnBrk="1" hangingPunct="1" indent="-128588" latinLnBrk="0" marL="128588" rtl="0">
+        <a:lnSpc>
+          <a:spcPts val="2400"/>
+        </a:lnSpc>
         <a:spcBef>
-          <a:spcPct val="20000"/>
+          <a:spcPts val="1600"/>
         </a:spcBef>
-        <a:buFont typeface="Arial"/>
+        <a:buFont charset="0" panose="020B0604020202020204" pitchFamily="34" typeface="Arial"/>
         <a:buChar char="•"/>
-        <a:defRPr kern="1200" sz="2400">
+        <a:defRPr b="0" baseline="0" i="0" kern="1200" sz="1800">
           <a:solidFill>
-            <a:schemeClr val="tx1"/>
+            <a:srgbClr val="1A1A1A"/>
           </a:solidFill>
-          <a:latin typeface="+mn-lt"/>
+          <a:latin charset="0" panose="020B0604020202020204" pitchFamily="34" typeface="Arial"/>
           <a:ea typeface="+mn-ea"/>
-          <a:cs typeface="+mn-cs"/>
+          <a:cs charset="0" panose="020B0604020202020204" pitchFamily="34" typeface="Arial"/>
         </a:defRPr>
       </a:lvl1pPr>
-      <a:lvl2pPr algn="l" defTabSz="342900" eaLnBrk="1" hangingPunct="1" indent="-342900" latinLnBrk="0" marL="685800" rtl="0">
+      <a:lvl2pPr algn="l" defTabSz="514350" eaLnBrk="1" hangingPunct="1" indent="-128588" latinLnBrk="0" marL="385763" rtl="0">
+        <a:lnSpc>
+          <a:spcPts val="2400"/>
+        </a:lnSpc>
         <a:spcBef>
-          <a:spcPct val="20000"/>
+          <a:spcPts val="1600"/>
         </a:spcBef>
-        <a:buFont typeface="Arial"/>
-        <a:buChar char="–"/>
-        <a:defRPr kern="1200" sz="2100">
+        <a:buFont charset="0" panose="020B0604020202020204" pitchFamily="34" typeface="Arial"/>
+        <a:buChar char="•"/>
+        <a:defRPr b="0" baseline="0" i="0" kern="1200" sz="1800">
           <a:solidFill>
-            <a:schemeClr val="tx1"/>
+            <a:srgbClr val="1A1A1A"/>
           </a:solidFill>
-          <a:latin typeface="+mn-lt"/>
+          <a:latin charset="0" panose="020B0604020202020204" pitchFamily="34" typeface="Arial"/>
           <a:ea typeface="+mn-ea"/>
-          <a:cs typeface="+mn-cs"/>
+          <a:cs charset="0" panose="020B0604020202020204" pitchFamily="34" typeface="Arial"/>
         </a:defRPr>
       </a:lvl2pPr>
-      <a:lvl3pPr algn="l" defTabSz="342900" eaLnBrk="1" hangingPunct="1" indent="-342900" latinLnBrk="0" marL="1028700" rtl="0">
+      <a:lvl3pPr algn="l" defTabSz="514350" eaLnBrk="1" hangingPunct="1" indent="-128588" latinLnBrk="0" marL="642938" rtl="0">
+        <a:lnSpc>
+          <a:spcPts val="2400"/>
+        </a:lnSpc>
         <a:spcBef>
-          <a:spcPct val="20000"/>
+          <a:spcPts val="1600"/>
         </a:spcBef>
-        <a:buFont typeface="Arial"/>
+        <a:buFont charset="0" panose="020B0604020202020204" pitchFamily="34" typeface="Arial"/>
         <a:buChar char="•"/>
-        <a:defRPr kern="1200" sz="1800">
+        <a:defRPr b="0" baseline="0" i="0" kern="1200" sz="1800">
           <a:solidFill>
-            <a:schemeClr val="tx1"/>
+            <a:srgbClr val="1A1A1A"/>
           </a:solidFill>
-          <a:latin typeface="+mn-lt"/>
+          <a:latin charset="0" panose="020B0604020202020204" pitchFamily="34" typeface="Arial"/>
           <a:ea typeface="+mn-ea"/>
-          <a:cs typeface="+mn-cs"/>
+          <a:cs charset="0" panose="020B0604020202020204" pitchFamily="34" typeface="Arial"/>
         </a:defRPr>
       </a:lvl3pPr>
-      <a:lvl4pPr algn="l" defTabSz="342900" eaLnBrk="1" hangingPunct="1" indent="-342900" latinLnBrk="0" marL="1371600" rtl="0">
+      <a:lvl4pPr algn="l" defTabSz="514350" eaLnBrk="1" hangingPunct="1" indent="-128588" latinLnBrk="0" marL="900113" rtl="0">
+        <a:lnSpc>
+          <a:spcPts val="2400"/>
+        </a:lnSpc>
         <a:spcBef>
-          <a:spcPct val="20000"/>
+          <a:spcPts val="1600"/>
         </a:spcBef>
-        <a:buFont typeface="Arial"/>
-        <a:buChar char="–"/>
-        <a:defRPr kern="1200" sz="1500">
+        <a:buFont charset="0" panose="020B0604020202020204" pitchFamily="34" typeface="Arial"/>
+        <a:buChar char="•"/>
+        <a:defRPr b="0" baseline="0" i="0" kern="1200" sz="1800">
           <a:solidFill>
-            <a:schemeClr val="tx1"/>
+            <a:srgbClr val="1A1A1A"/>
           </a:solidFill>
-          <a:latin typeface="+mn-lt"/>
+          <a:latin charset="0" panose="020B0604020202020204" pitchFamily="34" typeface="Arial"/>
           <a:ea typeface="+mn-ea"/>
-          <a:cs typeface="+mn-cs"/>
+          <a:cs charset="0" panose="020B0604020202020204" pitchFamily="34" typeface="Arial"/>
         </a:defRPr>
       </a:lvl4pPr>
-      <a:lvl5pPr algn="l" defTabSz="342900" eaLnBrk="1" hangingPunct="1" indent="-342900" latinLnBrk="0" marL="1714500" rtl="0">
+      <a:lvl5pPr algn="l" defTabSz="514350" eaLnBrk="1" hangingPunct="1" indent="-128588" latinLnBrk="0" marL="1157288" rtl="0">
+        <a:lnSpc>
+          <a:spcPts val="2400"/>
+        </a:lnSpc>
         <a:spcBef>
-          <a:spcPct val="20000"/>
+          <a:spcPts val="1600"/>
         </a:spcBef>
-        <a:buFont typeface="Arial"/>
-        <a:buChar char="»"/>
-        <a:defRPr kern="1200" sz="1500">
+        <a:buFont charset="0" panose="020B0604020202020204" pitchFamily="34" typeface="Arial"/>
+        <a:buChar char="•"/>
+        <a:defRPr b="0" baseline="0" i="0" kern="1200" sz="1800">
           <a:solidFill>
-            <a:schemeClr val="tx1"/>
+            <a:srgbClr val="1A1A1A"/>
           </a:solidFill>
-          <a:latin typeface="+mn-lt"/>
+          <a:latin charset="0" panose="020B0604020202020204" pitchFamily="34" typeface="Arial"/>
           <a:ea typeface="+mn-ea"/>
-          <a:cs typeface="+mn-cs"/>
+          <a:cs charset="0" panose="020B0604020202020204" pitchFamily="34" typeface="Arial"/>
         </a:defRPr>
       </a:lvl5pPr>
-      <a:lvl6pPr algn="l" defTabSz="342900" eaLnBrk="1" hangingPunct="1" indent="-342900" latinLnBrk="0" marL="2057400" rtl="0">
+      <a:lvl6pPr algn="l" defTabSz="514350" eaLnBrk="1" hangingPunct="1" indent="-128588" latinLnBrk="0" marL="1414463" rtl="0">
+        <a:lnSpc>
+          <a:spcPct val="90000"/>
+        </a:lnSpc>
         <a:spcBef>
-          <a:spcPct val="20000"/>
+          <a:spcPts val="281"/>
         </a:spcBef>
-        <a:buFont typeface="Arial"/>
+        <a:buFont charset="0" panose="020B0604020202020204" pitchFamily="34" typeface="Arial"/>
         <a:buChar char="•"/>
-        <a:defRPr kern="1200" sz="1500">
+        <a:defRPr kern="1200" sz="1013">
           <a:solidFill>
             <a:schemeClr val="tx1"/>
           </a:solidFill>
@@ -2929,13 +3708,16 @@
           <a:cs typeface="+mn-cs"/>
         </a:defRPr>
       </a:lvl6pPr>
-      <a:lvl7pPr algn="l" defTabSz="342900" eaLnBrk="1" hangingPunct="1" indent="-342900" latinLnBrk="0" marL="2400300" rtl="0">
+      <a:lvl7pPr algn="l" defTabSz="514350" eaLnBrk="1" hangingPunct="1" indent="-128588" latinLnBrk="0" marL="1671638" rtl="0">
+        <a:lnSpc>
+          <a:spcPct val="90000"/>
+        </a:lnSpc>
         <a:spcBef>
-          <a:spcPct val="20000"/>
+          <a:spcPts val="281"/>
         </a:spcBef>
-        <a:buFont typeface="Arial"/>
+        <a:buFont charset="0" panose="020B0604020202020204" pitchFamily="34" typeface="Arial"/>
         <a:buChar char="•"/>
-        <a:defRPr kern="1200" sz="1500">
+        <a:defRPr kern="1200" sz="1013">
           <a:solidFill>
             <a:schemeClr val="tx1"/>
           </a:solidFill>
@@ -2944,13 +3726,16 @@
           <a:cs typeface="+mn-cs"/>
         </a:defRPr>
       </a:lvl7pPr>
-      <a:lvl8pPr algn="l" defTabSz="342900" eaLnBrk="1" hangingPunct="1" indent="-342900" latinLnBrk="0" marL="2743200" rtl="0">
+      <a:lvl8pPr algn="l" defTabSz="514350" eaLnBrk="1" hangingPunct="1" indent="-128588" latinLnBrk="0" marL="1928813" rtl="0">
+        <a:lnSpc>
+          <a:spcPct val="90000"/>
+        </a:lnSpc>
         <a:spcBef>
-          <a:spcPct val="20000"/>
+          <a:spcPts val="281"/>
         </a:spcBef>
-        <a:buFont typeface="Arial"/>
+        <a:buFont charset="0" panose="020B0604020202020204" pitchFamily="34" typeface="Arial"/>
         <a:buChar char="•"/>
-        <a:defRPr kern="1200" sz="1500">
+        <a:defRPr kern="1200" sz="1013">
           <a:solidFill>
             <a:schemeClr val="tx1"/>
           </a:solidFill>
@@ -2959,13 +3744,16 @@
           <a:cs typeface="+mn-cs"/>
         </a:defRPr>
       </a:lvl8pPr>
-      <a:lvl9pPr algn="l" defTabSz="342900" eaLnBrk="1" hangingPunct="1" indent="-342900" latinLnBrk="0" marL="3086100" rtl="0">
+      <a:lvl9pPr algn="l" defTabSz="514350" eaLnBrk="1" hangingPunct="1" indent="-128588" latinLnBrk="0" marL="2185988" rtl="0">
+        <a:lnSpc>
+          <a:spcPct val="90000"/>
+        </a:lnSpc>
         <a:spcBef>
-          <a:spcPct val="20000"/>
+          <a:spcPts val="281"/>
         </a:spcBef>
-        <a:buFont typeface="Arial"/>
+        <a:buFont charset="0" panose="020B0604020202020204" pitchFamily="34" typeface="Arial"/>
         <a:buChar char="•"/>
-        <a:defRPr kern="1200" sz="1500">
+        <a:defRPr kern="1200" sz="1013">
           <a:solidFill>
             <a:schemeClr val="tx1"/>
           </a:solidFill>
@@ -2979,8 +3767,8 @@
       <a:defPPr>
         <a:defRPr lang="en-US"/>
       </a:defPPr>
-      <a:lvl1pPr algn="l" defTabSz="342900" eaLnBrk="1" hangingPunct="1" latinLnBrk="0" marL="0" rtl="0">
-        <a:defRPr kern="1200" sz="1350">
+      <a:lvl1pPr algn="l" defTabSz="514350" eaLnBrk="1" hangingPunct="1" latinLnBrk="0" marL="0" rtl="0">
+        <a:defRPr kern="1200" sz="1013">
           <a:solidFill>
             <a:schemeClr val="tx1"/>
           </a:solidFill>
@@ -2989,8 +3777,8 @@
           <a:cs typeface="+mn-cs"/>
         </a:defRPr>
       </a:lvl1pPr>
-      <a:lvl2pPr algn="l" defTabSz="342900" eaLnBrk="1" hangingPunct="1" latinLnBrk="0" marL="342900" rtl="0">
-        <a:defRPr kern="1200" sz="1350">
+      <a:lvl2pPr algn="l" defTabSz="514350" eaLnBrk="1" hangingPunct="1" latinLnBrk="0" marL="257175" rtl="0">
+        <a:defRPr kern="1200" sz="1013">
           <a:solidFill>
             <a:schemeClr val="tx1"/>
           </a:solidFill>
@@ -2999,8 +3787,8 @@
           <a:cs typeface="+mn-cs"/>
         </a:defRPr>
       </a:lvl2pPr>
-      <a:lvl3pPr algn="l" defTabSz="342900" eaLnBrk="1" hangingPunct="1" latinLnBrk="0" marL="685800" rtl="0">
-        <a:defRPr kern="1200" sz="1350">
+      <a:lvl3pPr algn="l" defTabSz="514350" eaLnBrk="1" hangingPunct="1" latinLnBrk="0" marL="514350" rtl="0">
+        <a:defRPr kern="1200" sz="1013">
           <a:solidFill>
             <a:schemeClr val="tx1"/>
           </a:solidFill>
@@ -3009,8 +3797,8 @@
           <a:cs typeface="+mn-cs"/>
         </a:defRPr>
       </a:lvl3pPr>
-      <a:lvl4pPr algn="l" defTabSz="342900" eaLnBrk="1" hangingPunct="1" latinLnBrk="0" marL="1028700" rtl="0">
-        <a:defRPr kern="1200" sz="1350">
+      <a:lvl4pPr algn="l" defTabSz="514350" eaLnBrk="1" hangingPunct="1" latinLnBrk="0" marL="771525" rtl="0">
+        <a:defRPr kern="1200" sz="1013">
           <a:solidFill>
             <a:schemeClr val="tx1"/>
           </a:solidFill>
@@ -3019,8 +3807,8 @@
           <a:cs typeface="+mn-cs"/>
         </a:defRPr>
       </a:lvl4pPr>
-      <a:lvl5pPr algn="l" defTabSz="342900" eaLnBrk="1" hangingPunct="1" latinLnBrk="0" marL="1371600" rtl="0">
-        <a:defRPr kern="1200" sz="1350">
+      <a:lvl5pPr algn="l" defTabSz="514350" eaLnBrk="1" hangingPunct="1" latinLnBrk="0" marL="1028700" rtl="0">
+        <a:defRPr kern="1200" sz="1013">
           <a:solidFill>
             <a:schemeClr val="tx1"/>
           </a:solidFill>
@@ -3029,8 +3817,8 @@
           <a:cs typeface="+mn-cs"/>
         </a:defRPr>
       </a:lvl5pPr>
-      <a:lvl6pPr algn="l" defTabSz="342900" eaLnBrk="1" hangingPunct="1" latinLnBrk="0" marL="1714500" rtl="0">
-        <a:defRPr kern="1200" sz="1350">
+      <a:lvl6pPr algn="l" defTabSz="514350" eaLnBrk="1" hangingPunct="1" latinLnBrk="0" marL="1285875" rtl="0">
+        <a:defRPr kern="1200" sz="1013">
           <a:solidFill>
             <a:schemeClr val="tx1"/>
           </a:solidFill>
@@ -3039,8 +3827,8 @@
           <a:cs typeface="+mn-cs"/>
         </a:defRPr>
       </a:lvl6pPr>
-      <a:lvl7pPr algn="l" defTabSz="342900" eaLnBrk="1" hangingPunct="1" latinLnBrk="0" marL="2057400" rtl="0">
-        <a:defRPr kern="1200" sz="1350">
+      <a:lvl7pPr algn="l" defTabSz="514350" eaLnBrk="1" hangingPunct="1" latinLnBrk="0" marL="1543050" rtl="0">
+        <a:defRPr kern="1200" sz="1013">
           <a:solidFill>
             <a:schemeClr val="tx1"/>
           </a:solidFill>
@@ -3049,8 +3837,8 @@
           <a:cs typeface="+mn-cs"/>
         </a:defRPr>
       </a:lvl7pPr>
-      <a:lvl8pPr algn="l" defTabSz="342900" eaLnBrk="1" hangingPunct="1" latinLnBrk="0" marL="2400300" rtl="0">
-        <a:defRPr kern="1200" sz="1350">
+      <a:lvl8pPr algn="l" defTabSz="514350" eaLnBrk="1" hangingPunct="1" latinLnBrk="0" marL="1800225" rtl="0">
+        <a:defRPr kern="1200" sz="1013">
           <a:solidFill>
             <a:schemeClr val="tx1"/>
           </a:solidFill>
@@ -3059,8 +3847,8 @@
           <a:cs typeface="+mn-cs"/>
         </a:defRPr>
       </a:lvl8pPr>
-      <a:lvl9pPr algn="l" defTabSz="342900" eaLnBrk="1" hangingPunct="1" latinLnBrk="0" marL="2743200" rtl="0">
-        <a:defRPr kern="1200" sz="1350">
+      <a:lvl9pPr algn="l" defTabSz="514350" eaLnBrk="1" hangingPunct="1" latinLnBrk="0" marL="2057400" rtl="0">
+        <a:defRPr kern="1200" sz="1013">
           <a:solidFill>
             <a:schemeClr val="tx1"/>
           </a:solidFill>
@@ -3093,7 +3881,13 @@
       </p:grpSpPr>
       <p:sp>
         <p:nvSpPr>
-          <p:cNvPr id="2" name="Title 1"/>
+          <p:cNvPr id="2" name="Title 1">
+            <a:extLst>
+              <a:ext uri="{FF2B5EF4-FFF2-40B4-BE49-F238E27FC236}">
+                <a16:creationId xmlns:a16="http://schemas.microsoft.com/office/drawing/2014/main" id="{5216EB9F-821C-3043-9B29-83C5977F52F4}"/>
+              </a:ext>
+            </a:extLst>
+          </p:cNvPr>
           <p:cNvSpPr>
             <a:spLocks noGrp="1"/>
           </p:cNvSpPr>
@@ -3103,8 +3897,47 @@
         </p:nvSpPr>
         <p:spPr>
           <a:xfrm>
-            <a:off x="685800" y="1597819"/>
-            <a:ext cx="7772400" cy="1102519"/>
+            <a:off x="1524000" y="1122364"/>
+            <a:ext cx="9144000" cy="2396341"/>
+          </a:xfrm>
+          <a:prstGeom prst="rect">
+            <a:avLst/>
+          </a:prstGeom>
+        </p:spPr>
+        <p:txBody>
+          <a:bodyPr/>
+          <a:lstStyle/>
+          <a:p>
+            <a:pPr lvl="0" indent="0" marL="0">
+              <a:buNone/>
+            </a:pPr>
+            <a:r>
+              <a:rPr/>
+              <a:t>Lab 03: Critical Proposal</a:t>
+            </a:r>
+          </a:p>
+        </p:txBody>
+      </p:sp>
+      <p:sp>
+        <p:nvSpPr>
+          <p:cNvPr id="3" name="Subtitle 2">
+            <a:extLst>
+              <a:ext uri="{FF2B5EF4-FFF2-40B4-BE49-F238E27FC236}">
+                <a16:creationId xmlns:a16="http://schemas.microsoft.com/office/drawing/2014/main" id="{8C337200-5D83-FE46-9E69-B6B1D353C69A}"/>
+              </a:ext>
+            </a:extLst>
+          </p:cNvPr>
+          <p:cNvSpPr>
+            <a:spLocks noGrp="1"/>
+          </p:cNvSpPr>
+          <p:nvPr>
+            <p:ph idx="1" type="subTitle"/>
+          </p:nvPr>
+        </p:nvSpPr>
+        <p:spPr>
+          <a:xfrm>
+            <a:off x="1524000" y="3611302"/>
+            <a:ext cx="9144000" cy="1646498"/>
           </a:xfrm>
         </p:spPr>
         <p:txBody>
@@ -3116,36 +3949,6 @@
             </a:pPr>
             <a:r>
               <a:rPr/>
-              <a:t>Lab 03: Critical Proposal</a:t>
-            </a:r>
-          </a:p>
-        </p:txBody>
-      </p:sp>
-      <p:sp>
-        <p:nvSpPr>
-          <p:cNvPr id="3" name="Subtitle 2"/>
-          <p:cNvSpPr>
-            <a:spLocks noGrp="1"/>
-          </p:cNvSpPr>
-          <p:nvPr>
-            <p:ph idx="1" type="subTitle"/>
-          </p:nvPr>
-        </p:nvSpPr>
-        <p:spPr>
-          <a:xfrm>
-            <a:off x="1371600" y="2914650"/>
-            <a:ext cx="6400800" cy="1314450"/>
-          </a:xfrm>
-        </p:spPr>
-        <p:txBody>
-          <a:bodyPr/>
-          <a:lstStyle/>
-          <a:p>
-            <a:pPr lvl="0" indent="0" marL="0">
-              <a:buNone/>
-            </a:pPr>
-            <a:r>
-              <a:rPr/>
               <a:t>Targetting your Target Paper</a:t>
             </a:r>
             <a:br/>
@@ -3159,7 +3962,13 @@
       </p:sp>
       <p:sp>
         <p:nvSpPr>
-          <p:cNvPr id="4" name="Date Placeholder 3"/>
+          <p:cNvPr id="4" name="Date Placeholder 3">
+            <a:extLst>
+              <a:ext uri="{FF2B5EF4-FFF2-40B4-BE49-F238E27FC236}">
+                <a16:creationId xmlns:a16="http://schemas.microsoft.com/office/drawing/2014/main" id="{1069A7C7-1ADA-474D-B8F0-3471D14F86DA}"/>
+              </a:ext>
+            </a:extLst>
+          </p:cNvPr>
           <p:cNvSpPr>
             <a:spLocks noGrp="1"/>
           </p:cNvSpPr>
@@ -3206,7 +4015,13 @@
       </p:grpSpPr>
       <p:sp>
         <p:nvSpPr>
-          <p:cNvPr id="2" name="Title 1"/>
+          <p:cNvPr id="2" name="Title 1">
+            <a:extLst>
+              <a:ext uri="{FF2B5EF4-FFF2-40B4-BE49-F238E27FC236}">
+                <a16:creationId xmlns:a16="http://schemas.microsoft.com/office/drawing/2014/main" id="{F3186003-B489-CA46-A95C-C1AECC0CA4D3}"/>
+              </a:ext>
+            </a:extLst>
+          </p:cNvPr>
           <p:cNvSpPr>
             <a:spLocks noGrp="1"/>
           </p:cNvSpPr>
@@ -3216,9 +4031,12 @@
         </p:nvSpPr>
         <p:spPr>
           <a:xfrm>
-            <a:off x="457201" y="204787"/>
-            <a:ext cx="3008313" cy="871538"/>
+            <a:off x="839788" y="457200"/>
+            <a:ext cx="3932237" cy="1600200"/>
           </a:xfrm>
+          <a:prstGeom prst="rect">
+            <a:avLst/>
+          </a:prstGeom>
         </p:spPr>
         <p:txBody>
           <a:bodyPr/>
@@ -3236,7 +4054,13 @@
       </p:sp>
       <p:sp>
         <p:nvSpPr>
-          <p:cNvPr id="4" name="Text Placeholder 3"/>
+          <p:cNvPr id="4" name="Text Placeholder 3">
+            <a:extLst>
+              <a:ext uri="{FF2B5EF4-FFF2-40B4-BE49-F238E27FC236}">
+                <a16:creationId xmlns:a16="http://schemas.microsoft.com/office/drawing/2014/main" id="{898BA411-2A54-A94A-B3FC-826281DBEADF}"/>
+              </a:ext>
+            </a:extLst>
+          </p:cNvPr>
           <p:cNvSpPr>
             <a:spLocks noGrp="1"/>
           </p:cNvSpPr>
@@ -3477,8 +4301,8 @@
         </p:blipFill>
         <p:spPr bwMode="auto">
           <a:xfrm>
-            <a:off x="3568700" y="723900"/>
-            <a:ext cx="5105400" cy="3352800"/>
+            <a:off x="5181600" y="1384300"/>
+            <a:ext cx="6172200" cy="4051300"/>
           </a:xfrm>
           <a:prstGeom prst="rect">
             <a:avLst/>
@@ -3497,7 +4321,7 @@
 </file>
 
 <file path=ppt/theme/theme1.xml><?xml version="1.0" encoding="utf-8"?>
-<a:theme xmlns:a="http://schemas.openxmlformats.org/drawingml/2006/main" name="Office Theme">
+<a:theme xmlns:a="http://schemas.openxmlformats.org/drawingml/2006/main" name="Cosmic Latte">
   <a:themeElements>
     <a:clrScheme name="Office">
       <a:dk1>
@@ -3507,48 +4331,87 @@
         <a:sysClr val="window" lastClr="FFFFFF"/>
       </a:lt1>
       <a:dk2>
-        <a:srgbClr val="1F497D"/>
+        <a:srgbClr val="44546A"/>
       </a:dk2>
       <a:lt2>
-        <a:srgbClr val="EEECE1"/>
+        <a:srgbClr val="E7E6E6"/>
       </a:lt2>
       <a:accent1>
-        <a:srgbClr val="4F81BD"/>
+        <a:srgbClr val="4472C4"/>
       </a:accent1>
       <a:accent2>
-        <a:srgbClr val="C0504D"/>
+        <a:srgbClr val="ED7D31"/>
       </a:accent2>
       <a:accent3>
-        <a:srgbClr val="9BBB59"/>
+        <a:srgbClr val="A5A5A5"/>
       </a:accent3>
       <a:accent4>
-        <a:srgbClr val="8064A2"/>
+        <a:srgbClr val="FFC000"/>
       </a:accent4>
       <a:accent5>
-        <a:srgbClr val="4BACC6"/>
+        <a:srgbClr val="5B9BD5"/>
       </a:accent5>
       <a:accent6>
-        <a:srgbClr val="F79646"/>
+        <a:srgbClr val="70AD47"/>
       </a:accent6>
       <a:hlink>
-        <a:srgbClr val="0000FF"/>
+        <a:srgbClr val="0563C1"/>
       </a:hlink>
       <a:folHlink>
-        <a:srgbClr val="800080"/>
+        <a:srgbClr val="954F72"/>
       </a:folHlink>
     </a:clrScheme>
-    <a:fontScheme name="Office">
+    <a:fontScheme name="Tw Cen MT-Rockwell">
       <a:majorFont>
-        <a:latin typeface="Calibri"/>
+        <a:latin typeface="Tw Cen MT" panose="020B0602020104020603"/>
         <a:ea typeface=""/>
         <a:cs typeface=""/>
-        <a:font script="Jpan" typeface="ＭＳ Ｐゴシック"/>
-        <a:font script="Hang" typeface="맑은 고딕"/>
-        <a:font script="Hans" typeface="宋体"/>
-        <a:font script="Hant" typeface="新細明體"/>
+        <a:font script="Grek" typeface="Calibri"/>
+        <a:font script="Cyrl" typeface="Calibri"/>
+        <a:font script="Jpan" typeface="HGPｺﾞｼｯｸE"/>
+        <a:font script="Hang" typeface="HY얕은샘물M"/>
+        <a:font script="Hans" typeface="华文仿宋"/>
+        <a:font script="Hant" typeface="微軟正黑體"/>
+        <a:font script="Arab" typeface="Arial"/>
+        <a:font script="Hebr" typeface="Levenim MT"/>
+        <a:font script="Thai" typeface="FreesiaUPC"/>
+        <a:font script="Ethi" typeface="Nyala"/>
+        <a:font script="Beng" typeface="Vrinda"/>
+        <a:font script="Gujr" typeface="Shruti"/>
+        <a:font script="Khmr" typeface="DaunPenh"/>
+        <a:font script="Knda" typeface="Tunga"/>
+        <a:font script="Guru" typeface="Raavi"/>
+        <a:font script="Cans" typeface="Euphemia"/>
+        <a:font script="Cher" typeface="Plantagenet Cherokee"/>
+        <a:font script="Yiii" typeface="Microsoft Yi Baiti"/>
+        <a:font script="Tibt" typeface="Microsoft Himalaya"/>
+        <a:font script="Thaa" typeface="MV Boli"/>
+        <a:font script="Deva" typeface="Mangal"/>
+        <a:font script="Telu" typeface="Gautami"/>
+        <a:font script="Taml" typeface="Latha"/>
+        <a:font script="Syrc" typeface="Estrangelo Edessa"/>
+        <a:font script="Orya" typeface="Kalinga"/>
+        <a:font script="Mlym" typeface="Kartika"/>
+        <a:font script="Laoo" typeface="DokChampa"/>
+        <a:font script="Sinh" typeface="Iskoola Pota"/>
+        <a:font script="Mong" typeface="Mongolian Baiti"/>
+        <a:font script="Viet" typeface="Tahoma"/>
+        <a:font script="Uigh" typeface="Microsoft Uighur"/>
+        <a:font script="Geor" typeface="Sylfaen"/>
+      </a:majorFont>
+      <a:minorFont>
+        <a:latin typeface="Rockwell" panose="02060603020205020403"/>
+        <a:ea typeface=""/>
+        <a:cs typeface=""/>
+        <a:font script="Grek" typeface="Cambria"/>
+        <a:font script="Cyrl" typeface="Cambria"/>
+        <a:font script="Jpan" typeface="HG明朝B"/>
+        <a:font script="Hang" typeface="바탕"/>
+        <a:font script="Hans" typeface="方正姚体"/>
+        <a:font script="Hant" typeface="標楷體"/>
         <a:font script="Arab" typeface="Times New Roman"/>
-        <a:font script="Hebr" typeface="Times New Roman"/>
-        <a:font script="Thai" typeface="Angsana New"/>
+        <a:font script="Hebr" typeface="David"/>
+        <a:font script="Thai" typeface="JasmineUPC"/>
         <a:font script="Ethi" typeface="Nyala"/>
         <a:font script="Beng" typeface="Vrinda"/>
         <a:font script="Gujr" typeface="Shruti"/>
@@ -3572,41 +4435,6 @@
         <a:font script="Viet" typeface="Times New Roman"/>
         <a:font script="Uigh" typeface="Microsoft Uighur"/>
         <a:font script="Geor" typeface="Sylfaen"/>
-      </a:majorFont>
-      <a:minorFont>
-        <a:latin typeface="Calibri"/>
-        <a:ea typeface=""/>
-        <a:cs typeface=""/>
-        <a:font script="Jpan" typeface="ＭＳ Ｐゴシック"/>
-        <a:font script="Hang" typeface="맑은 고딕"/>
-        <a:font script="Hans" typeface="宋体"/>
-        <a:font script="Hant" typeface="新細明體"/>
-        <a:font script="Arab" typeface="Arial"/>
-        <a:font script="Hebr" typeface="Arial"/>
-        <a:font script="Thai" typeface="Cordia New"/>
-        <a:font script="Ethi" typeface="Nyala"/>
-        <a:font script="Beng" typeface="Vrinda"/>
-        <a:font script="Gujr" typeface="Shruti"/>
-        <a:font script="Khmr" typeface="DaunPenh"/>
-        <a:font script="Knda" typeface="Tunga"/>
-        <a:font script="Guru" typeface="Raavi"/>
-        <a:font script="Cans" typeface="Euphemia"/>
-        <a:font script="Cher" typeface="Plantagenet Cherokee"/>
-        <a:font script="Yiii" typeface="Microsoft Yi Baiti"/>
-        <a:font script="Tibt" typeface="Microsoft Himalaya"/>
-        <a:font script="Thaa" typeface="MV Boli"/>
-        <a:font script="Deva" typeface="Mangal"/>
-        <a:font script="Telu" typeface="Gautami"/>
-        <a:font script="Taml" typeface="Latha"/>
-        <a:font script="Syrc" typeface="Estrangelo Edessa"/>
-        <a:font script="Orya" typeface="Kalinga"/>
-        <a:font script="Mlym" typeface="Kartika"/>
-        <a:font script="Laoo" typeface="DokChampa"/>
-        <a:font script="Sinh" typeface="Iskoola Pota"/>
-        <a:font script="Mong" typeface="Mongolian Baiti"/>
-        <a:font script="Viet" typeface="Arial"/>
-        <a:font script="Uigh" typeface="Microsoft Uighur"/>
-        <a:font script="Geor" typeface="Sylfaen"/>
       </a:minorFont>
     </a:fontScheme>
     <a:fmtScheme name="Office">
@@ -3618,201 +4446,142 @@
           <a:gsLst>
             <a:gs pos="0">
               <a:schemeClr val="phClr">
-                <a:tint val="50000"/>
-                <a:satMod val="300000"/>
+                <a:lumMod val="110000"/>
+                <a:satMod val="105000"/>
+                <a:tint val="67000"/>
               </a:schemeClr>
             </a:gs>
-            <a:gs pos="35000">
+            <a:gs pos="50000">
               <a:schemeClr val="phClr">
-                <a:tint val="37000"/>
-                <a:satMod val="300000"/>
+                <a:lumMod val="105000"/>
+                <a:satMod val="103000"/>
+                <a:tint val="73000"/>
               </a:schemeClr>
             </a:gs>
             <a:gs pos="100000">
               <a:schemeClr val="phClr">
-                <a:tint val="15000"/>
-                <a:satMod val="350000"/>
+                <a:lumMod val="105000"/>
+                <a:satMod val="109000"/>
+                <a:tint val="81000"/>
               </a:schemeClr>
             </a:gs>
           </a:gsLst>
-          <a:lin ang="16200000" scaled="1"/>
+          <a:lin ang="5400000" scaled="0"/>
         </a:gradFill>
         <a:gradFill rotWithShape="1">
           <a:gsLst>
             <a:gs pos="0">
               <a:schemeClr val="phClr">
-                <a:tint val="100000"/>
+                <a:satMod val="103000"/>
+                <a:lumMod val="102000"/>
+                <a:tint val="94000"/>
+              </a:schemeClr>
+            </a:gs>
+            <a:gs pos="50000">
+              <a:schemeClr val="phClr">
+                <a:satMod val="110000"/>
+                <a:lumMod val="100000"/>
                 <a:shade val="100000"/>
-                <a:satMod val="130000"/>
               </a:schemeClr>
             </a:gs>
             <a:gs pos="100000">
               <a:schemeClr val="phClr">
-                <a:tint val="50000"/>
-                <a:shade val="100000"/>
-                <a:satMod val="350000"/>
+                <a:lumMod val="99000"/>
+                <a:satMod val="120000"/>
+                <a:shade val="78000"/>
               </a:schemeClr>
             </a:gs>
           </a:gsLst>
-          <a:lin ang="16200000" scaled="0"/>
+          <a:lin ang="5400000" scaled="0"/>
         </a:gradFill>
       </a:fillStyleLst>
       <a:lnStyleLst>
-        <a:ln w="9525" cap="flat" cmpd="sng" algn="ctr">
-          <a:solidFill>
-            <a:schemeClr val="phClr">
-              <a:shade val="95000"/>
-              <a:satMod val="105000"/>
-            </a:schemeClr>
-          </a:solidFill>
-          <a:prstDash val="solid"/>
-        </a:ln>
-        <a:ln w="25400" cap="flat" cmpd="sng" algn="ctr">
+        <a:ln w="6350" cap="flat" cmpd="sng" algn="ctr">
           <a:solidFill>
             <a:schemeClr val="phClr"/>
           </a:solidFill>
           <a:prstDash val="solid"/>
+          <a:miter lim="800000"/>
         </a:ln>
-        <a:ln w="38100" cap="flat" cmpd="sng" algn="ctr">
+        <a:ln w="12700" cap="flat" cmpd="sng" algn="ctr">
           <a:solidFill>
             <a:schemeClr val="phClr"/>
           </a:solidFill>
           <a:prstDash val="solid"/>
+          <a:miter lim="800000"/>
+        </a:ln>
+        <a:ln w="19050" cap="flat" cmpd="sng" algn="ctr">
+          <a:solidFill>
+            <a:schemeClr val="phClr"/>
+          </a:solidFill>
+          <a:prstDash val="solid"/>
+          <a:miter lim="800000"/>
         </a:ln>
       </a:lnStyleLst>
       <a:effectStyleLst>
         <a:effectStyle>
+          <a:effectLst/>
+        </a:effectStyle>
+        <a:effectStyle>
+          <a:effectLst/>
+        </a:effectStyle>
+        <a:effectStyle>
           <a:effectLst>
-            <a:outerShdw blurRad="40000" dist="20000" dir="5400000" rotWithShape="0">
+            <a:outerShdw blurRad="57150" dist="19050" dir="5400000" algn="ctr" rotWithShape="0">
               <a:srgbClr val="000000">
-                <a:alpha val="38000"/>
+                <a:alpha val="63000"/>
               </a:srgbClr>
             </a:outerShdw>
           </a:effectLst>
-        </a:effectStyle>
-        <a:effectStyle>
-          <a:effectLst>
-            <a:outerShdw blurRad="40000" dist="23000" dir="5400000" rotWithShape="0">
-              <a:srgbClr val="000000">
-                <a:alpha val="35000"/>
-              </a:srgbClr>
-            </a:outerShdw>
-          </a:effectLst>
-        </a:effectStyle>
-        <a:effectStyle>
-          <a:effectLst>
-            <a:outerShdw blurRad="40000" dist="23000" dir="5400000" rotWithShape="0">
-              <a:srgbClr val="000000">
-                <a:alpha val="35000"/>
-              </a:srgbClr>
-            </a:outerShdw>
-          </a:effectLst>
-          <a:scene3d>
-            <a:camera prst="orthographicFront">
-              <a:rot lat="0" lon="0" rev="0"/>
-            </a:camera>
-            <a:lightRig rig="threePt" dir="t">
-              <a:rot lat="0" lon="0" rev="1200000"/>
-            </a:lightRig>
-          </a:scene3d>
-          <a:sp3d>
-            <a:bevelT w="63500" h="25400"/>
-          </a:sp3d>
         </a:effectStyle>
       </a:effectStyleLst>
       <a:bgFillStyleLst>
         <a:solidFill>
           <a:schemeClr val="phClr"/>
         </a:solidFill>
+        <a:solidFill>
+          <a:schemeClr val="phClr">
+            <a:tint val="95000"/>
+            <a:satMod val="170000"/>
+          </a:schemeClr>
+        </a:solidFill>
         <a:gradFill rotWithShape="1">
           <a:gsLst>
             <a:gs pos="0">
               <a:schemeClr val="phClr">
-                <a:tint val="40000"/>
-                <a:satMod val="350000"/>
+                <a:tint val="93000"/>
+                <a:satMod val="150000"/>
+                <a:shade val="98000"/>
+                <a:lumMod val="102000"/>
               </a:schemeClr>
             </a:gs>
-            <a:gs pos="40000">
+            <a:gs pos="50000">
               <a:schemeClr val="phClr">
-                <a:tint val="45000"/>
-                <a:shade val="99000"/>
-                <a:satMod val="350000"/>
+                <a:tint val="98000"/>
+                <a:satMod val="130000"/>
+                <a:shade val="90000"/>
+                <a:lumMod val="103000"/>
               </a:schemeClr>
             </a:gs>
             <a:gs pos="100000">
               <a:schemeClr val="phClr">
-                <a:shade val="20000"/>
-                <a:satMod val="255000"/>
+                <a:shade val="63000"/>
+                <a:satMod val="120000"/>
               </a:schemeClr>
             </a:gs>
           </a:gsLst>
-          <a:path path="circle">
-            <a:fillToRect l="50000" t="-80000" r="50000" b="180000"/>
-          </a:path>
-        </a:gradFill>
-        <a:gradFill rotWithShape="1">
-          <a:gsLst>
-            <a:gs pos="0">
-              <a:schemeClr val="phClr">
-                <a:tint val="80000"/>
-                <a:satMod val="300000"/>
-              </a:schemeClr>
-            </a:gs>
-            <a:gs pos="100000">
-              <a:schemeClr val="phClr">
-                <a:shade val="30000"/>
-                <a:satMod val="200000"/>
-              </a:schemeClr>
-            </a:gs>
-          </a:gsLst>
-          <a:path path="circle">
-            <a:fillToRect l="50000" t="50000" r="50000" b="50000"/>
-          </a:path>
+          <a:lin ang="5400000" scaled="0"/>
         </a:gradFill>
       </a:bgFillStyleLst>
     </a:fmtScheme>
   </a:themeElements>
-  <a:objectDefaults>
-    <a:spDef>
-      <a:spPr/>
-      <a:bodyPr/>
-      <a:lstStyle/>
-      <a:style>
-        <a:lnRef idx="1">
-          <a:schemeClr val="accent1"/>
-        </a:lnRef>
-        <a:fillRef idx="3">
-          <a:schemeClr val="accent1"/>
-        </a:fillRef>
-        <a:effectRef idx="2">
-          <a:schemeClr val="accent1"/>
-        </a:effectRef>
-        <a:fontRef idx="minor">
-          <a:schemeClr val="lt1"/>
-        </a:fontRef>
-      </a:style>
-    </a:spDef>
-    <a:lnDef>
-      <a:spPr/>
-      <a:bodyPr/>
-      <a:lstStyle/>
-      <a:style>
-        <a:lnRef idx="2">
-          <a:schemeClr val="accent1"/>
-        </a:lnRef>
-        <a:fillRef idx="0">
-          <a:schemeClr val="accent1"/>
-        </a:fillRef>
-        <a:effectRef idx="1">
-          <a:schemeClr val="accent1"/>
-        </a:effectRef>
-        <a:fontRef idx="minor">
-          <a:schemeClr val="tx1"/>
-        </a:fontRef>
-      </a:style>
-    </a:lnDef>
-  </a:objectDefaults>
+  <a:objectDefaults/>
   <a:extraClrSchemeLst/>
+  <a:extLst>
+    <a:ext uri="{05A4C25C-085E-4340-85A3-A5531E510DB2}">
+      <thm15:themeFamily xmlns:thm15="http://schemas.microsoft.com/office/thememl/2012/main" name="Cosmic Latte" id="{689C1CBC-A372-ED4C-A38C-441AC706A1A4}" vid="{44785AA0-04C0-4846-AC8A-8123607AC8E0}"/>
+    </a:ext>
+  </a:extLst>
 </a:theme>
 </file>
 

--- a/week03/lab.pptx
+++ b/week03/lab.pptx
@@ -288,7 +288,7 @@
           <a:p>
             <a:fld id="{241EB5C9-1307-BA42-ABA2-0BC069CD8E7F}" type="datetimeFigureOut">
               <a:rPr lang="en-US" smtClean="0"/>
-              <a:t>1/31/22</a:t>
+              <a:t>9/29/24</a:t>
             </a:fld>
             <a:endParaRPr lang="en-US"/>
           </a:p>
@@ -417,7 +417,7 @@
             <a:lvl1pPr>
               <a:defRPr>
                 <a:solidFill>
-                  <a:srgbClr val="DC322F"/>
+                  <a:schemeClr val="tx1"/>
                 </a:solidFill>
               </a:defRPr>
             </a:lvl1pPr>
@@ -512,7 +512,7 @@
           <a:p>
             <a:fld id="{241EB5C9-1307-BA42-ABA2-0BC069CD8E7F}" type="datetimeFigureOut">
               <a:rPr lang="en-US" smtClean="0"/>
-              <a:t>1/31/22</a:t>
+              <a:t>9/29/24</a:t>
             </a:fld>
             <a:endParaRPr lang="en-US"/>
           </a:p>
@@ -741,7 +741,7 @@
           <a:p>
             <a:fld id="{241EB5C9-1307-BA42-ABA2-0BC069CD8E7F}" type="datetimeFigureOut">
               <a:rPr lang="en-US" smtClean="0"/>
-              <a:t>1/31/22</a:t>
+              <a:t>9/29/24</a:t>
             </a:fld>
             <a:endParaRPr lang="en-US"/>
           </a:p>
@@ -917,7 +917,7 @@
               <a:buNone/>
               <a:defRPr sz="2000" b="0">
                 <a:solidFill>
-                  <a:srgbClr val="DC322F"/>
+                  <a:schemeClr val="tx1"/>
                 </a:solidFill>
               </a:defRPr>
             </a:lvl1pPr>
@@ -1034,7 +1034,7 @@
           <a:p>
             <a:fld id="{241EB5C9-1307-BA42-ABA2-0BC069CD8E7F}" type="datetimeFigureOut">
               <a:rPr lang="en-US" smtClean="0"/>
-              <a:t>1/31/22</a:t>
+              <a:t>9/29/24</a:t>
             </a:fld>
             <a:endParaRPr lang="en-US"/>
           </a:p>
@@ -1165,7 +1165,7 @@
             <a:lvl1pPr>
               <a:defRPr sz="3200">
                 <a:solidFill>
-                  <a:srgbClr val="DC322F"/>
+                  <a:schemeClr val="tx1"/>
                 </a:solidFill>
                 <a:latin typeface="Trebuchet MS" panose="020B0703020202090204" pitchFamily="34" charset="0"/>
                 <a:cs typeface="Arial" panose="020B0604020202020204" pitchFamily="34" charset="0"/>
@@ -1308,7 +1308,7 @@
           <a:p>
             <a:fld id="{241EB5C9-1307-BA42-ABA2-0BC069CD8E7F}" type="datetimeFigureOut">
               <a:rPr lang="en-US" smtClean="0"/>
-              <a:t>1/31/22</a:t>
+              <a:t>9/29/24</a:t>
             </a:fld>
             <a:endParaRPr lang="en-US"/>
           </a:p>
@@ -1476,7 +1476,7 @@
           <a:p>
             <a:fld id="{241EB5C9-1307-BA42-ABA2-0BC069CD8E7F}" type="datetimeFigureOut">
               <a:rPr lang="en-US" smtClean="0"/>
-              <a:t>1/31/22</a:t>
+              <a:t>9/29/24</a:t>
             </a:fld>
             <a:endParaRPr lang="en-US"/>
           </a:p>
@@ -1605,7 +1605,7 @@
             <a:lvl1pPr>
               <a:defRPr>
                 <a:solidFill>
-                  <a:srgbClr val="DC322F"/>
+                  <a:schemeClr val="tx1"/>
                 </a:solidFill>
               </a:defRPr>
             </a:lvl1pPr>
@@ -1830,7 +1830,7 @@
           <a:p>
             <a:fld id="{241EB5C9-1307-BA42-ABA2-0BC069CD8E7F}" type="datetimeFigureOut">
               <a:rPr lang="en-US" smtClean="0"/>
-              <a:t>1/31/22</a:t>
+              <a:t>9/29/24</a:t>
             </a:fld>
             <a:endParaRPr lang="en-US"/>
           </a:p>
@@ -1959,7 +1959,7 @@
             <a:lvl1pPr>
               <a:defRPr>
                 <a:solidFill>
-                  <a:srgbClr val="DC322F"/>
+                  <a:schemeClr val="tx1"/>
                 </a:solidFill>
               </a:defRPr>
             </a:lvl1pPr>
@@ -2276,7 +2276,7 @@
           <a:p>
             <a:fld id="{241EB5C9-1307-BA42-ABA2-0BC069CD8E7F}" type="datetimeFigureOut">
               <a:rPr lang="en-US" smtClean="0"/>
-              <a:t>1/31/22</a:t>
+              <a:t>9/29/24</a:t>
             </a:fld>
             <a:endParaRPr lang="en-US"/>
           </a:p>
@@ -2442,7 +2442,7 @@
           <a:p>
             <a:fld id="{241EB5C9-1307-BA42-ABA2-0BC069CD8E7F}" type="datetimeFigureOut">
               <a:rPr lang="en-US" smtClean="0"/>
-              <a:t>1/31/22</a:t>
+              <a:t>9/29/24</a:t>
             </a:fld>
             <a:endParaRPr lang="en-US"/>
           </a:p>
@@ -2563,7 +2563,7 @@
           <a:p>
             <a:fld id="{241EB5C9-1307-BA42-ABA2-0BC069CD8E7F}" type="datetimeFigureOut">
               <a:rPr lang="en-US" smtClean="0"/>
-              <a:t>1/31/22</a:t>
+              <a:t>9/29/24</a:t>
             </a:fld>
             <a:endParaRPr lang="en-US"/>
           </a:p>
@@ -2694,7 +2694,7 @@
             <a:lvl1pPr>
               <a:defRPr sz="2800">
                 <a:solidFill>
-                  <a:srgbClr val="DC322F"/>
+                  <a:schemeClr val="tx1"/>
                 </a:solidFill>
               </a:defRPr>
             </a:lvl1pPr>
@@ -2895,7 +2895,7 @@
           <a:p>
             <a:fld id="{241EB5C9-1307-BA42-ABA2-0BC069CD8E7F}" type="datetimeFigureOut">
               <a:rPr lang="en-US" smtClean="0"/>
-              <a:t>1/31/22</a:t>
+              <a:t>9/29/24</a:t>
             </a:fld>
             <a:endParaRPr lang="en-US"/>
           </a:p>
@@ -3026,7 +3026,7 @@
             <a:lvl1pPr>
               <a:defRPr sz="2800">
                 <a:solidFill>
-                  <a:srgbClr val="DC322F"/>
+                  <a:schemeClr val="tx1"/>
                 </a:solidFill>
               </a:defRPr>
             </a:lvl1pPr>
@@ -3207,7 +3207,7 @@
           <a:p>
             <a:fld id="{241EB5C9-1307-BA42-ABA2-0BC069CD8E7F}" type="datetimeFigureOut">
               <a:rPr lang="en-US" smtClean="0"/>
-              <a:t>1/31/22</a:t>
+              <a:t>9/29/24</a:t>
             </a:fld>
             <a:endParaRPr lang="en-US"/>
           </a:p>
@@ -3294,7 +3294,7 @@
     <p:bg>
       <p:bgPr>
         <a:solidFill>
-          <a:srgbClr val="FFF8E7"/>
+          <a:srgbClr val="FFFCF2"/>
         </a:solidFill>
         <a:effectLst/>
       </p:bgPr>
@@ -3422,7 +3422,7 @@
           <a:p>
             <a:fld id="{241EB5C9-1307-BA42-ABA2-0BC069CD8E7F}" type="datetimeFigureOut">
               <a:rPr lang="en-US" smtClean="0"/>
-              <a:t>1/31/22</a:t>
+              <a:t>9/29/24</a:t>
             </a:fld>
             <a:endParaRPr lang="en-US"/>
           </a:p>
@@ -3557,6 +3557,36 @@
           </a:p>
         </p:txBody>
       </p:sp>
+      <p:pic>
+        <p:nvPicPr>
+          <p:cNvPr descr="A cartoon monkey holding a magnifying glass  Description automatically generated" id="2" name="Picture 1">
+            <a:extLst>
+              <a:ext uri="{FF2B5EF4-FFF2-40B4-BE49-F238E27FC236}">
+                <a16:creationId xmlns:a16="http://schemas.microsoft.com/office/drawing/2014/main" id="{72DC9D06-A870-D4AB-1948-5435052EE000}"/>
+              </a:ext>
+            </a:extLst>
+          </p:cNvPr>
+          <p:cNvPicPr>
+            <a:picLocks noChangeAspect="1"/>
+          </p:cNvPicPr>
+          <p:nvPr userDrawn="1"/>
+        </p:nvPicPr>
+        <p:blipFill>
+          <a:blip r:embed="rId14"/>
+          <a:stretch>
+            <a:fillRect/>
+          </a:stretch>
+        </p:blipFill>
+        <p:spPr>
+          <a:xfrm>
+            <a:off x="11056677" y="5670030"/>
+            <a:ext cx="1051446" cy="1051446"/>
+          </a:xfrm>
+          <a:prstGeom prst="rect">
+            <a:avLst/>
+          </a:prstGeom>
+        </p:spPr>
+      </p:pic>
     </p:spTree>
     <p:extLst>
       <p:ext uri="{BB962C8B-B14F-4D97-AF65-F5344CB8AC3E}">
@@ -3591,9 +3621,9 @@
         <a:buNone/>
         <a:defRPr b="1" baseline="0" i="0" kern="1200" sz="3200">
           <a:solidFill>
-            <a:srgbClr val="DC322F"/>
+            <a:schemeClr val="tx1"/>
           </a:solidFill>
-          <a:latin charset="0" panose="020B0703020202090204" pitchFamily="34" typeface="Trebuchet MS"/>
+          <a:latin charset="0" pitchFamily="2" typeface="Atkinson Hyperlegible"/>
           <a:ea typeface="+mj-ea"/>
           <a:cs charset="-79" panose="020B0502020104020203" pitchFamily="34" typeface="Gill Sans"/>
         </a:defRPr>
@@ -3613,7 +3643,7 @@
           <a:solidFill>
             <a:srgbClr val="1A1A1A"/>
           </a:solidFill>
-          <a:latin charset="0" panose="020B0604020202020204" pitchFamily="34" typeface="Arial"/>
+          <a:latin charset="0" pitchFamily="2" typeface="Atkinson Hyperlegible"/>
           <a:ea typeface="+mn-ea"/>
           <a:cs charset="0" panose="020B0604020202020204" pitchFamily="34" typeface="Arial"/>
         </a:defRPr>
@@ -3631,7 +3661,7 @@
           <a:solidFill>
             <a:srgbClr val="1A1A1A"/>
           </a:solidFill>
-          <a:latin charset="0" panose="020B0604020202020204" pitchFamily="34" typeface="Arial"/>
+          <a:latin charset="0" pitchFamily="2" typeface="Atkinson Hyperlegible"/>
           <a:ea typeface="+mn-ea"/>
           <a:cs charset="0" panose="020B0604020202020204" pitchFamily="34" typeface="Arial"/>
         </a:defRPr>
@@ -3649,7 +3679,7 @@
           <a:solidFill>
             <a:srgbClr val="1A1A1A"/>
           </a:solidFill>
-          <a:latin charset="0" panose="020B0604020202020204" pitchFamily="34" typeface="Arial"/>
+          <a:latin charset="0" pitchFamily="2" typeface="Atkinson Hyperlegible"/>
           <a:ea typeface="+mn-ea"/>
           <a:cs charset="0" panose="020B0604020202020204" pitchFamily="34" typeface="Arial"/>
         </a:defRPr>
@@ -3667,7 +3697,7 @@
           <a:solidFill>
             <a:srgbClr val="1A1A1A"/>
           </a:solidFill>
-          <a:latin charset="0" panose="020B0604020202020204" pitchFamily="34" typeface="Arial"/>
+          <a:latin charset="0" pitchFamily="2" typeface="Atkinson Hyperlegible"/>
           <a:ea typeface="+mn-ea"/>
           <a:cs charset="0" panose="020B0604020202020204" pitchFamily="34" typeface="Arial"/>
         </a:defRPr>
@@ -3685,7 +3715,7 @@
           <a:solidFill>
             <a:srgbClr val="1A1A1A"/>
           </a:solidFill>
-          <a:latin charset="0" panose="020B0604020202020204" pitchFamily="34" typeface="Arial"/>
+          <a:latin charset="0" pitchFamily="2" typeface="Atkinson Hyperlegible"/>
           <a:ea typeface="+mn-ea"/>
           <a:cs charset="0" panose="020B0604020202020204" pitchFamily="34" typeface="Arial"/>
         </a:defRPr>

--- a/week03/lab.pptx
+++ b/week03/lab.pptx
@@ -4048,7 +4048,7 @@
           <p:cNvPr id="2" name="Title 1">
             <a:extLst>
               <a:ext uri="{FF2B5EF4-FFF2-40B4-BE49-F238E27FC236}">
-                <a16:creationId xmlns:a16="http://schemas.microsoft.com/office/drawing/2014/main" id="{F3186003-B489-CA46-A95C-C1AECC0CA4D3}"/>
+                <a16:creationId xmlns:a16="http://schemas.microsoft.com/office/drawing/2014/main" id="{DD9B8E45-0772-954C-8D4B-6E6808DFEDED}"/>
               </a:ext>
             </a:extLst>
           </p:cNvPr>
@@ -4061,8 +4061,8 @@
         </p:nvSpPr>
         <p:spPr>
           <a:xfrm>
-            <a:off x="839788" y="457200"/>
-            <a:ext cx="3932237" cy="1600200"/>
+            <a:off x="838200" y="365129"/>
+            <a:ext cx="10515600" cy="1325563"/>
           </a:xfrm>
           <a:prstGeom prst="rect">
             <a:avLst/>
@@ -4084,18 +4084,18 @@
       </p:sp>
       <p:sp>
         <p:nvSpPr>
-          <p:cNvPr id="4" name="Text Placeholder 3">
-            <a:extLst>
-              <a:ext uri="{FF2B5EF4-FFF2-40B4-BE49-F238E27FC236}">
-                <a16:creationId xmlns:a16="http://schemas.microsoft.com/office/drawing/2014/main" id="{898BA411-2A54-A94A-B3FC-826281DBEADF}"/>
-              </a:ext>
-            </a:extLst>
-          </p:cNvPr>
-          <p:cNvSpPr>
-            <a:spLocks noGrp="1"/>
-          </p:cNvSpPr>
-          <p:nvPr>
-            <p:ph idx="2" sz="half" type="body"/>
+          <p:cNvPr id="3" name="Content Placeholder 2">
+            <a:extLst>
+              <a:ext uri="{FF2B5EF4-FFF2-40B4-BE49-F238E27FC236}">
+                <a16:creationId xmlns:a16="http://schemas.microsoft.com/office/drawing/2014/main" id="{A4EB24F9-04F1-C843-9D71-56C5C024552B}"/>
+              </a:ext>
+            </a:extLst>
+          </p:cNvPr>
+          <p:cNvSpPr>
+            <a:spLocks noGrp="1"/>
+          </p:cNvSpPr>
+          <p:nvPr>
+            <p:ph idx="1"/>
           </p:nvPr>
         </p:nvSpPr>
         <p:spPr/>
@@ -4291,7 +4291,7 @@
             </a:pPr>
             <a:r>
               <a:rPr b="1"/>
-              <a:t>Design Schematic</a:t>
+              <a:t>Submit your chosen paper and information on your current group</a:t>
             </a:r>
           </a:p>
           <a:p>
@@ -4300,51 +4300,11 @@
             </a:pPr>
             <a:r>
               <a:rPr/>
-              <a:t>You will be required to complete elements of this diagram and include it in your Critical Proposal. How much of it could you think about completing now? (The template can be downloaded on the VLE in the Coursework Information section, and edited at </a:t>
-            </a:r>
-            <a:r>
-              <a:rPr>
-                <a:hlinkClick r:id="rId2"/>
-              </a:rPr>
-              <a:t>www.draw.io</a:t>
-            </a:r>
-            <a:r>
-              <a:rPr/>
-              <a:t>)</a:t>
-            </a:r>
-          </a:p>
-        </p:txBody>
-      </p:sp>
-      <p:pic>
-        <p:nvPicPr>
-          <p:cNvPr descr="images/Thisismydesign.drawio-02.png" id="0" name="Picture 1"/>
-          <p:cNvPicPr>
-            <a:picLocks noGrp="1" noChangeAspect="1"/>
-          </p:cNvPicPr>
-          <p:nvPr/>
-        </p:nvPicPr>
-        <p:blipFill>
-          <a:blip r:embed="rId3"/>
-          <a:stretch>
-            <a:fillRect/>
-          </a:stretch>
-        </p:blipFill>
-        <p:spPr bwMode="auto">
-          <a:xfrm>
-            <a:off x="5181600" y="1384300"/>
-            <a:ext cx="6172200" cy="4051300"/>
-          </a:xfrm>
-          <a:prstGeom prst="rect">
-            <a:avLst/>
-          </a:prstGeom>
-          <a:noFill/>
-          <a:ln w="9525">
-            <a:noFill/>
-            <a:headEnd/>
-            <a:tailEnd/>
-          </a:ln>
-        </p:spPr>
-      </p:pic>
+              <a:t>This is Compulsory by end of the week.</a:t>
+            </a:r>
+          </a:p>
+        </p:txBody>
+      </p:sp>
     </p:spTree>
   </p:cSld>
 </p:sld>
